--- a/SE2019春-G25-可行性分析1.0.pptx
+++ b/SE2019春-G25-可行性分析1.0.pptx
@@ -5,7 +5,7 @@
     <p:sldMasterId id="2147483660" r:id="rId1"/>
   </p:sldMasterIdLst>
   <p:notesMasterIdLst>
-    <p:notesMasterId r:id="rId32"/>
+    <p:notesMasterId r:id="rId33"/>
   </p:notesMasterIdLst>
   <p:sldIdLst>
     <p:sldId id="368" r:id="rId2"/>
@@ -36,8 +36,9 @@
     <p:sldId id="390" r:id="rId27"/>
     <p:sldId id="391" r:id="rId28"/>
     <p:sldId id="392" r:id="rId29"/>
-    <p:sldId id="393" r:id="rId30"/>
-    <p:sldId id="394" r:id="rId31"/>
+    <p:sldId id="398" r:id="rId30"/>
+    <p:sldId id="393" r:id="rId31"/>
+    <p:sldId id="394" r:id="rId32"/>
   </p:sldIdLst>
   <p:sldSz cx="9144000" cy="6858000" type="screen4x3"/>
   <p:notesSz cx="6858000" cy="9144000"/>
@@ -169,6 +170,7 @@
             <p14:sldId id="390"/>
             <p14:sldId id="391"/>
             <p14:sldId id="392"/>
+            <p14:sldId id="398"/>
             <p14:sldId id="393"/>
             <p14:sldId id="394"/>
           </p14:sldIdLst>
@@ -275,7 +277,7 @@
           <a:p>
             <a:fld id="{4848E391-FE89-4CC7-9BD0-ACE05D40C667}" type="datetimeFigureOut">
               <a:rPr lang="zh-CN" altLang="en-US" smtClean="0"/>
-              <a:t>2019/3/31</a:t>
+              <a:t>2019/5/16</a:t>
             </a:fld>
             <a:endParaRPr lang="zh-CN" altLang="en-US"/>
           </a:p>
@@ -696,7 +698,7 @@
           <a:p>
             <a:fld id="{FC721462-D095-4E59-A8AC-4FBA96965AB6}" type="slidenum">
               <a:rPr lang="zh-CN" altLang="en-US" smtClean="0"/>
-              <a:t>30</a:t>
+              <a:t>31</a:t>
             </a:fld>
             <a:endParaRPr lang="zh-CN" altLang="en-US"/>
           </a:p>
@@ -846,7 +848,7 @@
           <a:p>
             <a:fld id="{8872F5F8-F761-48C6-9267-8C5034088554}" type="datetimeFigureOut">
               <a:rPr lang="zh-CN" altLang="en-US" smtClean="0"/>
-              <a:t>2019/3/31</a:t>
+              <a:t>2019/5/16</a:t>
             </a:fld>
             <a:endParaRPr lang="zh-CN" altLang="en-US"/>
           </a:p>
@@ -1016,7 +1018,7 @@
           <a:p>
             <a:fld id="{8872F5F8-F761-48C6-9267-8C5034088554}" type="datetimeFigureOut">
               <a:rPr lang="zh-CN" altLang="en-US" smtClean="0"/>
-              <a:t>2019/3/31</a:t>
+              <a:t>2019/5/16</a:t>
             </a:fld>
             <a:endParaRPr lang="zh-CN" altLang="en-US"/>
           </a:p>
@@ -1196,7 +1198,7 @@
           <a:p>
             <a:fld id="{8872F5F8-F761-48C6-9267-8C5034088554}" type="datetimeFigureOut">
               <a:rPr lang="zh-CN" altLang="en-US" smtClean="0"/>
-              <a:t>2019/3/31</a:t>
+              <a:t>2019/5/16</a:t>
             </a:fld>
             <a:endParaRPr lang="zh-CN" altLang="en-US"/>
           </a:p>
@@ -1408,7 +1410,7 @@
           <a:p>
             <a:fld id="{8872F5F8-F761-48C6-9267-8C5034088554}" type="datetimeFigureOut">
               <a:rPr lang="zh-CN" altLang="en-US" smtClean="0"/>
-              <a:t>2019/3/31</a:t>
+              <a:t>2019/5/16</a:t>
             </a:fld>
             <a:endParaRPr lang="zh-CN" altLang="en-US"/>
           </a:p>
@@ -1652,7 +1654,7 @@
           <a:p>
             <a:fld id="{8872F5F8-F761-48C6-9267-8C5034088554}" type="datetimeFigureOut">
               <a:rPr lang="zh-CN" altLang="en-US" smtClean="0"/>
-              <a:t>2019/3/31</a:t>
+              <a:t>2019/5/16</a:t>
             </a:fld>
             <a:endParaRPr lang="zh-CN" altLang="en-US"/>
           </a:p>
@@ -1884,7 +1886,7 @@
           <a:p>
             <a:fld id="{8872F5F8-F761-48C6-9267-8C5034088554}" type="datetimeFigureOut">
               <a:rPr lang="zh-CN" altLang="en-US" smtClean="0"/>
-              <a:t>2019/3/31</a:t>
+              <a:t>2019/5/16</a:t>
             </a:fld>
             <a:endParaRPr lang="zh-CN" altLang="en-US"/>
           </a:p>
@@ -2251,7 +2253,7 @@
           <a:p>
             <a:fld id="{8872F5F8-F761-48C6-9267-8C5034088554}" type="datetimeFigureOut">
               <a:rPr lang="zh-CN" altLang="en-US" smtClean="0"/>
-              <a:t>2019/3/31</a:t>
+              <a:t>2019/5/16</a:t>
             </a:fld>
             <a:endParaRPr lang="zh-CN" altLang="en-US"/>
           </a:p>
@@ -2369,7 +2371,7 @@
           <a:p>
             <a:fld id="{8872F5F8-F761-48C6-9267-8C5034088554}" type="datetimeFigureOut">
               <a:rPr lang="zh-CN" altLang="en-US" smtClean="0"/>
-              <a:t>2019/3/31</a:t>
+              <a:t>2019/5/16</a:t>
             </a:fld>
             <a:endParaRPr lang="zh-CN" altLang="en-US"/>
           </a:p>
@@ -2464,7 +2466,7 @@
           <a:p>
             <a:fld id="{8872F5F8-F761-48C6-9267-8C5034088554}" type="datetimeFigureOut">
               <a:rPr lang="zh-CN" altLang="en-US" smtClean="0"/>
-              <a:t>2019/3/31</a:t>
+              <a:t>2019/5/16</a:t>
             </a:fld>
             <a:endParaRPr lang="zh-CN" altLang="en-US"/>
           </a:p>
@@ -2741,7 +2743,7 @@
           <a:p>
             <a:fld id="{8872F5F8-F761-48C6-9267-8C5034088554}" type="datetimeFigureOut">
               <a:rPr lang="zh-CN" altLang="en-US" smtClean="0"/>
-              <a:t>2019/3/31</a:t>
+              <a:t>2019/5/16</a:t>
             </a:fld>
             <a:endParaRPr lang="zh-CN" altLang="en-US"/>
           </a:p>
@@ -2998,7 +3000,7 @@
           <a:p>
             <a:fld id="{8872F5F8-F761-48C6-9267-8C5034088554}" type="datetimeFigureOut">
               <a:rPr lang="zh-CN" altLang="en-US" smtClean="0"/>
-              <a:t>2019/3/31</a:t>
+              <a:t>2019/5/16</a:t>
             </a:fld>
             <a:endParaRPr lang="zh-CN" altLang="en-US"/>
           </a:p>
@@ -3214,7 +3216,7 @@
           <a:p>
             <a:fld id="{8872F5F8-F761-48C6-9267-8C5034088554}" type="datetimeFigureOut">
               <a:rPr lang="zh-CN" altLang="en-US" smtClean="0"/>
-              <a:t>2019/3/31</a:t>
+              <a:t>2019/5/16</a:t>
             </a:fld>
             <a:endParaRPr lang="zh-CN" altLang="en-US"/>
           </a:p>
@@ -3810,7 +3812,7 @@
           <a:p>
             <a:pPr algn="ctr"/>
             <a:r>
-              <a:rPr lang="en-US" altLang="zh-CN" sz="4050" b="1" dirty="0" smtClean="0">
+              <a:rPr lang="en-US" altLang="zh-CN" sz="4050" b="1" dirty="0">
                 <a:latin typeface="+mj-ea"/>
                 <a:ea typeface="+mj-ea"/>
               </a:rPr>
@@ -3822,17 +3824,9 @@
                 <a:ea typeface="宋体" panose="02010600030101010101" pitchFamily="2" charset="-122"/>
                 <a:cs typeface="Times New Roman" panose="02020603050405020304" pitchFamily="18" charset="0"/>
               </a:rPr>
-              <a:t>功能课程表学习效率</a:t>
-            </a:r>
-            <a:r>
-              <a:rPr lang="zh-CN" altLang="zh-CN" sz="4400" kern="100" dirty="0" smtClean="0">
-                <a:latin typeface="Times New Roman" panose="02020603050405020304" pitchFamily="18" charset="0"/>
-                <a:ea typeface="宋体" panose="02010600030101010101" pitchFamily="2" charset="-122"/>
-                <a:cs typeface="Times New Roman" panose="02020603050405020304" pitchFamily="18" charset="0"/>
-              </a:rPr>
-              <a:t>软件</a:t>
-            </a:r>
-            <a:endParaRPr lang="en-US" altLang="zh-CN" sz="4400" kern="100" dirty="0" smtClean="0">
+              <a:t>功能课程表学习效率软件</a:t>
+            </a:r>
+            <a:endParaRPr lang="en-US" altLang="zh-CN" sz="4400" kern="100" dirty="0">
               <a:latin typeface="Times New Roman" panose="02020603050405020304" pitchFamily="18" charset="0"/>
               <a:ea typeface="宋体" panose="02010600030101010101" pitchFamily="2" charset="-122"/>
               <a:cs typeface="Times New Roman" panose="02020603050405020304" pitchFamily="18" charset="0"/>
@@ -5128,20 +5122,10 @@
                   <a:latin typeface="微软雅黑 Light" panose="020B0502040204020203" pitchFamily="34" charset="-122"/>
                   <a:ea typeface="微软雅黑 Light" panose="020B0502040204020203" pitchFamily="34" charset="-122"/>
                 </a:rPr>
-                <a:t>2</a:t>
+                <a:t>2.</a:t>
               </a:r>
               <a:r>
-                <a:rPr lang="en-US" altLang="zh-CN" sz="3600" dirty="0" smtClean="0">
-                  <a:solidFill>
-                    <a:schemeClr val="bg1"/>
-                  </a:solidFill>
-                  <a:latin typeface="微软雅黑 Light" panose="020B0502040204020203" pitchFamily="34" charset="-122"/>
-                  <a:ea typeface="微软雅黑 Light" panose="020B0502040204020203" pitchFamily="34" charset="-122"/>
-                </a:rPr>
-                <a:t>.</a:t>
-              </a:r>
-              <a:r>
-                <a:rPr lang="zh-CN" altLang="en-US" sz="3600" dirty="0" smtClean="0">
+                <a:rPr lang="zh-CN" altLang="en-US" sz="3600" dirty="0">
                   <a:solidFill>
                     <a:schemeClr val="bg1"/>
                   </a:solidFill>
@@ -5192,7 +5176,7 @@
             <a:lstStyle/>
             <a:p>
               <a:r>
-                <a:rPr lang="en-US" altLang="zh-CN" sz="2400" dirty="0" smtClean="0">
+                <a:rPr lang="en-US" altLang="zh-CN" sz="2400" dirty="0">
                   <a:solidFill>
                     <a:schemeClr val="bg1"/>
                   </a:solidFill>
@@ -5239,10 +5223,10 @@
               </a:lnSpc>
             </a:pPr>
             <a:r>
-              <a:rPr lang="zh-CN" altLang="zh-CN" dirty="0" smtClean="0"/>
+              <a:rPr lang="zh-CN" altLang="zh-CN" dirty="0"/>
               <a:t>《软件工程导论》</a:t>
             </a:r>
-            <a:endParaRPr lang="en-US" altLang="zh-CN" dirty="0" smtClean="0"/>
+            <a:endParaRPr lang="en-US" altLang="zh-CN" dirty="0"/>
           </a:p>
           <a:p>
             <a:pPr>
@@ -5251,18 +5235,10 @@
               </a:lnSpc>
             </a:pPr>
             <a:r>
-              <a:rPr lang="zh-CN" altLang="zh-CN" dirty="0" smtClean="0"/>
-              <a:t>出版社</a:t>
-            </a:r>
-            <a:r>
               <a:rPr lang="zh-CN" altLang="zh-CN" dirty="0"/>
-              <a:t>：清华大学出版社 作者：张海藩、</a:t>
-            </a:r>
-            <a:r>
-              <a:rPr lang="zh-CN" altLang="zh-CN" dirty="0" smtClean="0"/>
-              <a:t>牟永敏</a:t>
-            </a:r>
-            <a:endParaRPr lang="en-US" altLang="zh-CN" dirty="0" smtClean="0"/>
+              <a:t>出版社：清华大学出版社 作者：张海藩、牟永敏</a:t>
+            </a:r>
+            <a:endParaRPr lang="en-US" altLang="zh-CN" dirty="0"/>
           </a:p>
           <a:p>
             <a:pPr>
@@ -5283,10 +5259,10 @@
               </a:lnSpc>
             </a:pPr>
             <a:r>
-              <a:rPr lang="zh-CN" altLang="zh-CN" dirty="0" smtClean="0"/>
+              <a:rPr lang="zh-CN" altLang="zh-CN" dirty="0"/>
               <a:t>《微信小程序开发零基础入门》</a:t>
             </a:r>
-            <a:endParaRPr lang="en-US" altLang="zh-CN" dirty="0" smtClean="0"/>
+            <a:endParaRPr lang="en-US" altLang="zh-CN" dirty="0"/>
           </a:p>
           <a:p>
             <a:pPr>
@@ -5295,18 +5271,10 @@
               </a:lnSpc>
             </a:pPr>
             <a:r>
-              <a:rPr lang="zh-CN" altLang="zh-CN" dirty="0" smtClean="0"/>
-              <a:t> </a:t>
-            </a:r>
-            <a:r>
               <a:rPr lang="zh-CN" altLang="zh-CN" dirty="0"/>
-              <a:t>出版社：清华大学出版社 作者：周文</a:t>
-            </a:r>
-            <a:r>
-              <a:rPr lang="zh-CN" altLang="zh-CN" dirty="0" smtClean="0"/>
-              <a:t>洁</a:t>
-            </a:r>
-            <a:endParaRPr lang="en-US" altLang="zh-CN" dirty="0" smtClean="0"/>
+              <a:t> 出版社：清华大学出版社 作者：周文洁</a:t>
+            </a:r>
+            <a:endParaRPr lang="en-US" altLang="zh-CN" dirty="0"/>
           </a:p>
           <a:p>
             <a:pPr>
@@ -5336,13 +5304,9 @@
             </a:r>
             <a:r>
               <a:rPr lang="zh-CN" altLang="zh-CN" dirty="0"/>
-              <a:t>语言程序设计</a:t>
-            </a:r>
-            <a:r>
-              <a:rPr lang="zh-CN" altLang="zh-CN" dirty="0" smtClean="0"/>
-              <a:t>》</a:t>
-            </a:r>
-            <a:endParaRPr lang="en-US" altLang="zh-CN" dirty="0" smtClean="0"/>
+              <a:t>语言程序设计》</a:t>
+            </a:r>
+            <a:endParaRPr lang="en-US" altLang="zh-CN" dirty="0"/>
           </a:p>
           <a:p>
             <a:pPr>
@@ -5351,18 +5315,10 @@
               </a:lnSpc>
             </a:pPr>
             <a:r>
-              <a:rPr lang="zh-CN" altLang="zh-CN" dirty="0" smtClean="0"/>
-              <a:t> </a:t>
-            </a:r>
-            <a:r>
               <a:rPr lang="zh-CN" altLang="zh-CN" dirty="0"/>
-              <a:t>出版社：机械工业出版社 作者：梁</a:t>
-            </a:r>
-            <a:r>
-              <a:rPr lang="zh-CN" altLang="zh-CN" dirty="0" smtClean="0"/>
-              <a:t>勇</a:t>
-            </a:r>
-            <a:endParaRPr lang="en-US" altLang="zh-CN" dirty="0" smtClean="0"/>
+              <a:t> 出版社：机械工业出版社 作者：梁勇</a:t>
+            </a:r>
+            <a:endParaRPr lang="en-US" altLang="zh-CN" dirty="0"/>
           </a:p>
           <a:p>
             <a:pPr>
@@ -5388,13 +5344,9 @@
             </a:r>
             <a:r>
               <a:rPr lang="zh-CN" altLang="zh-CN" dirty="0"/>
-              <a:t>编程基础</a:t>
-            </a:r>
-            <a:r>
-              <a:rPr lang="zh-CN" altLang="zh-CN" dirty="0" smtClean="0"/>
-              <a:t>》</a:t>
-            </a:r>
-            <a:endParaRPr lang="en-US" altLang="zh-CN" dirty="0" smtClean="0"/>
+              <a:t>编程基础》</a:t>
+            </a:r>
+            <a:endParaRPr lang="en-US" altLang="zh-CN" dirty="0"/>
           </a:p>
           <a:p>
             <a:pPr>
@@ -5403,12 +5355,8 @@
               </a:lnSpc>
             </a:pPr>
             <a:r>
-              <a:rPr lang="zh-CN" altLang="zh-CN" dirty="0" smtClean="0"/>
-              <a:t> </a:t>
-            </a:r>
-            <a:r>
               <a:rPr lang="zh-CN" altLang="zh-CN" dirty="0"/>
-              <a:t>出版社</a:t>
+              <a:t> 出版社</a:t>
             </a:r>
             <a:r>
               <a:rPr lang="en-US" altLang="zh-CN" dirty="0"/>
@@ -5430,7 +5378,6 @@
               <a:rPr lang="en-US" altLang="zh-CN" dirty="0"/>
               <a:t>. </a:t>
             </a:r>
-            <a:endParaRPr lang="en-US" altLang="zh-CN" dirty="0" smtClean="0"/>
           </a:p>
           <a:p>
             <a:pPr>
@@ -5447,10 +5394,10 @@
               </a:lnSpc>
             </a:pPr>
             <a:r>
-              <a:rPr lang="zh-CN" altLang="zh-CN" dirty="0" smtClean="0"/>
+              <a:rPr lang="zh-CN" altLang="zh-CN" dirty="0"/>
               <a:t>《数据库系统概论》</a:t>
             </a:r>
-            <a:endParaRPr lang="en-US" altLang="zh-CN" dirty="0" smtClean="0"/>
+            <a:endParaRPr lang="en-US" altLang="zh-CN" dirty="0"/>
           </a:p>
           <a:p>
             <a:pPr>
@@ -5459,12 +5406,8 @@
               </a:lnSpc>
             </a:pPr>
             <a:r>
-              <a:rPr lang="zh-CN" altLang="zh-CN" dirty="0" smtClean="0"/>
-              <a:t> </a:t>
-            </a:r>
-            <a:r>
               <a:rPr lang="zh-CN" altLang="zh-CN" dirty="0"/>
-              <a:t>出版社：高等教育出版社 作者：王珊，萨师煊</a:t>
+              <a:t> 出版社：高等教育出版社 作者：王珊，萨师煊</a:t>
             </a:r>
           </a:p>
           <a:p>
@@ -5540,20 +5483,12 @@
           <a:lstStyle/>
           <a:p>
             <a:r>
-              <a:rPr kumimoji="1" lang="zh-CN" altLang="en-US" sz="2000" dirty="0" smtClean="0">
-                <a:latin typeface="微软雅黑" panose="020B0503020204020204" pitchFamily="34" charset="-122"/>
-                <a:ea typeface="微软雅黑" panose="020B0503020204020204" pitchFamily="34" charset="-122"/>
-                <a:cs typeface="Microsoft YaHei" charset="-122"/>
-              </a:rPr>
-              <a:t>参考</a:t>
-            </a:r>
-            <a:r>
               <a:rPr kumimoji="1" lang="zh-CN" altLang="en-US" sz="2000" dirty="0">
                 <a:latin typeface="微软雅黑" panose="020B0503020204020204" pitchFamily="34" charset="-122"/>
                 <a:ea typeface="微软雅黑" panose="020B0503020204020204" pitchFamily="34" charset="-122"/>
                 <a:cs typeface="Microsoft YaHei" charset="-122"/>
               </a:rPr>
-              <a:t>资料</a:t>
+              <a:t>参考资料</a:t>
             </a:r>
           </a:p>
         </p:txBody>
@@ -5861,13 +5796,6 @@
       </p:transition>
     </mc:Fallback>
   </mc:AlternateContent>
-  <p:timing>
-    <p:tnLst>
-      <p:par>
-        <p:cTn id="1" dur="indefinite" restart="never" nodeType="tmRoot"/>
-      </p:par>
-    </p:tnLst>
-  </p:timing>
 </p:sld>
 </file>
 
@@ -5989,16 +5917,6 @@
             <a:lstStyle/>
             <a:p>
               <a:r>
-                <a:rPr lang="en-US" altLang="zh-CN" sz="3200" kern="100" dirty="0" smtClean="0">
-                  <a:solidFill>
-                    <a:schemeClr val="bg1"/>
-                  </a:solidFill>
-                  <a:latin typeface="微软雅黑 Light" panose="020B0502040204020203" pitchFamily="34" charset="-122"/>
-                  <a:ea typeface="微软雅黑 Light" panose="020B0502040204020203" pitchFamily="34" charset="-122"/>
-                </a:rPr>
-                <a:t>3</a:t>
-              </a:r>
-              <a:r>
                 <a:rPr lang="en-US" altLang="zh-CN" sz="3200" kern="100" dirty="0">
                   <a:solidFill>
                     <a:schemeClr val="bg1"/>
@@ -6006,10 +5924,10 @@
                   <a:latin typeface="微软雅黑 Light" panose="020B0502040204020203" pitchFamily="34" charset="-122"/>
                   <a:ea typeface="微软雅黑 Light" panose="020B0502040204020203" pitchFamily="34" charset="-122"/>
                 </a:rPr>
-                <a:t>.</a:t>
+                <a:t>3.</a:t>
               </a:r>
               <a:r>
-                <a:rPr lang="zh-CN" altLang="en-US" sz="3200" kern="100" dirty="0" smtClean="0">
+                <a:rPr lang="zh-CN" altLang="en-US" sz="3200" kern="100" dirty="0">
                   <a:solidFill>
                     <a:schemeClr val="bg1"/>
                   </a:solidFill>
@@ -6018,7 +5936,7 @@
                 </a:rPr>
                 <a:t>可行性分析的前提</a:t>
               </a:r>
-              <a:endParaRPr lang="en-US" altLang="zh-CN" sz="3200" kern="100" dirty="0" smtClean="0">
+              <a:endParaRPr lang="en-US" altLang="zh-CN" sz="3200" kern="100" dirty="0">
                 <a:solidFill>
                   <a:schemeClr val="bg1"/>
                 </a:solidFill>
@@ -6067,17 +5985,7 @@
                   <a:latin typeface="微软雅黑 Light" panose="020B0502040204020203" pitchFamily="34" charset="-122"/>
                   <a:ea typeface="微软雅黑 Light" panose="020B0502040204020203" pitchFamily="34" charset="-122"/>
                 </a:rPr>
-                <a:t>Prerequisites for Feasibility </a:t>
-              </a:r>
-              <a:r>
-                <a:rPr lang="en-US" altLang="zh-CN" sz="2400" dirty="0" smtClean="0">
-                  <a:solidFill>
-                    <a:schemeClr val="bg1"/>
-                  </a:solidFill>
-                  <a:latin typeface="微软雅黑 Light" panose="020B0502040204020203" pitchFamily="34" charset="-122"/>
-                  <a:ea typeface="微软雅黑 Light" panose="020B0502040204020203" pitchFamily="34" charset="-122"/>
-                </a:rPr>
-                <a:t>Analysis</a:t>
+                <a:t>Prerequisites for Feasibility Analysis</a:t>
               </a:r>
               <a:endParaRPr lang="yo-NG" altLang="zh-CN" dirty="0"/>
             </a:p>
@@ -6921,13 +6829,6 @@
       </p:transition>
     </mc:Fallback>
   </mc:AlternateContent>
-  <p:timing>
-    <p:tnLst>
-      <p:par>
-        <p:cTn id="1" dur="indefinite" restart="never" nodeType="tmRoot"/>
-      </p:par>
-    </p:tnLst>
-  </p:timing>
 </p:sld>
 </file>
 
@@ -7455,13 +7356,6 @@
       </p:transition>
     </mc:Fallback>
   </mc:AlternateContent>
-  <p:timing>
-    <p:tnLst>
-      <p:par>
-        <p:cTn id="1" dur="indefinite" restart="never" nodeType="tmRoot"/>
-      </p:par>
-    </p:tnLst>
-  </p:timing>
 </p:sld>
 </file>
 
@@ -8115,16 +8009,6 @@
           <a:lstStyle/>
           <a:p>
             <a:r>
-              <a:rPr lang="en-US" altLang="zh-CN" sz="3200" kern="100" dirty="0" smtClean="0">
-                <a:solidFill>
-                  <a:schemeClr val="bg1"/>
-                </a:solidFill>
-                <a:latin typeface="微软雅黑 Light" panose="020B0502040204020203" pitchFamily="34" charset="-122"/>
-                <a:ea typeface="微软雅黑 Light" panose="020B0502040204020203" pitchFamily="34" charset="-122"/>
-              </a:rPr>
-              <a:t>3</a:t>
-            </a:r>
-            <a:r>
               <a:rPr lang="en-US" altLang="zh-CN" sz="3200" kern="100" dirty="0">
                 <a:solidFill>
                   <a:schemeClr val="bg1"/>
@@ -8132,10 +8016,10 @@
                 <a:latin typeface="微软雅黑 Light" panose="020B0502040204020203" pitchFamily="34" charset="-122"/>
                 <a:ea typeface="微软雅黑 Light" panose="020B0502040204020203" pitchFamily="34" charset="-122"/>
               </a:rPr>
-              <a:t>.</a:t>
-            </a:r>
-            <a:r>
-              <a:rPr lang="zh-CN" altLang="en-US" sz="3200" kern="100" dirty="0" smtClean="0">
+              <a:t>3.</a:t>
+            </a:r>
+            <a:r>
+              <a:rPr lang="zh-CN" altLang="en-US" sz="3200" kern="100" dirty="0">
                 <a:solidFill>
                   <a:schemeClr val="bg1"/>
                 </a:solidFill>
@@ -8144,7 +8028,7 @@
               </a:rPr>
               <a:t>可行性分析的前提</a:t>
             </a:r>
-            <a:endParaRPr lang="en-US" altLang="zh-CN" sz="3200" kern="100" dirty="0" smtClean="0">
+            <a:endParaRPr lang="en-US" altLang="zh-CN" sz="3200" kern="100" dirty="0">
               <a:solidFill>
                 <a:schemeClr val="bg1"/>
               </a:solidFill>
@@ -8176,13 +8060,6 @@
       </p:transition>
     </mc:Fallback>
   </mc:AlternateContent>
-  <p:timing>
-    <p:tnLst>
-      <p:par>
-        <p:cTn id="1" dur="indefinite" restart="never" nodeType="tmRoot"/>
-      </p:par>
-    </p:tnLst>
-  </p:timing>
 </p:sld>
 </file>
 
@@ -9505,13 +9382,6 @@
       </p:transition>
     </mc:Fallback>
   </mc:AlternateContent>
-  <p:timing>
-    <p:tnLst>
-      <p:par>
-        <p:cTn id="1" dur="indefinite" restart="never" nodeType="tmRoot"/>
-      </p:par>
-    </p:tnLst>
-  </p:timing>
 </p:sld>
 </file>
 
@@ -10266,13 +10136,6 @@
       </p:transition>
     </mc:Fallback>
   </mc:AlternateContent>
-  <p:timing>
-    <p:tnLst>
-      <p:par>
-        <p:cTn id="1" dur="indefinite" restart="never" nodeType="tmRoot"/>
-      </p:par>
-    </p:tnLst>
-  </p:timing>
 </p:sld>
 </file>
 
@@ -10482,7 +10345,7 @@
             <a:lstStyle/>
             <a:p>
               <a:r>
-                <a:rPr lang="en-US" altLang="zh-CN" sz="2400" kern="100" dirty="0" smtClean="0">
+                <a:rPr lang="en-US" altLang="zh-CN" sz="2400" kern="100" dirty="0">
                   <a:solidFill>
                     <a:schemeClr val="bg1"/>
                   </a:solidFill>
@@ -10492,7 +10355,7 @@
                 <a:t>4.</a:t>
               </a:r>
               <a:r>
-                <a:rPr lang="zh-CN" altLang="en-US" sz="2400" kern="100" dirty="0" smtClean="0">
+                <a:rPr lang="zh-CN" altLang="en-US" sz="2400" kern="100" dirty="0">
                   <a:solidFill>
                     <a:schemeClr val="bg1"/>
                   </a:solidFill>
@@ -10501,7 +10364,7 @@
                 </a:rPr>
                 <a:t>可选的方案</a:t>
               </a:r>
-              <a:endParaRPr lang="en-US" altLang="zh-CN" sz="2400" kern="100" dirty="0" smtClean="0">
+              <a:endParaRPr lang="en-US" altLang="zh-CN" sz="2400" kern="100" dirty="0">
                 <a:solidFill>
                   <a:schemeClr val="bg1"/>
                 </a:solidFill>
@@ -10687,10 +10550,6 @@
               </a:rPr>
               <a:t> </a:t>
             </a:r>
-            <a:endParaRPr lang="en-US" altLang="zh-CN" kern="100" dirty="0" smtClean="0">
-              <a:latin typeface="Times New Roman" panose="02020603050405020304" pitchFamily="18" charset="0"/>
-              <a:ea typeface="宋体" panose="02010600030101010101" pitchFamily="2" charset="-122"/>
-            </a:endParaRPr>
           </a:p>
           <a:p>
             <a:pPr marL="800100" indent="127000" algn="just">
@@ -10710,25 +10569,18 @@
               </a:spcAft>
             </a:pPr>
             <a:r>
-              <a:rPr lang="en-US" altLang="zh-CN" kern="100" dirty="0" smtClean="0">
+              <a:rPr lang="en-US" altLang="zh-CN" kern="100" dirty="0">
                 <a:latin typeface="Times New Roman" panose="02020603050405020304" pitchFamily="18" charset="0"/>
                 <a:ea typeface="宋体" panose="02010600030101010101" pitchFamily="2" charset="-122"/>
               </a:rPr>
               <a:t>2.    </a:t>
             </a:r>
             <a:r>
-              <a:rPr lang="zh-CN" altLang="zh-CN" kern="100" dirty="0" smtClean="0">
-                <a:latin typeface="Times New Roman" panose="02020603050405020304" pitchFamily="18" charset="0"/>
-                <a:ea typeface="宋体" panose="02010600030101010101" pitchFamily="2" charset="-122"/>
-              </a:rPr>
-              <a:t>优点</a:t>
-            </a:r>
-            <a:r>
               <a:rPr lang="zh-CN" altLang="zh-CN" kern="100" dirty="0">
                 <a:latin typeface="Times New Roman" panose="02020603050405020304" pitchFamily="18" charset="0"/>
                 <a:ea typeface="宋体" panose="02010600030101010101" pitchFamily="2" charset="-122"/>
               </a:rPr>
-              <a:t>：</a:t>
+              <a:t>优点：</a:t>
             </a:r>
           </a:p>
           <a:p>
@@ -10742,16 +10594,9 @@
                 <a:latin typeface="Times New Roman" panose="02020603050405020304" pitchFamily="18" charset="0"/>
                 <a:ea typeface="宋体" panose="02010600030101010101" pitchFamily="2" charset="-122"/>
               </a:rPr>
-              <a:t>基本能实现预期效果</a:t>
-            </a:r>
-            <a:r>
-              <a:rPr lang="zh-CN" altLang="zh-CN" kern="100" dirty="0" smtClean="0">
-                <a:latin typeface="Times New Roman" panose="02020603050405020304" pitchFamily="18" charset="0"/>
-                <a:ea typeface="宋体" panose="02010600030101010101" pitchFamily="2" charset="-122"/>
-              </a:rPr>
-              <a:t>。</a:t>
-            </a:r>
-            <a:endParaRPr lang="en-US" altLang="zh-CN" kern="100" dirty="0" smtClean="0">
+              <a:t>基本能实现预期效果。</a:t>
+            </a:r>
+            <a:endParaRPr lang="en-US" altLang="zh-CN" kern="100" dirty="0">
               <a:latin typeface="Times New Roman" panose="02020603050405020304" pitchFamily="18" charset="0"/>
               <a:ea typeface="宋体" panose="02010600030101010101" pitchFamily="2" charset="-122"/>
             </a:endParaRPr>
@@ -10774,25 +10619,18 @@
               </a:spcAft>
             </a:pPr>
             <a:r>
-              <a:rPr lang="en-US" altLang="zh-CN" kern="100" dirty="0" smtClean="0">
+              <a:rPr lang="en-US" altLang="zh-CN" kern="100" dirty="0">
                 <a:latin typeface="Times New Roman" panose="02020603050405020304" pitchFamily="18" charset="0"/>
                 <a:ea typeface="宋体" panose="02010600030101010101" pitchFamily="2" charset="-122"/>
               </a:rPr>
               <a:t>3.    </a:t>
             </a:r>
             <a:r>
-              <a:rPr lang="zh-CN" altLang="zh-CN" kern="100" dirty="0" smtClean="0">
-                <a:latin typeface="Times New Roman" panose="02020603050405020304" pitchFamily="18" charset="0"/>
-                <a:ea typeface="宋体" panose="02010600030101010101" pitchFamily="2" charset="-122"/>
-              </a:rPr>
-              <a:t>缺点</a:t>
-            </a:r>
-            <a:r>
               <a:rPr lang="zh-CN" altLang="zh-CN" kern="100" dirty="0">
                 <a:latin typeface="Times New Roman" panose="02020603050405020304" pitchFamily="18" charset="0"/>
                 <a:ea typeface="宋体" panose="02010600030101010101" pitchFamily="2" charset="-122"/>
               </a:rPr>
-              <a:t>：</a:t>
+              <a:t>缺点：</a:t>
             </a:r>
           </a:p>
           <a:p>
@@ -10827,16 +10665,9 @@
                 <a:latin typeface="Times New Roman" panose="02020603050405020304" pitchFamily="18" charset="0"/>
                 <a:ea typeface="宋体" panose="02010600030101010101" pitchFamily="2" charset="-122"/>
               </a:rPr>
-              <a:t>爬虫爬网页需要一定的时间，无法实时更新信息提供给用户</a:t>
-            </a:r>
-            <a:r>
-              <a:rPr lang="zh-CN" altLang="zh-CN" kern="100" dirty="0" smtClean="0">
-                <a:latin typeface="Times New Roman" panose="02020603050405020304" pitchFamily="18" charset="0"/>
-                <a:ea typeface="宋体" panose="02010600030101010101" pitchFamily="2" charset="-122"/>
-              </a:rPr>
-              <a:t>。</a:t>
-            </a:r>
-            <a:endParaRPr lang="en-US" altLang="zh-CN" kern="100" dirty="0" smtClean="0">
+              <a:t>爬虫爬网页需要一定的时间，无法实时更新信息提供给用户。</a:t>
+            </a:r>
+            <a:endParaRPr lang="en-US" altLang="zh-CN" kern="100" dirty="0">
               <a:latin typeface="Times New Roman" panose="02020603050405020304" pitchFamily="18" charset="0"/>
               <a:ea typeface="宋体" panose="02010600030101010101" pitchFamily="2" charset="-122"/>
             </a:endParaRPr>
@@ -10860,30 +10691,12 @@
               <a:buAutoNum type="arabicPeriod" startAt="4"/>
             </a:pPr>
             <a:r>
-              <a:rPr lang="zh-CN" altLang="zh-CN" kern="100" dirty="0" smtClean="0">
-                <a:latin typeface="Times New Roman" panose="02020603050405020304" pitchFamily="18" charset="0"/>
-                <a:ea typeface="宋体" panose="02010600030101010101" pitchFamily="2" charset="-122"/>
-              </a:rPr>
-              <a:t>局限性</a:t>
-            </a:r>
-            <a:r>
               <a:rPr lang="zh-CN" altLang="zh-CN" kern="100" dirty="0">
                 <a:latin typeface="Times New Roman" panose="02020603050405020304" pitchFamily="18" charset="0"/>
                 <a:ea typeface="宋体" panose="02010600030101010101" pitchFamily="2" charset="-122"/>
               </a:rPr>
-              <a:t>及存在的问题</a:t>
-            </a:r>
-            <a:r>
-              <a:rPr lang="zh-CN" altLang="zh-CN" kern="100" dirty="0" smtClean="0">
-                <a:latin typeface="Times New Roman" panose="02020603050405020304" pitchFamily="18" charset="0"/>
-                <a:ea typeface="宋体" panose="02010600030101010101" pitchFamily="2" charset="-122"/>
-              </a:rPr>
-              <a:t>：</a:t>
-            </a:r>
-            <a:endParaRPr lang="zh-CN" altLang="zh-CN" kern="100" dirty="0">
-              <a:latin typeface="Times New Roman" panose="02020603050405020304" pitchFamily="18" charset="0"/>
-              <a:ea typeface="宋体" panose="02010600030101010101" pitchFamily="2" charset="-122"/>
-            </a:endParaRPr>
+              <a:t>局限性及存在的问题：</a:t>
+            </a:r>
           </a:p>
           <a:p>
             <a:pPr marL="800100" indent="127000" algn="just">
@@ -10923,13 +10736,6 @@
       </p:transition>
     </mc:Fallback>
   </mc:AlternateContent>
-  <p:timing>
-    <p:tnLst>
-      <p:par>
-        <p:cTn id="1" dur="indefinite" restart="never" nodeType="tmRoot"/>
-      </p:par>
-    </p:tnLst>
-  </p:timing>
 </p:sld>
 </file>
 
@@ -11139,7 +10945,7 @@
             <a:lstStyle/>
             <a:p>
               <a:r>
-                <a:rPr lang="en-US" altLang="zh-CN" sz="2400" kern="100" dirty="0" smtClean="0">
+                <a:rPr lang="en-US" altLang="zh-CN" sz="2400" kern="100" dirty="0">
                   <a:solidFill>
                     <a:schemeClr val="bg1"/>
                   </a:solidFill>
@@ -11149,7 +10955,7 @@
                 <a:t>4.</a:t>
               </a:r>
               <a:r>
-                <a:rPr lang="zh-CN" altLang="en-US" sz="2400" kern="100" dirty="0" smtClean="0">
+                <a:rPr lang="zh-CN" altLang="en-US" sz="2400" kern="100" dirty="0">
                   <a:solidFill>
                     <a:schemeClr val="bg1"/>
                   </a:solidFill>
@@ -11158,7 +10964,7 @@
                 </a:rPr>
                 <a:t>可选的方案</a:t>
               </a:r>
-              <a:endParaRPr lang="en-US" altLang="zh-CN" sz="2400" kern="100" dirty="0" smtClean="0">
+              <a:endParaRPr lang="en-US" altLang="zh-CN" sz="2400" kern="100" dirty="0">
                 <a:solidFill>
                   <a:schemeClr val="bg1"/>
                 </a:solidFill>
@@ -11570,13 +11376,6 @@
       </p:transition>
     </mc:Fallback>
   </mc:AlternateContent>
-  <p:timing>
-    <p:tnLst>
-      <p:par>
-        <p:cTn id="1" dur="indefinite" restart="never" nodeType="tmRoot"/>
-      </p:par>
-    </p:tnLst>
-  </p:timing>
 </p:sld>
 </file>
 
@@ -11786,7 +11585,7 @@
             <a:lstStyle/>
             <a:p>
               <a:r>
-                <a:rPr lang="en-US" altLang="zh-CN" sz="2400" kern="100" dirty="0" smtClean="0">
+                <a:rPr lang="en-US" altLang="zh-CN" sz="2400" kern="100" dirty="0">
                   <a:solidFill>
                     <a:schemeClr val="bg1"/>
                   </a:solidFill>
@@ -11796,7 +11595,7 @@
                 <a:t>4.</a:t>
               </a:r>
               <a:r>
-                <a:rPr lang="zh-CN" altLang="en-US" sz="2400" kern="100" dirty="0" smtClean="0">
+                <a:rPr lang="zh-CN" altLang="en-US" sz="2400" kern="100" dirty="0">
                   <a:solidFill>
                     <a:schemeClr val="bg1"/>
                   </a:solidFill>
@@ -11805,7 +11604,7 @@
                 </a:rPr>
                 <a:t>可选的方案</a:t>
               </a:r>
-              <a:endParaRPr lang="en-US" altLang="zh-CN" sz="2400" kern="100" dirty="0" smtClean="0">
+              <a:endParaRPr lang="en-US" altLang="zh-CN" sz="2400" kern="100" dirty="0">
                 <a:solidFill>
                   <a:schemeClr val="bg1"/>
                 </a:solidFill>
@@ -12146,13 +11945,6 @@
       </p:transition>
     </mc:Fallback>
   </mc:AlternateContent>
-  <p:timing>
-    <p:tnLst>
-      <p:par>
-        <p:cTn id="1" dur="indefinite" restart="never" nodeType="tmRoot"/>
-      </p:par>
-    </p:tnLst>
-  </p:timing>
 </p:sld>
 </file>
 
@@ -12362,7 +12154,7 @@
             <a:lstStyle/>
             <a:p>
               <a:r>
-                <a:rPr lang="en-US" altLang="zh-CN" sz="2400" kern="100" dirty="0" smtClean="0">
+                <a:rPr lang="en-US" altLang="zh-CN" sz="2400" kern="100" dirty="0">
                   <a:solidFill>
                     <a:schemeClr val="bg1"/>
                   </a:solidFill>
@@ -12372,7 +12164,7 @@
                 <a:t>4.</a:t>
               </a:r>
               <a:r>
-                <a:rPr lang="zh-CN" altLang="en-US" sz="2400" kern="100" dirty="0" smtClean="0">
+                <a:rPr lang="zh-CN" altLang="en-US" sz="2400" kern="100" dirty="0">
                   <a:solidFill>
                     <a:schemeClr val="bg1"/>
                   </a:solidFill>
@@ -12381,7 +12173,7 @@
                 </a:rPr>
                 <a:t>可选的方案</a:t>
               </a:r>
-              <a:endParaRPr lang="en-US" altLang="zh-CN" sz="2400" kern="100" dirty="0" smtClean="0">
+              <a:endParaRPr lang="en-US" altLang="zh-CN" sz="2400" kern="100" dirty="0">
                 <a:solidFill>
                   <a:schemeClr val="bg1"/>
                 </a:solidFill>
@@ -12536,13 +12328,6 @@
       </p:transition>
     </mc:Fallback>
   </mc:AlternateContent>
-  <p:timing>
-    <p:tnLst>
-      <p:par>
-        <p:cTn id="1" dur="indefinite" restart="never" nodeType="tmRoot"/>
-      </p:par>
-    </p:tnLst>
-  </p:timing>
 </p:sld>
 </file>
 
@@ -12664,7 +12449,7 @@
             <a:lstStyle/>
             <a:p>
               <a:r>
-                <a:rPr lang="zh-CN" altLang="en-US" sz="4000" dirty="0" smtClean="0">
+                <a:rPr lang="zh-CN" altLang="en-US" sz="4000" dirty="0">
                   <a:solidFill>
                     <a:schemeClr val="bg1"/>
                   </a:solidFill>
@@ -12673,7 +12458,7 @@
                 </a:rPr>
                 <a:t>说明及版</a:t>
               </a:r>
-              <a:endParaRPr lang="en-US" altLang="zh-CN" sz="4000" dirty="0" smtClean="0">
+              <a:endParaRPr lang="en-US" altLang="zh-CN" sz="4000" dirty="0">
                 <a:solidFill>
                   <a:schemeClr val="bg1"/>
                 </a:solidFill>
@@ -12683,7 +12468,7 @@
             </a:p>
             <a:p>
               <a:r>
-                <a:rPr lang="zh-CN" altLang="en-US" sz="4000" dirty="0" smtClean="0">
+                <a:rPr lang="zh-CN" altLang="en-US" sz="4000" dirty="0">
                   <a:solidFill>
                     <a:schemeClr val="bg1"/>
                   </a:solidFill>
@@ -12692,13 +12477,6 @@
                 </a:rPr>
                 <a:t>本记录：</a:t>
               </a:r>
-              <a:endParaRPr lang="zh-CN" altLang="en-US" sz="4000" dirty="0">
-                <a:solidFill>
-                  <a:schemeClr val="bg1"/>
-                </a:solidFill>
-                <a:latin typeface="微软雅黑 Light" panose="020B0502040204020203" pitchFamily="34" charset="-122"/>
-                <a:ea typeface="微软雅黑 Light" panose="020B0502040204020203" pitchFamily="34" charset="-122"/>
-              </a:endParaRPr>
             </a:p>
           </p:txBody>
         </p:sp>
@@ -12859,16 +12637,9 @@
                 <a:latin typeface="Times New Roman" panose="02020603050405020304" pitchFamily="18" charset="0"/>
                 <a:ea typeface="宋体" panose="02010600030101010101" pitchFamily="2" charset="-122"/>
               </a:rPr>
-              <a:t>也可以作为项目建议书、投标书等文件的基础</a:t>
-            </a:r>
-            <a:r>
-              <a:rPr lang="zh-CN" altLang="zh-CN" kern="100" dirty="0" smtClean="0">
-                <a:latin typeface="Times New Roman" panose="02020603050405020304" pitchFamily="18" charset="0"/>
-                <a:ea typeface="宋体" panose="02010600030101010101" pitchFamily="2" charset="-122"/>
-              </a:rPr>
-              <a:t>。</a:t>
-            </a:r>
-            <a:endParaRPr lang="en-US" altLang="zh-CN" kern="100" dirty="0" smtClean="0">
+              <a:t>也可以作为项目建议书、投标书等文件的基础。</a:t>
+            </a:r>
+            <a:endParaRPr lang="en-US" altLang="zh-CN" kern="100" dirty="0">
               <a:latin typeface="Times New Roman" panose="02020603050405020304" pitchFamily="18" charset="0"/>
               <a:ea typeface="宋体" panose="02010600030101010101" pitchFamily="2" charset="-122"/>
             </a:endParaRPr>
@@ -12921,13 +12692,6 @@
       </p:transition>
     </mc:Fallback>
   </mc:AlternateContent>
-  <p:timing>
-    <p:tnLst>
-      <p:par>
-        <p:cTn id="1" dur="indefinite" restart="never" nodeType="tmRoot"/>
-      </p:par>
-    </p:tnLst>
-  </p:timing>
 </p:sld>
 </file>
 
@@ -13137,7 +12901,7 @@
             <a:lstStyle/>
             <a:p>
               <a:r>
-                <a:rPr lang="en-US" altLang="zh-CN" sz="2400" kern="100" dirty="0" smtClean="0">
+                <a:rPr lang="en-US" altLang="zh-CN" sz="2400" kern="100" dirty="0">
                   <a:solidFill>
                     <a:schemeClr val="bg1"/>
                   </a:solidFill>
@@ -13147,7 +12911,7 @@
                 <a:t>4.</a:t>
               </a:r>
               <a:r>
-                <a:rPr lang="zh-CN" altLang="en-US" sz="2400" kern="100" dirty="0" smtClean="0">
+                <a:rPr lang="zh-CN" altLang="en-US" sz="2400" kern="100" dirty="0">
                   <a:solidFill>
                     <a:schemeClr val="bg1"/>
                   </a:solidFill>
@@ -13156,7 +12920,7 @@
                 </a:rPr>
                 <a:t>可选的方案</a:t>
               </a:r>
-              <a:endParaRPr lang="en-US" altLang="zh-CN" sz="2400" kern="100" dirty="0" smtClean="0">
+              <a:endParaRPr lang="en-US" altLang="zh-CN" sz="2400" kern="100" dirty="0">
                 <a:solidFill>
                   <a:schemeClr val="bg1"/>
                 </a:solidFill>
@@ -13240,18 +13004,14 @@
           <a:lstStyle/>
           <a:p>
             <a:r>
-              <a:rPr lang="en-US" altLang="zh-CN" b="1" dirty="0" smtClean="0"/>
+              <a:rPr lang="en-US" altLang="zh-CN" b="1" dirty="0"/>
               <a:t>4.6</a:t>
             </a:r>
             <a:r>
               <a:rPr lang="zh-CN" altLang="zh-CN" dirty="0"/>
-              <a:t>数据流程和处理</a:t>
-            </a:r>
-            <a:r>
-              <a:rPr lang="zh-CN" altLang="zh-CN" dirty="0" smtClean="0"/>
-              <a:t>流程</a:t>
-            </a:r>
-            <a:endParaRPr lang="en-US" altLang="zh-CN" dirty="0" smtClean="0"/>
+              <a:t>数据流程和处理流程</a:t>
+            </a:r>
+            <a:endParaRPr lang="en-US" altLang="zh-CN" dirty="0"/>
           </a:p>
         </p:txBody>
       </p:sp>
@@ -13340,7 +13100,7 @@
           <a:graphicData uri="http://schemas.openxmlformats.org/presentationml/2006/ole">
             <mc:AlternateContent xmlns:mc="http://schemas.openxmlformats.org/markup-compatibility/2006">
               <mc:Choice xmlns:v="urn:schemas-microsoft-com:vml" Requires="v">
-                <p:oleObj spid="_x0000_s1029" name="Visio" r:id="rId3" imgW="7372328" imgH="1876478" progId="Visio.Drawing.15">
+                <p:oleObj spid="_x0000_s1031" name="Visio" r:id="rId3" imgW="7372328" imgH="1876478" progId="Visio.Drawing.15">
                   <p:embed/>
                 </p:oleObj>
               </mc:Choice>
@@ -13470,13 +13230,6 @@
       </p:transition>
     </mc:Fallback>
   </mc:AlternateContent>
-  <p:timing>
-    <p:tnLst>
-      <p:par>
-        <p:cTn id="1" dur="indefinite" restart="never" nodeType="tmRoot"/>
-      </p:par>
-    </p:tnLst>
-  </p:timing>
 </p:sld>
 </file>
 
@@ -13686,7 +13439,7 @@
             <a:lstStyle/>
             <a:p>
               <a:r>
-                <a:rPr lang="en-US" altLang="zh-CN" sz="2400" kern="100" dirty="0" smtClean="0">
+                <a:rPr lang="en-US" altLang="zh-CN" sz="2400" kern="100" dirty="0">
                   <a:solidFill>
                     <a:schemeClr val="bg1"/>
                   </a:solidFill>
@@ -13696,7 +13449,7 @@
                 <a:t>4.</a:t>
               </a:r>
               <a:r>
-                <a:rPr lang="zh-CN" altLang="en-US" sz="2400" kern="100" dirty="0" smtClean="0">
+                <a:rPr lang="zh-CN" altLang="en-US" sz="2400" kern="100" dirty="0">
                   <a:solidFill>
                     <a:schemeClr val="bg1"/>
                   </a:solidFill>
@@ -13705,7 +13458,7 @@
                 </a:rPr>
                 <a:t>可选的方案</a:t>
               </a:r>
-              <a:endParaRPr lang="en-US" altLang="zh-CN" sz="2400" kern="100" dirty="0" smtClean="0">
+              <a:endParaRPr lang="en-US" altLang="zh-CN" sz="2400" kern="100" dirty="0">
                 <a:solidFill>
                   <a:schemeClr val="bg1"/>
                 </a:solidFill>
@@ -13789,7 +13542,7 @@
           <a:graphicData uri="http://schemas.openxmlformats.org/presentationml/2006/ole">
             <mc:AlternateContent xmlns:mc="http://schemas.openxmlformats.org/markup-compatibility/2006">
               <mc:Choice xmlns:v="urn:schemas-microsoft-com:vml" Requires="v">
-                <p:oleObj spid="_x0000_s2050" name="Visio" r:id="rId3" imgW="5772038" imgH="7296217" progId="Visio.Drawing.15">
+                <p:oleObj spid="_x0000_s2052" name="Visio" r:id="rId3" imgW="5772038" imgH="7296217" progId="Visio.Drawing.15">
                   <p:embed/>
                 </p:oleObj>
               </mc:Choice>
@@ -13865,13 +13618,6 @@
       </p:transition>
     </mc:Fallback>
   </mc:AlternateContent>
-  <p:timing>
-    <p:tnLst>
-      <p:par>
-        <p:cTn id="1" dur="indefinite" restart="never" nodeType="tmRoot"/>
-      </p:par>
-    </p:tnLst>
-  </p:timing>
 </p:sld>
 </file>
 
@@ -14081,7 +13827,7 @@
             <a:lstStyle/>
             <a:p>
               <a:r>
-                <a:rPr lang="en-US" altLang="zh-CN" sz="2800" kern="100" dirty="0" smtClean="0">
+                <a:rPr lang="en-US" altLang="zh-CN" sz="2800" kern="100" dirty="0">
                   <a:solidFill>
                     <a:schemeClr val="bg1"/>
                   </a:solidFill>
@@ -14091,7 +13837,7 @@
                 <a:t>5.</a:t>
               </a:r>
               <a:r>
-                <a:rPr lang="zh-CN" altLang="en-US" sz="2800" kern="100" dirty="0" smtClean="0">
+                <a:rPr lang="zh-CN" altLang="en-US" sz="2800" kern="100" dirty="0">
                   <a:solidFill>
                     <a:schemeClr val="bg1"/>
                   </a:solidFill>
@@ -14101,7 +13847,7 @@
                 <a:t>经济可行性（成本</a:t>
               </a:r>
               <a:r>
-                <a:rPr lang="en-US" altLang="zh-CN" sz="2800" kern="100" dirty="0" smtClean="0">
+                <a:rPr lang="en-US" altLang="zh-CN" sz="2800" kern="100" dirty="0">
                   <a:solidFill>
                     <a:schemeClr val="bg1"/>
                   </a:solidFill>
@@ -14111,7 +13857,7 @@
                 <a:t>----</a:t>
               </a:r>
               <a:r>
-                <a:rPr lang="zh-CN" altLang="en-US" sz="2800" kern="100" dirty="0" smtClean="0">
+                <a:rPr lang="zh-CN" altLang="en-US" sz="2800" kern="100" dirty="0">
                   <a:solidFill>
                     <a:schemeClr val="bg1"/>
                   </a:solidFill>
@@ -14120,7 +13866,7 @@
                 </a:rPr>
                 <a:t>效益分析）</a:t>
               </a:r>
-              <a:endParaRPr lang="en-US" altLang="zh-CN" sz="2800" kern="100" dirty="0" smtClean="0">
+              <a:endParaRPr lang="en-US" altLang="zh-CN" sz="2800" kern="100" dirty="0">
                 <a:solidFill>
                   <a:schemeClr val="bg1"/>
                 </a:solidFill>
@@ -14162,16 +13908,6 @@
             <a:lstStyle/>
             <a:p>
               <a:r>
-                <a:rPr lang="en-US" altLang="zh-CN" sz="2400" dirty="0" smtClean="0">
-                  <a:solidFill>
-                    <a:schemeClr val="bg1"/>
-                  </a:solidFill>
-                  <a:latin typeface="微软雅黑 Light" panose="020B0502040204020203" pitchFamily="34" charset="-122"/>
-                  <a:ea typeface="微软雅黑 Light" panose="020B0502040204020203" pitchFamily="34" charset="-122"/>
-                </a:rPr>
-                <a:t>Economic </a:t>
-              </a:r>
-              <a:r>
                 <a:rPr lang="en-US" altLang="zh-CN" sz="2400" dirty="0">
                   <a:solidFill>
                     <a:schemeClr val="bg1"/>
@@ -14179,7 +13915,7 @@
                   <a:latin typeface="微软雅黑 Light" panose="020B0502040204020203" pitchFamily="34" charset="-122"/>
                   <a:ea typeface="微软雅黑 Light" panose="020B0502040204020203" pitchFamily="34" charset="-122"/>
                 </a:rPr>
-                <a:t>Feasibility (Cost-Benefit Analysis)</a:t>
+                <a:t>Economic Feasibility (Cost-Benefit Analysis)</a:t>
               </a:r>
               <a:endParaRPr lang="zh-CN" altLang="en-US" sz="2400" dirty="0">
                 <a:solidFill>
@@ -15294,13 +15030,13 @@
               <a:tabLst/>
             </a:pPr>
             <a:r>
-              <a:rPr lang="en-US" altLang="zh-CN" sz="1600" b="1" dirty="0" smtClean="0" bmk="_Toc511477847">
+              <a:rPr lang="en-US" altLang="zh-CN" sz="1600" b="1" dirty="0" bmk="_Toc511477847">
                 <a:latin typeface="Cambria" panose="02040503050406030204" pitchFamily="18" charset="0"/>
               </a:rPr>
               <a:t>5.1</a:t>
             </a:r>
             <a:r>
-              <a:rPr kumimoji="0" lang="zh-CN" altLang="en-US" sz="1600" b="1" i="0" u="none" strike="noStrike" cap="none" normalizeH="0" baseline="0" dirty="0" smtClean="0" bmk="_Toc511477847">
+              <a:rPr kumimoji="0" lang="zh-CN" altLang="en-US" sz="1600" b="1" i="0" u="none" strike="noStrike" cap="none" normalizeH="0" baseline="0" dirty="0" bmk="_Toc511477847">
                 <a:ln>
                   <a:noFill/>
                 </a:ln>
@@ -15313,7 +15049,7 @@
               </a:rPr>
               <a:t>投资</a:t>
             </a:r>
-            <a:endParaRPr kumimoji="0" lang="zh-CN" altLang="en-US" sz="1600" b="1" i="0" u="none" strike="noStrike" cap="none" normalizeH="0" baseline="0" dirty="0" smtClean="0">
+            <a:endParaRPr kumimoji="0" lang="zh-CN" altLang="en-US" sz="1600" b="1" i="0" u="none" strike="noStrike" cap="none" normalizeH="0" baseline="0" dirty="0">
               <a:ln>
                 <a:noFill/>
               </a:ln>
@@ -15340,7 +15076,7 @@
               <a:tabLst/>
             </a:pPr>
             <a:r>
-              <a:rPr kumimoji="0" lang="en-US" altLang="zh-CN" sz="1200" b="0" i="0" u="none" strike="noStrike" cap="none" normalizeH="0" baseline="0" dirty="0" smtClean="0">
+              <a:rPr kumimoji="0" lang="en-US" altLang="zh-CN" sz="1200" b="0" i="0" u="none" strike="noStrike" cap="none" normalizeH="0" baseline="0" dirty="0">
                 <a:ln>
                   <a:noFill/>
                 </a:ln>
@@ -15355,7 +15091,7 @@
               <a:t>1.</a:t>
             </a:r>
             <a:r>
-              <a:rPr kumimoji="0" lang="zh-CN" altLang="en-US" sz="1200" b="0" i="0" u="none" strike="noStrike" cap="none" normalizeH="0" baseline="0" dirty="0" smtClean="0">
+              <a:rPr kumimoji="0" lang="zh-CN" altLang="en-US" sz="1200" b="0" i="0" u="none" strike="noStrike" cap="none" normalizeH="0" baseline="0" dirty="0">
                 <a:ln>
                   <a:noFill/>
                 </a:ln>
@@ -15369,7 +15105,7 @@
               </a:rPr>
               <a:t>基本建设投资</a:t>
             </a:r>
-            <a:endParaRPr kumimoji="0" lang="zh-CN" altLang="en-US" sz="1200" b="0" i="0" u="none" strike="noStrike" cap="none" normalizeH="0" baseline="0" dirty="0" smtClean="0">
+            <a:endParaRPr kumimoji="0" lang="zh-CN" altLang="en-US" sz="1200" b="0" i="0" u="none" strike="noStrike" cap="none" normalizeH="0" baseline="0" dirty="0">
               <a:ln>
                 <a:noFill/>
               </a:ln>
@@ -15397,7 +15133,7 @@
               <a:tabLst/>
             </a:pPr>
             <a:r>
-              <a:rPr kumimoji="0" lang="zh-CN" altLang="en-US" sz="1200" b="0" i="0" u="none" strike="noStrike" cap="none" normalizeH="0" baseline="0" dirty="0" smtClean="0">
+              <a:rPr kumimoji="0" lang="zh-CN" altLang="en-US" sz="1200" b="0" i="0" u="none" strike="noStrike" cap="none" normalizeH="0" baseline="0" dirty="0">
                 <a:ln>
                   <a:noFill/>
                 </a:ln>
@@ -15411,7 +15147,7 @@
               </a:rPr>
               <a:t>开发所需软件以及小组成员每人一台电脑和相应的网络环境。</a:t>
             </a:r>
-            <a:endParaRPr kumimoji="0" lang="zh-CN" altLang="en-US" sz="1200" b="0" i="0" u="none" strike="noStrike" cap="none" normalizeH="0" baseline="0" dirty="0" smtClean="0">
+            <a:endParaRPr kumimoji="0" lang="zh-CN" altLang="en-US" sz="1200" b="0" i="0" u="none" strike="noStrike" cap="none" normalizeH="0" baseline="0" dirty="0">
               <a:ln>
                 <a:noFill/>
               </a:ln>
@@ -15437,7 +15173,7 @@
               <a:tabLst/>
             </a:pPr>
             <a:r>
-              <a:rPr kumimoji="0" lang="en-US" altLang="zh-CN" sz="1200" b="0" i="0" u="none" strike="noStrike" cap="none" normalizeH="0" baseline="0" dirty="0" smtClean="0">
+              <a:rPr kumimoji="0" lang="en-US" altLang="zh-CN" sz="1200" b="0" i="0" u="none" strike="noStrike" cap="none" normalizeH="0" baseline="0" dirty="0">
                 <a:ln>
                   <a:noFill/>
                 </a:ln>
@@ -15452,7 +15188,7 @@
               <a:t>2.</a:t>
             </a:r>
             <a:r>
-              <a:rPr kumimoji="0" lang="zh-CN" altLang="en-US" sz="1200" b="0" i="0" u="none" strike="noStrike" cap="none" normalizeH="0" baseline="0" dirty="0" smtClean="0">
+              <a:rPr kumimoji="0" lang="zh-CN" altLang="en-US" sz="1200" b="0" i="0" u="none" strike="noStrike" cap="none" normalizeH="0" baseline="0" dirty="0">
                 <a:ln>
                   <a:noFill/>
                 </a:ln>
@@ -15466,7 +15202,7 @@
               </a:rPr>
               <a:t>时间成本</a:t>
             </a:r>
-            <a:endParaRPr kumimoji="0" lang="zh-CN" altLang="en-US" sz="1200" b="0" i="0" u="none" strike="noStrike" cap="none" normalizeH="0" baseline="0" dirty="0" smtClean="0">
+            <a:endParaRPr kumimoji="0" lang="zh-CN" altLang="en-US" sz="1200" b="0" i="0" u="none" strike="noStrike" cap="none" normalizeH="0" baseline="0" dirty="0">
               <a:ln>
                 <a:noFill/>
               </a:ln>
@@ -15494,7 +15230,7 @@
               <a:tabLst/>
             </a:pPr>
             <a:r>
-              <a:rPr kumimoji="0" lang="zh-CN" altLang="en-US" sz="1200" b="0" i="0" u="none" strike="noStrike" cap="none" normalizeH="0" baseline="0" dirty="0" smtClean="0">
+              <a:rPr kumimoji="0" lang="zh-CN" altLang="en-US" sz="1200" b="0" i="0" u="none" strike="noStrike" cap="none" normalizeH="0" baseline="0" dirty="0">
                 <a:ln>
                   <a:noFill/>
                 </a:ln>
@@ -15509,7 +15245,7 @@
               <a:t>首先，根据课本内容的建议，我们将本项目生命周期假设为</a:t>
             </a:r>
             <a:r>
-              <a:rPr kumimoji="0" lang="en-US" altLang="zh-CN" sz="1200" b="0" i="0" u="none" strike="noStrike" cap="none" normalizeH="0" baseline="0" dirty="0" smtClean="0">
+              <a:rPr kumimoji="0" lang="en-US" altLang="zh-CN" sz="1200" b="0" i="0" u="none" strike="noStrike" cap="none" normalizeH="0" baseline="0" dirty="0">
                 <a:ln>
                   <a:noFill/>
                 </a:ln>
@@ -15524,7 +15260,7 @@
               <a:t>3</a:t>
             </a:r>
             <a:r>
-              <a:rPr kumimoji="0" lang="zh-CN" altLang="en-US" sz="1200" b="0" i="0" u="none" strike="noStrike" cap="none" normalizeH="0" baseline="0" dirty="0" smtClean="0">
+              <a:rPr kumimoji="0" lang="zh-CN" altLang="en-US" sz="1200" b="0" i="0" u="none" strike="noStrike" cap="none" normalizeH="0" baseline="0" dirty="0">
                 <a:ln>
                   <a:noFill/>
                 </a:ln>
@@ -15539,7 +15275,7 @@
               <a:t>个月。</a:t>
             </a:r>
             <a:r>
-              <a:rPr kumimoji="0" lang="zh-CN" altLang="en-US" sz="1000" b="0" i="0" u="none" strike="noStrike" cap="none" normalizeH="0" baseline="0" dirty="0" smtClean="0">
+              <a:rPr kumimoji="0" lang="zh-CN" altLang="en-US" sz="1000" b="0" i="0" u="none" strike="noStrike" cap="none" normalizeH="0" baseline="0" dirty="0">
                 <a:ln>
                   <a:noFill/>
                 </a:ln>
@@ -15553,7 +15289,7 @@
               </a:rPr>
               <a:t>	</a:t>
             </a:r>
-            <a:endParaRPr kumimoji="0" lang="zh-CN" altLang="en-US" sz="1800" b="0" i="0" u="none" strike="noStrike" cap="none" normalizeH="0" baseline="0" dirty="0" smtClean="0">
+            <a:endParaRPr kumimoji="0" lang="zh-CN" altLang="en-US" sz="1800" b="0" i="0" u="none" strike="noStrike" cap="none" normalizeH="0" baseline="0" dirty="0">
               <a:ln>
                 <a:noFill/>
               </a:ln>
@@ -15596,7 +15332,7 @@
               </a:spcAft>
             </a:pPr>
             <a:r>
-              <a:rPr lang="en-US" altLang="zh-CN" sz="1400" dirty="0" smtClean="0">
+              <a:rPr lang="en-US" altLang="zh-CN" sz="1400" dirty="0">
                 <a:latin typeface="Times New Roman" panose="02020603050405020304" pitchFamily="18" charset="0"/>
                 <a:ea typeface="宋体" panose="02010600030101010101" pitchFamily="2" charset="-122"/>
                 <a:cs typeface="Times New Roman" panose="02020603050405020304" pitchFamily="18" charset="0"/>
@@ -15604,7 +15340,7 @@
               <a:t>3.</a:t>
             </a:r>
             <a:r>
-              <a:rPr lang="zh-CN" altLang="en-US" sz="1400" dirty="0" smtClean="0">
+              <a:rPr lang="zh-CN" altLang="en-US" sz="1400" dirty="0">
                 <a:latin typeface="Times New Roman" panose="02020603050405020304" pitchFamily="18" charset="0"/>
                 <a:ea typeface="宋体" panose="02010600030101010101" pitchFamily="2" charset="-122"/>
                 <a:cs typeface="Times New Roman" panose="02020603050405020304" pitchFamily="18" charset="0"/>
@@ -15752,13 +15488,6 @@
       </p:transition>
     </mc:Fallback>
   </mc:AlternateContent>
-  <p:timing>
-    <p:tnLst>
-      <p:par>
-        <p:cTn id="1" dur="indefinite" restart="never" nodeType="tmRoot"/>
-      </p:par>
-    </p:tnLst>
-  </p:timing>
 </p:sld>
 </file>
 
@@ -15968,7 +15697,7 @@
             <a:lstStyle/>
             <a:p>
               <a:r>
-                <a:rPr lang="en-US" altLang="zh-CN" sz="2800" kern="100" dirty="0" smtClean="0">
+                <a:rPr lang="en-US" altLang="zh-CN" sz="2800" kern="100" dirty="0">
                   <a:solidFill>
                     <a:schemeClr val="bg1"/>
                   </a:solidFill>
@@ -15978,7 +15707,7 @@
                 <a:t>5.</a:t>
               </a:r>
               <a:r>
-                <a:rPr lang="zh-CN" altLang="en-US" sz="2800" kern="100" dirty="0" smtClean="0">
+                <a:rPr lang="zh-CN" altLang="en-US" sz="2800" kern="100" dirty="0">
                   <a:solidFill>
                     <a:schemeClr val="bg1"/>
                   </a:solidFill>
@@ -15988,7 +15717,7 @@
                 <a:t>经济可行性（成本</a:t>
               </a:r>
               <a:r>
-                <a:rPr lang="en-US" altLang="zh-CN" sz="2800" kern="100" dirty="0" smtClean="0">
+                <a:rPr lang="en-US" altLang="zh-CN" sz="2800" kern="100" dirty="0">
                   <a:solidFill>
                     <a:schemeClr val="bg1"/>
                   </a:solidFill>
@@ -15998,7 +15727,7 @@
                 <a:t>----</a:t>
               </a:r>
               <a:r>
-                <a:rPr lang="zh-CN" altLang="en-US" sz="2800" kern="100" dirty="0" smtClean="0">
+                <a:rPr lang="zh-CN" altLang="en-US" sz="2800" kern="100" dirty="0">
                   <a:solidFill>
                     <a:schemeClr val="bg1"/>
                   </a:solidFill>
@@ -16007,7 +15736,7 @@
                 </a:rPr>
                 <a:t>效益分析）</a:t>
               </a:r>
-              <a:endParaRPr lang="en-US" altLang="zh-CN" sz="2800" kern="100" dirty="0" smtClean="0">
+              <a:endParaRPr lang="en-US" altLang="zh-CN" sz="2800" kern="100" dirty="0">
                 <a:solidFill>
                   <a:schemeClr val="bg1"/>
                 </a:solidFill>
@@ -16272,19 +16001,19 @@
               <a:tabLst/>
             </a:pPr>
             <a:r>
-              <a:rPr lang="en-US" altLang="zh-CN" sz="1600" b="1" dirty="0" smtClean="0" bmk="_Toc511477847">
+              <a:rPr lang="en-US" altLang="zh-CN" sz="1600" b="1" dirty="0" bmk="_Toc511477847">
                 <a:latin typeface="Cambria" panose="02040503050406030204" pitchFamily="18" charset="0"/>
               </a:rPr>
               <a:t>5.2</a:t>
             </a:r>
             <a:r>
-              <a:rPr lang="zh-CN" altLang="en-US" sz="1600" b="1" dirty="0" smtClean="0" bmk="_Toc511477847">
+              <a:rPr lang="zh-CN" altLang="en-US" sz="1600" b="1" dirty="0" bmk="_Toc511477847">
                 <a:latin typeface="Cambria" panose="02040503050406030204" pitchFamily="18" charset="0"/>
               </a:rPr>
               <a:t>预期的经济效益</a:t>
             </a:r>
             <a:r>
-              <a:rPr kumimoji="0" lang="zh-CN" altLang="en-US" sz="1000" b="0" i="0" u="none" strike="noStrike" cap="none" normalizeH="0" baseline="0" dirty="0" smtClean="0">
+              <a:rPr kumimoji="0" lang="zh-CN" altLang="en-US" sz="1000" b="0" i="0" u="none" strike="noStrike" cap="none" normalizeH="0" baseline="0" dirty="0">
                 <a:ln>
                   <a:noFill/>
                 </a:ln>
@@ -16298,7 +16027,7 @@
               </a:rPr>
               <a:t>	</a:t>
             </a:r>
-            <a:endParaRPr kumimoji="0" lang="zh-CN" altLang="en-US" sz="1800" b="0" i="0" u="none" strike="noStrike" cap="none" normalizeH="0" baseline="0" dirty="0" smtClean="0">
+            <a:endParaRPr kumimoji="0" lang="zh-CN" altLang="en-US" sz="1800" b="0" i="0" u="none" strike="noStrike" cap="none" normalizeH="0" baseline="0" dirty="0">
               <a:ln>
                 <a:noFill/>
               </a:ln>
@@ -16380,7 +16109,7 @@
               </a:spcAft>
             </a:pPr>
             <a:r>
-              <a:rPr lang="en-US" altLang="zh-CN" sz="1600" b="1" dirty="0" smtClean="0">
+              <a:rPr lang="en-US" altLang="zh-CN" sz="1600" b="1" dirty="0">
                 <a:latin typeface="Times New Roman" panose="02020603050405020304" pitchFamily="18" charset="0"/>
               </a:rPr>
               <a:t>5.2.1</a:t>
@@ -16423,7 +16152,7 @@
               </a:spcAft>
             </a:pPr>
             <a:r>
-              <a:rPr lang="en-US" altLang="zh-CN" sz="1600" b="1" dirty="0" smtClean="0">
+              <a:rPr lang="en-US" altLang="zh-CN" sz="1600" b="1" dirty="0">
                 <a:latin typeface="Times New Roman" panose="02020603050405020304" pitchFamily="18" charset="0"/>
               </a:rPr>
               <a:t>5.2.2</a:t>
@@ -16484,7 +16213,7 @@
               </a:spcAft>
             </a:pPr>
             <a:r>
-              <a:rPr lang="en-US" altLang="zh-CN" sz="1600" b="1" dirty="0" smtClean="0">
+              <a:rPr lang="en-US" altLang="zh-CN" sz="1600" b="1" dirty="0">
                 <a:latin typeface="Times New Roman" panose="02020603050405020304" pitchFamily="18" charset="0"/>
               </a:rPr>
               <a:t>5.2.3</a:t>
@@ -16527,7 +16256,7 @@
               </a:spcAft>
             </a:pPr>
             <a:r>
-              <a:rPr lang="en-US" altLang="zh-CN" sz="1600" b="1" dirty="0" smtClean="0">
+              <a:rPr lang="en-US" altLang="zh-CN" sz="1600" b="1" dirty="0">
                 <a:latin typeface="Times New Roman" panose="02020603050405020304" pitchFamily="18" charset="0"/>
               </a:rPr>
               <a:t>5.2.4</a:t>
@@ -16594,13 +16323,6 @@
       </p:transition>
     </mc:Fallback>
   </mc:AlternateContent>
-  <p:timing>
-    <p:tnLst>
-      <p:par>
-        <p:cTn id="1" dur="indefinite" restart="never" nodeType="tmRoot"/>
-      </p:par>
-    </p:tnLst>
-  </p:timing>
 </p:sld>
 </file>
 
@@ -16810,7 +16532,7 @@
             <a:lstStyle/>
             <a:p>
               <a:r>
-                <a:rPr lang="en-US" altLang="zh-CN" sz="2800" kern="100" dirty="0" smtClean="0">
+                <a:rPr lang="en-US" altLang="zh-CN" sz="2800" kern="100" dirty="0">
                   <a:solidFill>
                     <a:schemeClr val="bg1"/>
                   </a:solidFill>
@@ -16820,7 +16542,7 @@
                 <a:t>5.</a:t>
               </a:r>
               <a:r>
-                <a:rPr lang="zh-CN" altLang="en-US" sz="2800" kern="100" dirty="0" smtClean="0">
+                <a:rPr lang="zh-CN" altLang="en-US" sz="2800" kern="100" dirty="0">
                   <a:solidFill>
                     <a:schemeClr val="bg1"/>
                   </a:solidFill>
@@ -16830,7 +16552,7 @@
                 <a:t>经济可行性（成本</a:t>
               </a:r>
               <a:r>
-                <a:rPr lang="en-US" altLang="zh-CN" sz="2800" kern="100" dirty="0" smtClean="0">
+                <a:rPr lang="en-US" altLang="zh-CN" sz="2800" kern="100" dirty="0">
                   <a:solidFill>
                     <a:schemeClr val="bg1"/>
                   </a:solidFill>
@@ -16840,7 +16562,7 @@
                 <a:t>----</a:t>
               </a:r>
               <a:r>
-                <a:rPr lang="zh-CN" altLang="en-US" sz="2800" kern="100" dirty="0" smtClean="0">
+                <a:rPr lang="zh-CN" altLang="en-US" sz="2800" kern="100" dirty="0">
                   <a:solidFill>
                     <a:schemeClr val="bg1"/>
                   </a:solidFill>
@@ -16849,7 +16571,7 @@
                 </a:rPr>
                 <a:t>效益分析）</a:t>
               </a:r>
-              <a:endParaRPr lang="en-US" altLang="zh-CN" sz="2800" kern="100" dirty="0" smtClean="0">
+              <a:endParaRPr lang="en-US" altLang="zh-CN" sz="2800" kern="100" dirty="0">
                 <a:solidFill>
                   <a:schemeClr val="bg1"/>
                 </a:solidFill>
@@ -16944,7 +16666,7 @@
               </a:spcAft>
             </a:pPr>
             <a:r>
-              <a:rPr lang="en-US" altLang="zh-CN" sz="2400" b="1" dirty="0" smtClean="0">
+              <a:rPr lang="en-US" altLang="zh-CN" sz="2400" b="1" dirty="0">
                 <a:latin typeface="Times New Roman" panose="02020603050405020304" pitchFamily="18" charset="0"/>
               </a:rPr>
               <a:t>5.2.5</a:t>
@@ -17113,7 +16835,7 @@
               </a:spcAft>
             </a:pPr>
             <a:r>
-              <a:rPr lang="en-US" altLang="zh-CN" sz="2400" b="1" dirty="0" smtClean="0">
+              <a:rPr lang="en-US" altLang="zh-CN" sz="2400" b="1" dirty="0">
                 <a:latin typeface="Cambria" panose="02040503050406030204" pitchFamily="18" charset="0"/>
               </a:rPr>
               <a:t>5.3</a:t>
@@ -17336,13 +17058,6 @@
       </p:transition>
     </mc:Fallback>
   </mc:AlternateContent>
-  <p:timing>
-    <p:tnLst>
-      <p:par>
-        <p:cTn id="1" dur="indefinite" restart="never" nodeType="tmRoot"/>
-      </p:par>
-    </p:tnLst>
-  </p:timing>
 </p:sld>
 </file>
 
@@ -17552,7 +17267,7 @@
             <a:lstStyle/>
             <a:p>
               <a:r>
-                <a:rPr lang="en-US" altLang="zh-CN" sz="2800" kern="100" dirty="0" smtClean="0">
+                <a:rPr lang="en-US" altLang="zh-CN" sz="2800" kern="100" dirty="0">
                   <a:solidFill>
                     <a:schemeClr val="bg1"/>
                   </a:solidFill>
@@ -17562,7 +17277,7 @@
                 <a:t>6.</a:t>
               </a:r>
               <a:r>
-                <a:rPr lang="zh-CN" altLang="en-US" sz="2800" kern="100" dirty="0" smtClean="0">
+                <a:rPr lang="zh-CN" altLang="en-US" sz="2800" kern="100" dirty="0">
                   <a:solidFill>
                     <a:schemeClr val="bg1"/>
                   </a:solidFill>
@@ -17571,7 +17286,7 @@
                 </a:rPr>
                 <a:t>技术可行性（技术风险评价）</a:t>
               </a:r>
-              <a:endParaRPr lang="en-US" altLang="zh-CN" sz="2800" kern="100" dirty="0" smtClean="0">
+              <a:endParaRPr lang="en-US" altLang="zh-CN" sz="2800" kern="100" dirty="0">
                 <a:solidFill>
                   <a:schemeClr val="bg1"/>
                 </a:solidFill>
@@ -17613,16 +17328,6 @@
             <a:lstStyle/>
             <a:p>
               <a:r>
-                <a:rPr lang="en-US" altLang="zh-CN" sz="2400" dirty="0" smtClean="0">
-                  <a:solidFill>
-                    <a:schemeClr val="bg1"/>
-                  </a:solidFill>
-                  <a:latin typeface="微软雅黑 Light" panose="020B0502040204020203" pitchFamily="34" charset="-122"/>
-                  <a:ea typeface="微软雅黑 Light" panose="020B0502040204020203" pitchFamily="34" charset="-122"/>
-                </a:rPr>
-                <a:t>Technical </a:t>
-              </a:r>
-              <a:r>
                 <a:rPr lang="en-US" altLang="zh-CN" sz="2400" dirty="0">
                   <a:solidFill>
                     <a:schemeClr val="bg1"/>
@@ -17630,7 +17335,7 @@
                   <a:latin typeface="微软雅黑 Light" panose="020B0502040204020203" pitchFamily="34" charset="-122"/>
                   <a:ea typeface="微软雅黑 Light" panose="020B0502040204020203" pitchFamily="34" charset="-122"/>
                 </a:rPr>
-                <a:t>feasibility (technical risk assessment)</a:t>
+                <a:t>Technical feasibility (technical risk assessment)</a:t>
               </a:r>
               <a:endParaRPr lang="zh-CN" altLang="en-US" sz="2400" dirty="0">
                 <a:solidFill>
@@ -17700,25 +17405,18 @@
               </a:spcAft>
             </a:pPr>
             <a:r>
-              <a:rPr lang="en-US" altLang="zh-CN" kern="100" dirty="0" smtClean="0">
+              <a:rPr lang="en-US" altLang="zh-CN" kern="100" dirty="0">
                 <a:latin typeface="Times New Roman" panose="02020603050405020304" pitchFamily="18" charset="0"/>
                 <a:ea typeface="宋体" panose="02010600030101010101" pitchFamily="2" charset="-122"/>
               </a:rPr>
               <a:t>2.   </a:t>
             </a:r>
             <a:r>
-              <a:rPr lang="zh-CN" altLang="zh-CN" kern="100" dirty="0" smtClean="0">
-                <a:latin typeface="Times New Roman" panose="02020603050405020304" pitchFamily="18" charset="0"/>
-                <a:ea typeface="宋体" panose="02010600030101010101" pitchFamily="2" charset="-122"/>
-              </a:rPr>
-              <a:t>问题</a:t>
-            </a:r>
-            <a:r>
               <a:rPr lang="zh-CN" altLang="zh-CN" kern="100" dirty="0">
                 <a:latin typeface="Times New Roman" panose="02020603050405020304" pitchFamily="18" charset="0"/>
                 <a:ea typeface="宋体" panose="02010600030101010101" pitchFamily="2" charset="-122"/>
               </a:rPr>
-              <a:t>的复杂性</a:t>
+              <a:t>问题的复杂性</a:t>
             </a:r>
           </a:p>
           <a:p>
@@ -17742,25 +17440,18 @@
               </a:spcAft>
             </a:pPr>
             <a:r>
-              <a:rPr lang="en-US" altLang="zh-CN" kern="100" dirty="0" smtClean="0">
+              <a:rPr lang="en-US" altLang="zh-CN" kern="100" dirty="0">
                 <a:latin typeface="Times New Roman" panose="02020603050405020304" pitchFamily="18" charset="0"/>
                 <a:ea typeface="宋体" panose="02010600030101010101" pitchFamily="2" charset="-122"/>
               </a:rPr>
               <a:t>3.    </a:t>
             </a:r>
             <a:r>
-              <a:rPr lang="zh-CN" altLang="zh-CN" kern="100" dirty="0" smtClean="0">
-                <a:latin typeface="Times New Roman" panose="02020603050405020304" pitchFamily="18" charset="0"/>
-                <a:ea typeface="宋体" panose="02010600030101010101" pitchFamily="2" charset="-122"/>
-              </a:rPr>
-              <a:t>系统开发</a:t>
-            </a:r>
-            <a:r>
               <a:rPr lang="zh-CN" altLang="zh-CN" kern="100" dirty="0">
                 <a:latin typeface="Times New Roman" panose="02020603050405020304" pitchFamily="18" charset="0"/>
                 <a:ea typeface="宋体" panose="02010600030101010101" pitchFamily="2" charset="-122"/>
               </a:rPr>
-              <a:t>在时间的条件下成功的可能性</a:t>
+              <a:t>系统开发在时间的条件下成功的可能性</a:t>
             </a:r>
           </a:p>
           <a:p>
@@ -17784,25 +17475,18 @@
               </a:spcAft>
             </a:pPr>
             <a:r>
-              <a:rPr lang="en-US" altLang="zh-CN" kern="100" dirty="0" smtClean="0">
+              <a:rPr lang="en-US" altLang="zh-CN" kern="100" dirty="0">
                 <a:latin typeface="Times New Roman" panose="02020603050405020304" pitchFamily="18" charset="0"/>
                 <a:ea typeface="宋体" panose="02010600030101010101" pitchFamily="2" charset="-122"/>
               </a:rPr>
               <a:t>4.     </a:t>
             </a:r>
             <a:r>
-              <a:rPr lang="zh-CN" altLang="zh-CN" kern="100" dirty="0" smtClean="0">
-                <a:latin typeface="Times New Roman" panose="02020603050405020304" pitchFamily="18" charset="0"/>
-                <a:ea typeface="宋体" panose="02010600030101010101" pitchFamily="2" charset="-122"/>
-              </a:rPr>
-              <a:t>系统开发</a:t>
-            </a:r>
-            <a:r>
               <a:rPr lang="zh-CN" altLang="zh-CN" kern="100" dirty="0">
                 <a:latin typeface="Times New Roman" panose="02020603050405020304" pitchFamily="18" charset="0"/>
                 <a:ea typeface="宋体" panose="02010600030101010101" pitchFamily="2" charset="-122"/>
               </a:rPr>
-              <a:t>在费用的条件下成功的可能性</a:t>
+              <a:t>系统开发在费用的条件下成功的可能性</a:t>
             </a:r>
           </a:p>
           <a:p>
@@ -17826,25 +17510,18 @@
               </a:spcAft>
             </a:pPr>
             <a:r>
-              <a:rPr lang="en-US" altLang="zh-CN" kern="100" dirty="0" smtClean="0">
+              <a:rPr lang="en-US" altLang="zh-CN" kern="100" dirty="0">
                 <a:latin typeface="Times New Roman" panose="02020603050405020304" pitchFamily="18" charset="0"/>
                 <a:ea typeface="宋体" panose="02010600030101010101" pitchFamily="2" charset="-122"/>
               </a:rPr>
               <a:t>5.      </a:t>
             </a:r>
             <a:r>
-              <a:rPr lang="zh-CN" altLang="zh-CN" kern="100" dirty="0" smtClean="0">
-                <a:latin typeface="Times New Roman" panose="02020603050405020304" pitchFamily="18" charset="0"/>
-                <a:ea typeface="宋体" panose="02010600030101010101" pitchFamily="2" charset="-122"/>
-              </a:rPr>
-              <a:t>关键</a:t>
-            </a:r>
-            <a:r>
               <a:rPr lang="zh-CN" altLang="zh-CN" kern="100" dirty="0">
                 <a:latin typeface="Times New Roman" panose="02020603050405020304" pitchFamily="18" charset="0"/>
                 <a:ea typeface="宋体" panose="02010600030101010101" pitchFamily="2" charset="-122"/>
               </a:rPr>
-              <a:t>技术</a:t>
+              <a:t>关键技术</a:t>
             </a:r>
           </a:p>
           <a:p>
@@ -17896,25 +17573,18 @@
               </a:spcAft>
             </a:pPr>
             <a:r>
-              <a:rPr lang="en-US" altLang="zh-CN" kern="100" dirty="0" smtClean="0">
+              <a:rPr lang="en-US" altLang="zh-CN" kern="100" dirty="0">
                 <a:latin typeface="Times New Roman" panose="02020603050405020304" pitchFamily="18" charset="0"/>
                 <a:ea typeface="宋体" panose="02010600030101010101" pitchFamily="2" charset="-122"/>
               </a:rPr>
               <a:t>6.      </a:t>
             </a:r>
             <a:r>
-              <a:rPr lang="zh-CN" altLang="zh-CN" kern="100" dirty="0" smtClean="0">
-                <a:latin typeface="Times New Roman" panose="02020603050405020304" pitchFamily="18" charset="0"/>
-                <a:ea typeface="宋体" panose="02010600030101010101" pitchFamily="2" charset="-122"/>
-              </a:rPr>
-              <a:t>开发</a:t>
-            </a:r>
-            <a:r>
               <a:rPr lang="zh-CN" altLang="zh-CN" kern="100" dirty="0">
                 <a:latin typeface="Times New Roman" panose="02020603050405020304" pitchFamily="18" charset="0"/>
                 <a:ea typeface="宋体" panose="02010600030101010101" pitchFamily="2" charset="-122"/>
               </a:rPr>
-              <a:t>难点</a:t>
+              <a:t>开发难点</a:t>
             </a:r>
           </a:p>
           <a:p>
@@ -18022,13 +17692,6 @@
       </p:transition>
     </mc:Fallback>
   </mc:AlternateContent>
-  <p:timing>
-    <p:tnLst>
-      <p:par>
-        <p:cTn id="1" dur="indefinite" restart="never" nodeType="tmRoot"/>
-      </p:par>
-    </p:tnLst>
-  </p:timing>
 </p:sld>
 </file>
 
@@ -18238,7 +17901,7 @@
             <a:lstStyle/>
             <a:p>
               <a:r>
-                <a:rPr lang="en-US" altLang="zh-CN" sz="2800" kern="100" dirty="0" smtClean="0">
+                <a:rPr lang="en-US" altLang="zh-CN" sz="2800" kern="100" dirty="0">
                   <a:solidFill>
                     <a:schemeClr val="bg1"/>
                   </a:solidFill>
@@ -18248,7 +17911,7 @@
                 <a:t>7.</a:t>
               </a:r>
               <a:r>
-                <a:rPr lang="zh-CN" altLang="en-US" sz="2800" kern="100" dirty="0" smtClean="0">
+                <a:rPr lang="zh-CN" altLang="en-US" sz="2800" kern="100" dirty="0">
                   <a:solidFill>
                     <a:schemeClr val="bg1"/>
                   </a:solidFill>
@@ -18257,7 +17920,7 @@
                 </a:rPr>
                 <a:t>法律可行性</a:t>
               </a:r>
-              <a:endParaRPr lang="en-US" altLang="zh-CN" sz="2800" kern="100" dirty="0" smtClean="0">
+              <a:endParaRPr lang="en-US" altLang="zh-CN" sz="2800" kern="100" dirty="0">
                 <a:solidFill>
                   <a:schemeClr val="bg1"/>
                 </a:solidFill>
@@ -18399,13 +18062,6 @@
       </p:transition>
     </mc:Fallback>
   </mc:AlternateContent>
-  <p:timing>
-    <p:tnLst>
-      <p:par>
-        <p:cTn id="1" dur="indefinite" restart="never" nodeType="tmRoot"/>
-      </p:par>
-    </p:tnLst>
-  </p:timing>
 </p:sld>
 </file>
 
@@ -18615,7 +18271,7 @@
             <a:lstStyle/>
             <a:p>
               <a:r>
-                <a:rPr lang="en-US" altLang="zh-CN" sz="2800" kern="100" dirty="0" smtClean="0">
+                <a:rPr lang="en-US" altLang="zh-CN" sz="2800" kern="100" dirty="0">
                   <a:solidFill>
                     <a:schemeClr val="bg1"/>
                   </a:solidFill>
@@ -18625,7 +18281,7 @@
                 <a:t>8.</a:t>
               </a:r>
               <a:r>
-                <a:rPr lang="zh-CN" altLang="en-US" sz="2800" kern="100" dirty="0" smtClean="0">
+                <a:rPr lang="zh-CN" altLang="en-US" sz="2800" kern="100" dirty="0">
                   <a:solidFill>
                     <a:schemeClr val="bg1"/>
                   </a:solidFill>
@@ -18634,7 +18290,7 @@
                 </a:rPr>
                 <a:t>用户使用可行性</a:t>
               </a:r>
-              <a:endParaRPr lang="en-US" altLang="zh-CN" sz="2800" kern="100" dirty="0" smtClean="0">
+              <a:endParaRPr lang="en-US" altLang="zh-CN" sz="2800" kern="100" dirty="0">
                 <a:solidFill>
                   <a:schemeClr val="bg1"/>
                 </a:solidFill>
@@ -18769,16 +18425,9 @@
                 <a:latin typeface="Times New Roman" panose="02020603050405020304" pitchFamily="18" charset="0"/>
                 <a:ea typeface="宋体" panose="02010600030101010101" pitchFamily="2" charset="-122"/>
               </a:rPr>
-              <a:t>对于服务端的操作人员，由于软件设计的提供给操作人员的接口仅仅会涉及到简单的文件新建、修改、复制、删除等操作，因此仅仅需要操作人员熟悉简单的电脑操作即可，不需要专门进行培训</a:t>
-            </a:r>
-            <a:r>
-              <a:rPr lang="zh-CN" altLang="zh-CN" kern="100" dirty="0" smtClean="0">
-                <a:latin typeface="Times New Roman" panose="02020603050405020304" pitchFamily="18" charset="0"/>
-                <a:ea typeface="宋体" panose="02010600030101010101" pitchFamily="2" charset="-122"/>
-              </a:rPr>
-              <a:t>。</a:t>
-            </a:r>
-            <a:endParaRPr lang="en-US" altLang="zh-CN" kern="100" dirty="0" smtClean="0">
+              <a:t>对于服务端的操作人员，由于软件设计的提供给操作人员的接口仅仅会涉及到简单的文件新建、修改、复制、删除等操作，因此仅仅需要操作人员熟悉简单的电脑操作即可，不需要专门进行培训。</a:t>
+            </a:r>
+            <a:endParaRPr lang="en-US" altLang="zh-CN" kern="100" dirty="0">
               <a:latin typeface="Times New Roman" panose="02020603050405020304" pitchFamily="18" charset="0"/>
               <a:ea typeface="宋体" panose="02010600030101010101" pitchFamily="2" charset="-122"/>
             </a:endParaRPr>
@@ -18832,13 +18481,6 @@
       </p:transition>
     </mc:Fallback>
   </mc:AlternateContent>
-  <p:timing>
-    <p:tnLst>
-      <p:par>
-        <p:cTn id="1" dur="indefinite" restart="never" nodeType="tmRoot"/>
-      </p:par>
-    </p:tnLst>
-  </p:timing>
 </p:sld>
 </file>
 
@@ -19048,7 +18690,7 @@
             <a:lstStyle/>
             <a:p>
               <a:r>
-                <a:rPr lang="en-US" altLang="zh-CN" sz="2800" kern="100" dirty="0" smtClean="0">
+                <a:rPr lang="en-US" altLang="zh-CN" sz="2800" kern="100" dirty="0">
                   <a:solidFill>
                     <a:schemeClr val="bg1"/>
                   </a:solidFill>
@@ -19058,7 +18700,7 @@
                 <a:t>9.</a:t>
               </a:r>
               <a:r>
-                <a:rPr lang="zh-CN" altLang="en-US" sz="2800" kern="100" dirty="0" smtClean="0">
+                <a:rPr lang="zh-CN" altLang="en-US" sz="2800" kern="100" dirty="0">
                   <a:solidFill>
                     <a:schemeClr val="bg1"/>
                   </a:solidFill>
@@ -19067,7 +18709,7 @@
                 </a:rPr>
                 <a:t>其他与项目有关的问题及注解</a:t>
               </a:r>
-              <a:endParaRPr lang="en-US" altLang="zh-CN" sz="2800" kern="100" dirty="0" smtClean="0">
+              <a:endParaRPr lang="en-US" altLang="zh-CN" sz="2800" kern="100" dirty="0">
                 <a:solidFill>
                   <a:schemeClr val="bg1"/>
                 </a:solidFill>
@@ -19187,13 +18829,6 @@
       </p:transition>
     </mc:Fallback>
   </mc:AlternateContent>
-  <p:timing>
-    <p:tnLst>
-      <p:par>
-        <p:cTn id="1" dur="indefinite" restart="never" nodeType="tmRoot"/>
-      </p:par>
-    </p:tnLst>
-  </p:timing>
 </p:sld>
 </file>
 
@@ -19214,94 +18849,6 @@
           <a:chExt cx="0" cy="0"/>
         </a:xfrm>
       </p:grpSpPr>
-      <p:grpSp>
-        <p:nvGrpSpPr>
-          <p:cNvPr id="2" name="组 1"/>
-          <p:cNvGrpSpPr/>
-          <p:nvPr/>
-        </p:nvGrpSpPr>
-        <p:grpSpPr>
-          <a:xfrm>
-            <a:off x="3164594" y="1387822"/>
-            <a:ext cx="4803748" cy="1094798"/>
-            <a:chOff x="3164594" y="1254859"/>
-            <a:chExt cx="4803748" cy="1094798"/>
-          </a:xfrm>
-        </p:grpSpPr>
-        <p:sp>
-          <p:nvSpPr>
-            <p:cNvPr id="7" name="矩形 6">
-              <a:extLst>
-                <a:ext uri="{FF2B5EF4-FFF2-40B4-BE49-F238E27FC236}">
-                  <a16:creationId xmlns:a16="http://schemas.microsoft.com/office/drawing/2014/main" id="{70F92121-B557-4830-BFC9-10F7FAA0452E}"/>
-                </a:ext>
-              </a:extLst>
-            </p:cNvPr>
-            <p:cNvSpPr/>
-            <p:nvPr/>
-          </p:nvSpPr>
-          <p:spPr>
-            <a:xfrm>
-              <a:off x="3164594" y="1254859"/>
-              <a:ext cx="2432641" cy="400110"/>
-            </a:xfrm>
-            <a:prstGeom prst="rect">
-              <a:avLst/>
-            </a:prstGeom>
-          </p:spPr>
-          <p:txBody>
-            <a:bodyPr wrap="square">
-              <a:spAutoFit/>
-            </a:bodyPr>
-            <a:lstStyle/>
-            <a:p>
-              <a:endParaRPr lang="zh-CN" altLang="en-US" sz="2000" kern="100" dirty="0">
-                <a:latin typeface="微软雅黑 Light" panose="020B0502040204020203" pitchFamily="34" charset="-122"/>
-                <a:ea typeface="微软雅黑 Light" panose="020B0502040204020203" pitchFamily="34" charset="-122"/>
-              </a:endParaRPr>
-            </a:p>
-          </p:txBody>
-        </p:sp>
-        <p:sp>
-          <p:nvSpPr>
-            <p:cNvPr id="8" name="矩形 7">
-              <a:extLst>
-                <a:ext uri="{FF2B5EF4-FFF2-40B4-BE49-F238E27FC236}">
-                  <a16:creationId xmlns:a16="http://schemas.microsoft.com/office/drawing/2014/main" id="{ED79FB8C-3BE6-44D9-A653-E9F18D969D50}"/>
-                </a:ext>
-              </a:extLst>
-            </p:cNvPr>
-            <p:cNvSpPr/>
-            <p:nvPr/>
-          </p:nvSpPr>
-          <p:spPr>
-            <a:xfrm>
-              <a:off x="3164595" y="1841826"/>
-              <a:ext cx="4803747" cy="507831"/>
-            </a:xfrm>
-            <a:prstGeom prst="rect">
-              <a:avLst/>
-            </a:prstGeom>
-          </p:spPr>
-          <p:txBody>
-            <a:bodyPr wrap="square">
-              <a:spAutoFit/>
-            </a:bodyPr>
-            <a:lstStyle/>
-            <a:p>
-              <a:pPr algn="just">
-                <a:lnSpc>
-                  <a:spcPct val="150000"/>
-                </a:lnSpc>
-              </a:pPr>
-              <a:endParaRPr lang="en-US" altLang="zh-CN" kern="100" dirty="0">
-                <a:latin typeface="微软雅黑 Light" panose="020B0502040204020203" pitchFamily="34" charset="-122"/>
-                <a:ea typeface="微软雅黑 Light" panose="020B0502040204020203" pitchFamily="34" charset="-122"/>
-              </a:endParaRPr>
-            </a:p>
-          </p:txBody>
-        </p:sp>
-      </p:grpSp>
       <p:grpSp>
         <p:nvGrpSpPr>
           <p:cNvPr id="13" name="组合 2">
@@ -19403,7 +18950,7 @@
             <a:lstStyle/>
             <a:p>
               <a:r>
-                <a:rPr lang="zh-CN" altLang="en-US" sz="2800" kern="100" dirty="0" smtClean="0">
+                <a:rPr lang="zh-CN" altLang="en-US" sz="2800" kern="100" dirty="0">
                   <a:solidFill>
                     <a:schemeClr val="bg1"/>
                   </a:solidFill>
@@ -19412,7 +18959,7 @@
                 </a:rPr>
                 <a:t>附录</a:t>
               </a:r>
-              <a:endParaRPr lang="en-US" altLang="zh-CN" sz="2800" kern="100" dirty="0" smtClean="0">
+              <a:endParaRPr lang="en-US" altLang="zh-CN" sz="2800" kern="100" dirty="0">
                 <a:solidFill>
                   <a:schemeClr val="bg1"/>
                 </a:solidFill>
@@ -19454,7 +19001,7 @@
             <a:lstStyle/>
             <a:p>
               <a:r>
-                <a:rPr lang="en-US" altLang="zh-CN" sz="2400" dirty="0" smtClean="0">
+                <a:rPr lang="en-US" altLang="zh-CN" sz="2400" dirty="0">
                   <a:solidFill>
                     <a:schemeClr val="bg1"/>
                   </a:solidFill>
@@ -19474,182 +19021,641 @@
           </p:txBody>
         </p:sp>
       </p:grpSp>
-      <p:sp>
-        <p:nvSpPr>
-          <p:cNvPr id="5" name="矩形 4"/>
-          <p:cNvSpPr/>
-          <p:nvPr/>
-        </p:nvSpPr>
-        <p:spPr>
-          <a:xfrm>
-            <a:off x="2887855" y="1901563"/>
-            <a:ext cx="4572000" cy="2585323"/>
-          </a:xfrm>
-          <a:prstGeom prst="rect">
-            <a:avLst/>
-          </a:prstGeom>
-        </p:spPr>
-        <p:txBody>
-          <a:bodyPr>
-            <a:spAutoFit/>
-          </a:bodyPr>
-          <a:lstStyle/>
-          <a:p>
-            <a:pPr indent="127000" algn="just">
-              <a:spcAft>
-                <a:spcPts val="0"/>
-              </a:spcAft>
-            </a:pPr>
-            <a:r>
-              <a:rPr lang="zh-CN" altLang="zh-CN" kern="100" dirty="0">
-                <a:latin typeface="Times New Roman" panose="02020603050405020304" pitchFamily="18" charset="0"/>
-                <a:ea typeface="宋体" panose="02010600030101010101" pitchFamily="2" charset="-122"/>
-              </a:rPr>
-              <a:t>参考资料：</a:t>
-            </a:r>
-          </a:p>
-          <a:p>
-            <a:pPr indent="266700" algn="just">
-              <a:spcAft>
-                <a:spcPts val="0"/>
-              </a:spcAft>
-            </a:pPr>
-            <a:r>
-              <a:rPr lang="en-US" altLang="zh-CN" b="1" kern="100" dirty="0">
-                <a:latin typeface="Times New Roman" panose="02020603050405020304" pitchFamily="18" charset="0"/>
-                <a:ea typeface="宋体" panose="02010600030101010101" pitchFamily="2" charset="-122"/>
-              </a:rPr>
-              <a:t>CSDN</a:t>
-            </a:r>
-            <a:r>
-              <a:rPr lang="zh-CN" altLang="zh-CN" b="1" kern="100" dirty="0">
-                <a:latin typeface="Times New Roman" panose="02020603050405020304" pitchFamily="18" charset="0"/>
-                <a:ea typeface="宋体" panose="02010600030101010101" pitchFamily="2" charset="-122"/>
-              </a:rPr>
-              <a:t>：一步一步开发微信小程序</a:t>
-            </a:r>
-            <a:endParaRPr lang="zh-CN" altLang="zh-CN" kern="100" dirty="0">
-              <a:latin typeface="Times New Roman" panose="02020603050405020304" pitchFamily="18" charset="0"/>
-              <a:ea typeface="宋体" panose="02010600030101010101" pitchFamily="2" charset="-122"/>
-            </a:endParaRPr>
-          </a:p>
-          <a:p>
-            <a:pPr indent="266700" algn="just">
-              <a:spcAft>
-                <a:spcPts val="0"/>
-              </a:spcAft>
-            </a:pPr>
-            <a:r>
-              <a:rPr lang="en-US" altLang="zh-CN" kern="100" dirty="0">
-                <a:latin typeface="Times New Roman" panose="02020603050405020304" pitchFamily="18" charset="0"/>
-                <a:ea typeface="宋体" panose="02010600030101010101" pitchFamily="2" charset="-122"/>
-              </a:rPr>
-              <a:t>https://blog.csdn.net/zhangjing1019/article/details/79442828</a:t>
-            </a:r>
-            <a:endParaRPr lang="zh-CN" altLang="zh-CN" kern="100" dirty="0">
-              <a:latin typeface="Times New Roman" panose="02020603050405020304" pitchFamily="18" charset="0"/>
-              <a:ea typeface="宋体" panose="02010600030101010101" pitchFamily="2" charset="-122"/>
-            </a:endParaRPr>
-          </a:p>
-          <a:p>
-            <a:pPr indent="266700" algn="just">
-              <a:spcAft>
-                <a:spcPts val="0"/>
-              </a:spcAft>
-            </a:pPr>
-            <a:r>
-              <a:rPr lang="en-US" altLang="zh-CN" b="1" kern="100" dirty="0">
-                <a:latin typeface="Times New Roman" panose="02020603050405020304" pitchFamily="18" charset="0"/>
-                <a:ea typeface="宋体" panose="02010600030101010101" pitchFamily="2" charset="-122"/>
-              </a:rPr>
-              <a:t>CSDN:</a:t>
-            </a:r>
-            <a:r>
-              <a:rPr lang="zh-CN" altLang="zh-CN" b="1" kern="100" dirty="0">
-                <a:latin typeface="Times New Roman" panose="02020603050405020304" pitchFamily="18" charset="0"/>
-                <a:ea typeface="宋体" panose="02010600030101010101" pitchFamily="2" charset="-122"/>
-              </a:rPr>
-              <a:t>微信小程序上线发布流程</a:t>
-            </a:r>
-            <a:endParaRPr lang="zh-CN" altLang="zh-CN" kern="100" dirty="0">
-              <a:latin typeface="Times New Roman" panose="02020603050405020304" pitchFamily="18" charset="0"/>
-              <a:ea typeface="宋体" panose="02010600030101010101" pitchFamily="2" charset="-122"/>
-            </a:endParaRPr>
-          </a:p>
-          <a:p>
-            <a:pPr indent="266700" algn="just">
-              <a:spcAft>
-                <a:spcPts val="0"/>
-              </a:spcAft>
-            </a:pPr>
-            <a:r>
-              <a:rPr lang="en-US" altLang="zh-CN" b="1" kern="100" dirty="0">
-                <a:latin typeface="Times New Roman" panose="02020603050405020304" pitchFamily="18" charset="0"/>
-                <a:ea typeface="宋体" panose="02010600030101010101" pitchFamily="2" charset="-122"/>
-              </a:rPr>
-              <a:t>https://blog.csdn.net/huangbaokang/article/details/80268727</a:t>
-            </a:r>
-            <a:endParaRPr lang="zh-CN" altLang="zh-CN" kern="100" dirty="0">
-              <a:latin typeface="Times New Roman" panose="02020603050405020304" pitchFamily="18" charset="0"/>
-              <a:ea typeface="宋体" panose="02010600030101010101" pitchFamily="2" charset="-122"/>
-            </a:endParaRPr>
-          </a:p>
-          <a:p>
-            <a:pPr indent="266700" algn="just">
-              <a:spcAft>
-                <a:spcPts val="0"/>
-              </a:spcAft>
-            </a:pPr>
-            <a:r>
-              <a:rPr lang="zh-CN" altLang="zh-CN" b="1" kern="100" dirty="0">
-                <a:latin typeface="Times New Roman" panose="02020603050405020304" pitchFamily="18" charset="0"/>
-                <a:ea typeface="宋体" panose="02010600030101010101" pitchFamily="2" charset="-122"/>
-              </a:rPr>
-              <a:t>简书：微信小程序和</a:t>
-            </a:r>
-            <a:r>
-              <a:rPr lang="en-US" altLang="zh-CN" b="1" kern="100" dirty="0">
-                <a:latin typeface="Times New Roman" panose="02020603050405020304" pitchFamily="18" charset="0"/>
-                <a:ea typeface="宋体" panose="02010600030101010101" pitchFamily="2" charset="-122"/>
-              </a:rPr>
-              <a:t>APP</a:t>
-            </a:r>
-            <a:r>
-              <a:rPr lang="zh-CN" altLang="zh-CN" b="1" kern="100" dirty="0">
-                <a:latin typeface="Times New Roman" panose="02020603050405020304" pitchFamily="18" charset="0"/>
-                <a:ea typeface="宋体" panose="02010600030101010101" pitchFamily="2" charset="-122"/>
-              </a:rPr>
-              <a:t>优劣势大对比</a:t>
-            </a:r>
-            <a:endParaRPr lang="zh-CN" altLang="zh-CN" kern="100" dirty="0">
-              <a:latin typeface="Times New Roman" panose="02020603050405020304" pitchFamily="18" charset="0"/>
-              <a:ea typeface="宋体" panose="02010600030101010101" pitchFamily="2" charset="-122"/>
-            </a:endParaRPr>
-          </a:p>
-          <a:p>
-            <a:pPr indent="266700" algn="just">
-              <a:spcAft>
-                <a:spcPts val="0"/>
-              </a:spcAft>
-            </a:pPr>
-            <a:r>
-              <a:rPr lang="en-US" altLang="zh-CN" kern="100" dirty="0">
-                <a:latin typeface="Times New Roman" panose="02020603050405020304" pitchFamily="18" charset="0"/>
-                <a:ea typeface="宋体" panose="02010600030101010101" pitchFamily="2" charset="-122"/>
-              </a:rPr>
-              <a:t>https://www.jianshu.com/p/c72802b5e74e</a:t>
-            </a:r>
-            <a:endParaRPr lang="zh-CN" altLang="zh-CN" kern="100" dirty="0">
-              <a:latin typeface="Times New Roman" panose="02020603050405020304" pitchFamily="18" charset="0"/>
-              <a:ea typeface="宋体" panose="02010600030101010101" pitchFamily="2" charset="-122"/>
-            </a:endParaRPr>
-          </a:p>
-        </p:txBody>
-      </p:sp>
+      <p:graphicFrame>
+        <p:nvGraphicFramePr>
+          <p:cNvPr id="3" name="表格 2">
+            <a:extLst>
+              <a:ext uri="{FF2B5EF4-FFF2-40B4-BE49-F238E27FC236}">
+                <a16:creationId xmlns:a16="http://schemas.microsoft.com/office/drawing/2014/main" id="{FA08C2DA-3950-48C5-BB53-BFDC1334A473}"/>
+              </a:ext>
+            </a:extLst>
+          </p:cNvPr>
+          <p:cNvGraphicFramePr>
+            <a:graphicFrameLocks noGrp="1"/>
+          </p:cNvGraphicFramePr>
+          <p:nvPr>
+            <p:extLst>
+              <p:ext uri="{D42A27DB-BD31-4B8C-83A1-F6EECF244321}">
+                <p14:modId xmlns:p14="http://schemas.microsoft.com/office/powerpoint/2010/main" val="3366655704"/>
+              </p:ext>
+            </p:extLst>
+          </p:nvPr>
+        </p:nvGraphicFramePr>
+        <p:xfrm>
+          <a:off x="2565647" y="568171"/>
+          <a:ext cx="6383045" cy="4873838"/>
+        </p:xfrm>
+        <a:graphic>
+          <a:graphicData uri="http://schemas.openxmlformats.org/drawingml/2006/table">
+            <a:tbl>
+              <a:tblPr>
+                <a:tableStyleId>{5C22544A-7EE6-4342-B048-85BDC9FD1C3A}</a:tableStyleId>
+              </a:tblPr>
+              <a:tblGrid>
+                <a:gridCol w="870461">
+                  <a:extLst>
+                    <a:ext uri="{9D8B030D-6E8A-4147-A177-3AD203B41FA5}">
+                      <a16:colId xmlns:a16="http://schemas.microsoft.com/office/drawing/2014/main" val="4016043897"/>
+                    </a:ext>
+                  </a:extLst>
+                </a:gridCol>
+                <a:gridCol w="2580057">
+                  <a:extLst>
+                    <a:ext uri="{9D8B030D-6E8A-4147-A177-3AD203B41FA5}">
+                      <a16:colId xmlns:a16="http://schemas.microsoft.com/office/drawing/2014/main" val="3395738205"/>
+                    </a:ext>
+                  </a:extLst>
+                </a:gridCol>
+                <a:gridCol w="817724">
+                  <a:extLst>
+                    <a:ext uri="{9D8B030D-6E8A-4147-A177-3AD203B41FA5}">
+                      <a16:colId xmlns:a16="http://schemas.microsoft.com/office/drawing/2014/main" val="918362930"/>
+                    </a:ext>
+                  </a:extLst>
+                </a:gridCol>
+                <a:gridCol w="2114803">
+                  <a:extLst>
+                    <a:ext uri="{9D8B030D-6E8A-4147-A177-3AD203B41FA5}">
+                      <a16:colId xmlns:a16="http://schemas.microsoft.com/office/drawing/2014/main" val="2135477780"/>
+                    </a:ext>
+                  </a:extLst>
+                </a:gridCol>
+              </a:tblGrid>
+              <a:tr h="270768">
+                <a:tc>
+                  <a:txBody>
+                    <a:bodyPr/>
+                    <a:lstStyle/>
+                    <a:p>
+                      <a:pPr algn="just">
+                        <a:spcAft>
+                          <a:spcPts val="0"/>
+                        </a:spcAft>
+                      </a:pPr>
+                      <a:r>
+                        <a:rPr lang="zh-CN" sz="1200" kern="100" dirty="0">
+                          <a:effectLst/>
+                        </a:rPr>
+                        <a:t>会议地点</a:t>
+                      </a:r>
+                      <a:endParaRPr lang="zh-CN" sz="1200" kern="100" dirty="0">
+                        <a:effectLst/>
+                        <a:latin typeface="等线" panose="02010600030101010101" pitchFamily="2" charset="-122"/>
+                        <a:ea typeface="等线" panose="02010600030101010101" pitchFamily="2" charset="-122"/>
+                        <a:cs typeface="Times New Roman" panose="02020603050405020304" pitchFamily="18" charset="0"/>
+                      </a:endParaRPr>
+                    </a:p>
+                  </a:txBody>
+                  <a:tcPr marL="30118" marR="30118" marT="7171" marB="0"/>
+                </a:tc>
+                <a:tc>
+                  <a:txBody>
+                    <a:bodyPr/>
+                    <a:lstStyle/>
+                    <a:p>
+                      <a:pPr algn="just">
+                        <a:spcAft>
+                          <a:spcPts val="0"/>
+                        </a:spcAft>
+                      </a:pPr>
+                      <a:r>
+                        <a:rPr lang="zh-CN" sz="1200" kern="100">
+                          <a:effectLst/>
+                        </a:rPr>
+                        <a:t>微信语音</a:t>
+                      </a:r>
+                      <a:endParaRPr lang="zh-CN" sz="1200" kern="100">
+                        <a:effectLst/>
+                        <a:latin typeface="等线" panose="02010600030101010101" pitchFamily="2" charset="-122"/>
+                        <a:ea typeface="等线" panose="02010600030101010101" pitchFamily="2" charset="-122"/>
+                        <a:cs typeface="Times New Roman" panose="02020603050405020304" pitchFamily="18" charset="0"/>
+                      </a:endParaRPr>
+                    </a:p>
+                  </a:txBody>
+                  <a:tcPr marL="30118" marR="30118" marT="7171" marB="0"/>
+                </a:tc>
+                <a:tc>
+                  <a:txBody>
+                    <a:bodyPr/>
+                    <a:lstStyle/>
+                    <a:p>
+                      <a:pPr algn="just">
+                        <a:spcAft>
+                          <a:spcPts val="0"/>
+                        </a:spcAft>
+                      </a:pPr>
+                      <a:r>
+                        <a:rPr lang="zh-CN" sz="1200" kern="100">
+                          <a:effectLst/>
+                        </a:rPr>
+                        <a:t>会议时间</a:t>
+                      </a:r>
+                      <a:endParaRPr lang="zh-CN" sz="1200" kern="100">
+                        <a:effectLst/>
+                        <a:latin typeface="等线" panose="02010600030101010101" pitchFamily="2" charset="-122"/>
+                        <a:ea typeface="等线" panose="02010600030101010101" pitchFamily="2" charset="-122"/>
+                        <a:cs typeface="Times New Roman" panose="02020603050405020304" pitchFamily="18" charset="0"/>
+                      </a:endParaRPr>
+                    </a:p>
+                  </a:txBody>
+                  <a:tcPr marL="30118" marR="30118" marT="7171" marB="0"/>
+                </a:tc>
+                <a:tc>
+                  <a:txBody>
+                    <a:bodyPr/>
+                    <a:lstStyle/>
+                    <a:p>
+                      <a:pPr algn="just">
+                        <a:spcAft>
+                          <a:spcPts val="0"/>
+                        </a:spcAft>
+                      </a:pPr>
+                      <a:r>
+                        <a:rPr lang="en-US" sz="1200" kern="100" dirty="0">
+                          <a:effectLst/>
+                        </a:rPr>
+                        <a:t>2019.3.</a:t>
+                      </a:r>
+                      <a:r>
+                        <a:rPr lang="en-US" altLang="zh-CN" sz="1200" kern="100" dirty="0">
+                          <a:effectLst/>
+                        </a:rPr>
+                        <a:t>23</a:t>
+                      </a:r>
+                      <a:r>
+                        <a:rPr lang="en-US" sz="1200" kern="100" dirty="0">
+                          <a:effectLst/>
+                        </a:rPr>
+                        <a:t> 21:00</a:t>
+                      </a:r>
+                      <a:endParaRPr lang="zh-CN" sz="1200" kern="100" dirty="0">
+                        <a:effectLst/>
+                        <a:latin typeface="等线" panose="02010600030101010101" pitchFamily="2" charset="-122"/>
+                        <a:ea typeface="等线" panose="02010600030101010101" pitchFamily="2" charset="-122"/>
+                        <a:cs typeface="Times New Roman" panose="02020603050405020304" pitchFamily="18" charset="0"/>
+                      </a:endParaRPr>
+                    </a:p>
+                  </a:txBody>
+                  <a:tcPr marL="30118" marR="30118" marT="7171" marB="0"/>
+                </a:tc>
+                <a:extLst>
+                  <a:ext uri="{0D108BD9-81ED-4DB2-BD59-A6C34878D82A}">
+                    <a16:rowId xmlns:a16="http://schemas.microsoft.com/office/drawing/2014/main" val="4283649532"/>
+                  </a:ext>
+                </a:extLst>
+              </a:tr>
+              <a:tr h="270768">
+                <a:tc>
+                  <a:txBody>
+                    <a:bodyPr/>
+                    <a:lstStyle/>
+                    <a:p>
+                      <a:pPr algn="just">
+                        <a:spcAft>
+                          <a:spcPts val="0"/>
+                        </a:spcAft>
+                      </a:pPr>
+                      <a:r>
+                        <a:rPr lang="zh-CN" sz="1200" kern="100">
+                          <a:effectLst/>
+                        </a:rPr>
+                        <a:t>主 持 人</a:t>
+                      </a:r>
+                      <a:endParaRPr lang="zh-CN" sz="1200" kern="100">
+                        <a:effectLst/>
+                        <a:latin typeface="等线" panose="02010600030101010101" pitchFamily="2" charset="-122"/>
+                        <a:ea typeface="等线" panose="02010600030101010101" pitchFamily="2" charset="-122"/>
+                        <a:cs typeface="Times New Roman" panose="02020603050405020304" pitchFamily="18" charset="0"/>
+                      </a:endParaRPr>
+                    </a:p>
+                  </a:txBody>
+                  <a:tcPr marL="30118" marR="30118" marT="7171" marB="0"/>
+                </a:tc>
+                <a:tc>
+                  <a:txBody>
+                    <a:bodyPr/>
+                    <a:lstStyle/>
+                    <a:p>
+                      <a:pPr algn="just">
+                        <a:spcAft>
+                          <a:spcPts val="0"/>
+                        </a:spcAft>
+                      </a:pPr>
+                      <a:r>
+                        <a:rPr lang="zh-CN" sz="1200" kern="100">
+                          <a:effectLst/>
+                        </a:rPr>
+                        <a:t>方绪俊</a:t>
+                      </a:r>
+                      <a:endParaRPr lang="zh-CN" sz="1200" kern="100">
+                        <a:effectLst/>
+                        <a:latin typeface="等线" panose="02010600030101010101" pitchFamily="2" charset="-122"/>
+                        <a:ea typeface="等线" panose="02010600030101010101" pitchFamily="2" charset="-122"/>
+                        <a:cs typeface="Times New Roman" panose="02020603050405020304" pitchFamily="18" charset="0"/>
+                      </a:endParaRPr>
+                    </a:p>
+                  </a:txBody>
+                  <a:tcPr marL="30118" marR="30118" marT="7171" marB="0"/>
+                </a:tc>
+                <a:tc>
+                  <a:txBody>
+                    <a:bodyPr/>
+                    <a:lstStyle/>
+                    <a:p>
+                      <a:pPr algn="just">
+                        <a:spcAft>
+                          <a:spcPts val="0"/>
+                        </a:spcAft>
+                      </a:pPr>
+                      <a:r>
+                        <a:rPr lang="zh-CN" sz="1200" kern="100">
+                          <a:effectLst/>
+                        </a:rPr>
+                        <a:t>记录 人</a:t>
+                      </a:r>
+                      <a:endParaRPr lang="zh-CN" sz="1200" kern="100">
+                        <a:effectLst/>
+                        <a:latin typeface="等线" panose="02010600030101010101" pitchFamily="2" charset="-122"/>
+                        <a:ea typeface="等线" panose="02010600030101010101" pitchFamily="2" charset="-122"/>
+                        <a:cs typeface="Times New Roman" panose="02020603050405020304" pitchFamily="18" charset="0"/>
+                      </a:endParaRPr>
+                    </a:p>
+                  </a:txBody>
+                  <a:tcPr marL="30118" marR="30118" marT="7171" marB="0"/>
+                </a:tc>
+                <a:tc>
+                  <a:txBody>
+                    <a:bodyPr/>
+                    <a:lstStyle/>
+                    <a:p>
+                      <a:pPr algn="just">
+                        <a:spcAft>
+                          <a:spcPts val="0"/>
+                        </a:spcAft>
+                      </a:pPr>
+                      <a:r>
+                        <a:rPr lang="zh-CN" sz="1200" kern="100">
+                          <a:effectLst/>
+                        </a:rPr>
+                        <a:t>赵雨泽</a:t>
+                      </a:r>
+                      <a:endParaRPr lang="zh-CN" sz="1200" kern="100">
+                        <a:effectLst/>
+                        <a:latin typeface="等线" panose="02010600030101010101" pitchFamily="2" charset="-122"/>
+                        <a:ea typeface="等线" panose="02010600030101010101" pitchFamily="2" charset="-122"/>
+                        <a:cs typeface="Times New Roman" panose="02020603050405020304" pitchFamily="18" charset="0"/>
+                      </a:endParaRPr>
+                    </a:p>
+                  </a:txBody>
+                  <a:tcPr marL="30118" marR="30118" marT="7171" marB="0"/>
+                </a:tc>
+                <a:extLst>
+                  <a:ext uri="{0D108BD9-81ED-4DB2-BD59-A6C34878D82A}">
+                    <a16:rowId xmlns:a16="http://schemas.microsoft.com/office/drawing/2014/main" val="560071053"/>
+                  </a:ext>
+                </a:extLst>
+              </a:tr>
+              <a:tr h="270768">
+                <a:tc>
+                  <a:txBody>
+                    <a:bodyPr/>
+                    <a:lstStyle/>
+                    <a:p>
+                      <a:pPr algn="just">
+                        <a:spcAft>
+                          <a:spcPts val="0"/>
+                        </a:spcAft>
+                      </a:pPr>
+                      <a:r>
+                        <a:rPr lang="zh-CN" sz="1200" kern="100">
+                          <a:effectLst/>
+                        </a:rPr>
+                        <a:t>参会人员</a:t>
+                      </a:r>
+                      <a:endParaRPr lang="zh-CN" sz="1200" kern="100">
+                        <a:effectLst/>
+                        <a:latin typeface="等线" panose="02010600030101010101" pitchFamily="2" charset="-122"/>
+                        <a:ea typeface="等线" panose="02010600030101010101" pitchFamily="2" charset="-122"/>
+                        <a:cs typeface="Times New Roman" panose="02020603050405020304" pitchFamily="18" charset="0"/>
+                      </a:endParaRPr>
+                    </a:p>
+                  </a:txBody>
+                  <a:tcPr marL="30118" marR="30118" marT="7171" marB="0" anchor="ctr"/>
+                </a:tc>
+                <a:tc gridSpan="3">
+                  <a:txBody>
+                    <a:bodyPr/>
+                    <a:lstStyle/>
+                    <a:p>
+                      <a:pPr algn="just">
+                        <a:spcAft>
+                          <a:spcPts val="0"/>
+                        </a:spcAft>
+                      </a:pPr>
+                      <a:r>
+                        <a:rPr lang="zh-CN" sz="1200" kern="100">
+                          <a:effectLst/>
+                        </a:rPr>
+                        <a:t>方绪俊、赵雨泽、王子超</a:t>
+                      </a:r>
+                      <a:endParaRPr lang="zh-CN" sz="1200" kern="100">
+                        <a:effectLst/>
+                        <a:latin typeface="等线" panose="02010600030101010101" pitchFamily="2" charset="-122"/>
+                        <a:ea typeface="等线" panose="02010600030101010101" pitchFamily="2" charset="-122"/>
+                        <a:cs typeface="Times New Roman" panose="02020603050405020304" pitchFamily="18" charset="0"/>
+                      </a:endParaRPr>
+                    </a:p>
+                  </a:txBody>
+                  <a:tcPr marL="30118" marR="30118" marT="7171" marB="0"/>
+                </a:tc>
+                <a:tc hMerge="1">
+                  <a:txBody>
+                    <a:bodyPr/>
+                    <a:lstStyle/>
+                    <a:p>
+                      <a:endParaRPr lang="zh-CN" altLang="en-US"/>
+                    </a:p>
+                  </a:txBody>
+                  <a:tcPr/>
+                </a:tc>
+                <a:tc hMerge="1">
+                  <a:txBody>
+                    <a:bodyPr/>
+                    <a:lstStyle/>
+                    <a:p>
+                      <a:endParaRPr lang="zh-CN" altLang="en-US"/>
+                    </a:p>
+                  </a:txBody>
+                  <a:tcPr/>
+                </a:tc>
+                <a:extLst>
+                  <a:ext uri="{0D108BD9-81ED-4DB2-BD59-A6C34878D82A}">
+                    <a16:rowId xmlns:a16="http://schemas.microsoft.com/office/drawing/2014/main" val="2328759662"/>
+                  </a:ext>
+                </a:extLst>
+              </a:tr>
+              <a:tr h="270768">
+                <a:tc>
+                  <a:txBody>
+                    <a:bodyPr/>
+                    <a:lstStyle/>
+                    <a:p>
+                      <a:pPr algn="just">
+                        <a:spcAft>
+                          <a:spcPts val="0"/>
+                        </a:spcAft>
+                      </a:pPr>
+                      <a:r>
+                        <a:rPr lang="zh-CN" sz="1200" kern="100">
+                          <a:effectLst/>
+                        </a:rPr>
+                        <a:t>会议主题</a:t>
+                      </a:r>
+                      <a:endParaRPr lang="zh-CN" sz="1200" kern="100">
+                        <a:effectLst/>
+                        <a:latin typeface="等线" panose="02010600030101010101" pitchFamily="2" charset="-122"/>
+                        <a:ea typeface="等线" panose="02010600030101010101" pitchFamily="2" charset="-122"/>
+                        <a:cs typeface="Times New Roman" panose="02020603050405020304" pitchFamily="18" charset="0"/>
+                      </a:endParaRPr>
+                    </a:p>
+                  </a:txBody>
+                  <a:tcPr marL="30118" marR="30118" marT="7171" marB="0" anchor="ctr"/>
+                </a:tc>
+                <a:tc gridSpan="3">
+                  <a:txBody>
+                    <a:bodyPr/>
+                    <a:lstStyle/>
+                    <a:p>
+                      <a:pPr algn="just">
+                        <a:spcAft>
+                          <a:spcPts val="0"/>
+                        </a:spcAft>
+                      </a:pPr>
+                      <a:r>
+                        <a:rPr lang="zh-CN" sz="1200" kern="100" dirty="0">
+                          <a:effectLst/>
+                        </a:rPr>
+                        <a:t>关于项目计划的讨论</a:t>
+                      </a:r>
+                      <a:endParaRPr lang="zh-CN" sz="1200" kern="100" dirty="0">
+                        <a:effectLst/>
+                        <a:latin typeface="等线" panose="02010600030101010101" pitchFamily="2" charset="-122"/>
+                        <a:ea typeface="等线" panose="02010600030101010101" pitchFamily="2" charset="-122"/>
+                        <a:cs typeface="Times New Roman" panose="02020603050405020304" pitchFamily="18" charset="0"/>
+                      </a:endParaRPr>
+                    </a:p>
+                  </a:txBody>
+                  <a:tcPr marL="30118" marR="30118" marT="7171" marB="0"/>
+                </a:tc>
+                <a:tc hMerge="1">
+                  <a:txBody>
+                    <a:bodyPr/>
+                    <a:lstStyle/>
+                    <a:p>
+                      <a:endParaRPr lang="zh-CN" altLang="en-US"/>
+                    </a:p>
+                  </a:txBody>
+                  <a:tcPr/>
+                </a:tc>
+                <a:tc hMerge="1">
+                  <a:txBody>
+                    <a:bodyPr/>
+                    <a:lstStyle/>
+                    <a:p>
+                      <a:endParaRPr lang="zh-CN" altLang="en-US"/>
+                    </a:p>
+                  </a:txBody>
+                  <a:tcPr/>
+                </a:tc>
+                <a:extLst>
+                  <a:ext uri="{0D108BD9-81ED-4DB2-BD59-A6C34878D82A}">
+                    <a16:rowId xmlns:a16="http://schemas.microsoft.com/office/drawing/2014/main" val="925161287"/>
+                  </a:ext>
+                </a:extLst>
+              </a:tr>
+              <a:tr h="3790766">
+                <a:tc gridSpan="4">
+                  <a:txBody>
+                    <a:bodyPr/>
+                    <a:lstStyle/>
+                    <a:p>
+                      <a:pPr algn="just">
+                        <a:spcAft>
+                          <a:spcPts val="0"/>
+                        </a:spcAft>
+                      </a:pPr>
+                      <a:r>
+                        <a:rPr lang="zh-CN" altLang="en-US" sz="1200" kern="100" dirty="0">
+                          <a:effectLst/>
+                        </a:rPr>
+                        <a:t>会议内容</a:t>
+                      </a:r>
+                      <a:endParaRPr lang="en-US" altLang="zh-CN" sz="1200" kern="100" dirty="0">
+                        <a:effectLst/>
+                      </a:endParaRPr>
+                    </a:p>
+                    <a:p>
+                      <a:pPr algn="just">
+                        <a:spcAft>
+                          <a:spcPts val="0"/>
+                        </a:spcAft>
+                      </a:pPr>
+                      <a:r>
+                        <a:rPr lang="en-US" altLang="zh-CN" sz="1200" kern="100" dirty="0">
+                          <a:effectLst/>
+                        </a:rPr>
+                        <a:t>1.	</a:t>
+                      </a:r>
+                      <a:r>
+                        <a:rPr lang="zh-CN" altLang="en-US" sz="1200" kern="100" dirty="0">
+                          <a:effectLst/>
+                        </a:rPr>
+                        <a:t>项目计划任务分配</a:t>
+                      </a:r>
+                    </a:p>
+                    <a:p>
+                      <a:pPr algn="just">
+                        <a:spcAft>
+                          <a:spcPts val="0"/>
+                        </a:spcAft>
+                      </a:pPr>
+                      <a:r>
+                        <a:rPr lang="zh-CN" altLang="en-US" sz="1200" kern="100" dirty="0">
+                          <a:effectLst/>
+                        </a:rPr>
+                        <a:t>汇报具体如下：</a:t>
+                      </a:r>
+                    </a:p>
+                    <a:p>
+                      <a:pPr algn="just">
+                        <a:spcAft>
+                          <a:spcPts val="0"/>
+                        </a:spcAft>
+                      </a:pPr>
+                      <a:r>
+                        <a:rPr lang="en-US" altLang="zh-CN" sz="1200" kern="100" dirty="0">
+                          <a:effectLst/>
+                        </a:rPr>
+                        <a:t>1.	</a:t>
+                      </a:r>
+                      <a:r>
+                        <a:rPr lang="zh-CN" altLang="en-US" sz="1200" kern="100" dirty="0">
+                          <a:effectLst/>
+                        </a:rPr>
+                        <a:t>汇报学习进度</a:t>
+                      </a:r>
+                    </a:p>
+                    <a:p>
+                      <a:pPr algn="just">
+                        <a:spcAft>
+                          <a:spcPts val="0"/>
+                        </a:spcAft>
+                      </a:pPr>
+                      <a:r>
+                        <a:rPr lang="en-US" altLang="zh-CN" sz="1200" kern="100" dirty="0">
+                          <a:effectLst/>
+                        </a:rPr>
+                        <a:t>2.	ppt</a:t>
+                      </a:r>
+                      <a:r>
+                        <a:rPr lang="zh-CN" altLang="en-US" sz="1200" kern="100" dirty="0">
+                          <a:effectLst/>
+                        </a:rPr>
+                        <a:t>试讲</a:t>
+                      </a:r>
+                    </a:p>
+                    <a:p>
+                      <a:pPr algn="just">
+                        <a:spcAft>
+                          <a:spcPts val="0"/>
+                        </a:spcAft>
+                      </a:pPr>
+                      <a:r>
+                        <a:rPr lang="en-US" altLang="zh-CN" sz="1200" kern="100" dirty="0">
+                          <a:effectLst/>
+                        </a:rPr>
+                        <a:t>3.	</a:t>
+                      </a:r>
+                      <a:r>
+                        <a:rPr lang="zh-CN" altLang="en-US" sz="1200" kern="100" dirty="0">
+                          <a:effectLst/>
+                        </a:rPr>
+                        <a:t>会后自行研究开源软件文献</a:t>
+                      </a:r>
+                    </a:p>
+                    <a:p>
+                      <a:pPr algn="just">
+                        <a:spcAft>
+                          <a:spcPts val="0"/>
+                        </a:spcAft>
+                      </a:pPr>
+                      <a:r>
+                        <a:rPr lang="zh-CN" altLang="en-US" sz="1200" kern="100" dirty="0">
+                          <a:effectLst/>
+                        </a:rPr>
+                        <a:t>近期安排：</a:t>
+                      </a:r>
+                    </a:p>
+                    <a:p>
+                      <a:pPr algn="just">
+                        <a:spcAft>
+                          <a:spcPts val="0"/>
+                        </a:spcAft>
+                      </a:pPr>
+                      <a:r>
+                        <a:rPr lang="zh-CN" altLang="en-US" sz="1200" kern="100" dirty="0">
+                          <a:effectLst/>
+                        </a:rPr>
+                        <a:t>散会后自行学习。</a:t>
+                      </a:r>
+                    </a:p>
+                  </a:txBody>
+                  <a:tcPr marL="30118" marR="30118" marT="7171" marB="0"/>
+                </a:tc>
+                <a:tc hMerge="1">
+                  <a:txBody>
+                    <a:bodyPr/>
+                    <a:lstStyle/>
+                    <a:p>
+                      <a:endParaRPr lang="zh-CN" altLang="en-US"/>
+                    </a:p>
+                  </a:txBody>
+                  <a:tcPr/>
+                </a:tc>
+                <a:tc hMerge="1">
+                  <a:txBody>
+                    <a:bodyPr/>
+                    <a:lstStyle/>
+                    <a:p>
+                      <a:endParaRPr lang="zh-CN" altLang="en-US"/>
+                    </a:p>
+                  </a:txBody>
+                  <a:tcPr/>
+                </a:tc>
+                <a:tc hMerge="1">
+                  <a:txBody>
+                    <a:bodyPr/>
+                    <a:lstStyle/>
+                    <a:p>
+                      <a:endParaRPr lang="zh-CN" altLang="en-US"/>
+                    </a:p>
+                  </a:txBody>
+                  <a:tcPr/>
+                </a:tc>
+                <a:extLst>
+                  <a:ext uri="{0D108BD9-81ED-4DB2-BD59-A6C34878D82A}">
+                    <a16:rowId xmlns:a16="http://schemas.microsoft.com/office/drawing/2014/main" val="621533972"/>
+                  </a:ext>
+                </a:extLst>
+              </a:tr>
+            </a:tbl>
+          </a:graphicData>
+        </a:graphic>
+      </p:graphicFrame>
     </p:spTree>
     <p:extLst>
       <p:ext uri="{BB962C8B-B14F-4D97-AF65-F5344CB8AC3E}">
-        <p14:creationId xmlns:p14="http://schemas.microsoft.com/office/powerpoint/2010/main" val="530745100"/>
+        <p14:creationId xmlns:p14="http://schemas.microsoft.com/office/powerpoint/2010/main" val="872004803"/>
       </p:ext>
     </p:extLst>
   </p:cSld>
@@ -19668,13 +19674,6 @@
       </p:transition>
     </mc:Fallback>
   </mc:AlternateContent>
-  <p:timing>
-    <p:tnLst>
-      <p:par>
-        <p:cTn id="1" dur="indefinite" restart="never" nodeType="tmRoot"/>
-      </p:par>
-    </p:tnLst>
-  </p:timing>
 </p:sld>
 </file>
 
@@ -19890,17 +19889,6 @@
               </a:tabLst>
             </a:pPr>
             <a:r>
-              <a:rPr lang="zh-CN" altLang="zh-CN" sz="2000" b="1" u="sng" kern="100" dirty="0" smtClean="0">
-                <a:solidFill>
-                  <a:srgbClr val="0000FF"/>
-                </a:solidFill>
-                <a:latin typeface="Times New Roman" panose="02020603050405020304" pitchFamily="18" charset="0"/>
-                <a:ea typeface="宋体" panose="02010600030101010101" pitchFamily="2" charset="-122"/>
-                <a:hlinkClick r:id="rId2" action="ppaction://hlinkfile"/>
-              </a:rPr>
-              <a:t>1</a:t>
-            </a:r>
-            <a:r>
               <a:rPr lang="zh-CN" altLang="zh-CN" sz="2000" b="1" u="sng" kern="100" dirty="0">
                 <a:solidFill>
                   <a:srgbClr val="0000FF"/>
@@ -19909,7 +19897,7 @@
                 <a:ea typeface="宋体" panose="02010600030101010101" pitchFamily="2" charset="-122"/>
                 <a:hlinkClick r:id="rId2" action="ppaction://hlinkfile"/>
               </a:rPr>
-              <a:t>引言</a:t>
+              <a:t>1引言</a:t>
             </a:r>
             <a:r>
               <a:rPr lang="zh-CN" altLang="zh-CN" sz="2000" b="1" kern="100" dirty="0">
@@ -21028,6 +21016,480 @@
 </file>
 
 <file path=ppt/slides/slide30.xml><?xml version="1.0" encoding="utf-8"?>
+<p:sld xmlns:a="http://schemas.openxmlformats.org/drawingml/2006/main" xmlns:r="http://schemas.openxmlformats.org/officeDocument/2006/relationships" xmlns:p="http://schemas.openxmlformats.org/presentationml/2006/main">
+  <p:cSld>
+    <p:spTree>
+      <p:nvGrpSpPr>
+        <p:cNvPr id="1" name=""/>
+        <p:cNvGrpSpPr/>
+        <p:nvPr/>
+      </p:nvGrpSpPr>
+      <p:grpSpPr>
+        <a:xfrm>
+          <a:off x="0" y="0"/>
+          <a:ext cx="0" cy="0"/>
+          <a:chOff x="0" y="0"/>
+          <a:chExt cx="0" cy="0"/>
+        </a:xfrm>
+      </p:grpSpPr>
+      <p:grpSp>
+        <p:nvGrpSpPr>
+          <p:cNvPr id="2" name="组 1"/>
+          <p:cNvGrpSpPr/>
+          <p:nvPr/>
+        </p:nvGrpSpPr>
+        <p:grpSpPr>
+          <a:xfrm>
+            <a:off x="3164594" y="1387822"/>
+            <a:ext cx="4803748" cy="1094798"/>
+            <a:chOff x="3164594" y="1254859"/>
+            <a:chExt cx="4803748" cy="1094798"/>
+          </a:xfrm>
+        </p:grpSpPr>
+        <p:sp>
+          <p:nvSpPr>
+            <p:cNvPr id="7" name="矩形 6">
+              <a:extLst>
+                <a:ext uri="{FF2B5EF4-FFF2-40B4-BE49-F238E27FC236}">
+                  <a16:creationId xmlns:a16="http://schemas.microsoft.com/office/drawing/2014/main" id="{70F92121-B557-4830-BFC9-10F7FAA0452E}"/>
+                </a:ext>
+              </a:extLst>
+            </p:cNvPr>
+            <p:cNvSpPr/>
+            <p:nvPr/>
+          </p:nvSpPr>
+          <p:spPr>
+            <a:xfrm>
+              <a:off x="3164594" y="1254859"/>
+              <a:ext cx="2432641" cy="400110"/>
+            </a:xfrm>
+            <a:prstGeom prst="rect">
+              <a:avLst/>
+            </a:prstGeom>
+          </p:spPr>
+          <p:txBody>
+            <a:bodyPr wrap="square">
+              <a:spAutoFit/>
+            </a:bodyPr>
+            <a:lstStyle/>
+            <a:p>
+              <a:endParaRPr lang="zh-CN" altLang="en-US" sz="2000" kern="100" dirty="0">
+                <a:latin typeface="微软雅黑 Light" panose="020B0502040204020203" pitchFamily="34" charset="-122"/>
+                <a:ea typeface="微软雅黑 Light" panose="020B0502040204020203" pitchFamily="34" charset="-122"/>
+              </a:endParaRPr>
+            </a:p>
+          </p:txBody>
+        </p:sp>
+        <p:sp>
+          <p:nvSpPr>
+            <p:cNvPr id="8" name="矩形 7">
+              <a:extLst>
+                <a:ext uri="{FF2B5EF4-FFF2-40B4-BE49-F238E27FC236}">
+                  <a16:creationId xmlns:a16="http://schemas.microsoft.com/office/drawing/2014/main" id="{ED79FB8C-3BE6-44D9-A653-E9F18D969D50}"/>
+                </a:ext>
+              </a:extLst>
+            </p:cNvPr>
+            <p:cNvSpPr/>
+            <p:nvPr/>
+          </p:nvSpPr>
+          <p:spPr>
+            <a:xfrm>
+              <a:off x="3164595" y="1841826"/>
+              <a:ext cx="4803747" cy="507831"/>
+            </a:xfrm>
+            <a:prstGeom prst="rect">
+              <a:avLst/>
+            </a:prstGeom>
+          </p:spPr>
+          <p:txBody>
+            <a:bodyPr wrap="square">
+              <a:spAutoFit/>
+            </a:bodyPr>
+            <a:lstStyle/>
+            <a:p>
+              <a:pPr algn="just">
+                <a:lnSpc>
+                  <a:spcPct val="150000"/>
+                </a:lnSpc>
+              </a:pPr>
+              <a:endParaRPr lang="en-US" altLang="zh-CN" kern="100" dirty="0">
+                <a:latin typeface="微软雅黑 Light" panose="020B0502040204020203" pitchFamily="34" charset="-122"/>
+                <a:ea typeface="微软雅黑 Light" panose="020B0502040204020203" pitchFamily="34" charset="-122"/>
+              </a:endParaRPr>
+            </a:p>
+          </p:txBody>
+        </p:sp>
+      </p:grpSp>
+      <p:grpSp>
+        <p:nvGrpSpPr>
+          <p:cNvPr id="13" name="组合 2">
+            <a:extLst>
+              <a:ext uri="{FF2B5EF4-FFF2-40B4-BE49-F238E27FC236}">
+                <a16:creationId xmlns:a16="http://schemas.microsoft.com/office/drawing/2014/main" id="{AC579923-1C81-470D-991D-41135C46ADB1}"/>
+              </a:ext>
+            </a:extLst>
+          </p:cNvPr>
+          <p:cNvGrpSpPr/>
+          <p:nvPr/>
+        </p:nvGrpSpPr>
+        <p:grpSpPr>
+          <a:xfrm>
+            <a:off x="-42575" y="0"/>
+            <a:ext cx="2311882" cy="6858000"/>
+            <a:chOff x="-42575" y="0"/>
+            <a:chExt cx="2311882" cy="6858000"/>
+          </a:xfrm>
+        </p:grpSpPr>
+        <p:sp>
+          <p:nvSpPr>
+            <p:cNvPr id="14" name="矩形 13">
+              <a:extLst>
+                <a:ext uri="{FF2B5EF4-FFF2-40B4-BE49-F238E27FC236}">
+                  <a16:creationId xmlns:a16="http://schemas.microsoft.com/office/drawing/2014/main" id="{707A22D1-6283-4694-9BDA-E0CA5B7B902C}"/>
+                </a:ext>
+              </a:extLst>
+            </p:cNvPr>
+            <p:cNvSpPr/>
+            <p:nvPr/>
+          </p:nvSpPr>
+          <p:spPr>
+            <a:xfrm>
+              <a:off x="-42575" y="0"/>
+              <a:ext cx="2311882" cy="6858000"/>
+            </a:xfrm>
+            <a:prstGeom prst="rect">
+              <a:avLst/>
+            </a:prstGeom>
+            <a:ln>
+              <a:noFill/>
+            </a:ln>
+          </p:spPr>
+          <p:style>
+            <a:lnRef idx="2">
+              <a:schemeClr val="accent1">
+                <a:shade val="50000"/>
+              </a:schemeClr>
+            </a:lnRef>
+            <a:fillRef idx="1">
+              <a:schemeClr val="accent1"/>
+            </a:fillRef>
+            <a:effectRef idx="0">
+              <a:schemeClr val="accent1"/>
+            </a:effectRef>
+            <a:fontRef idx="minor">
+              <a:schemeClr val="lt1"/>
+            </a:fontRef>
+          </p:style>
+          <p:txBody>
+            <a:bodyPr rtlCol="0" anchor="ctr"/>
+            <a:lstStyle/>
+            <a:p>
+              <a:pPr algn="ctr"/>
+              <a:endParaRPr lang="zh-CN" altLang="en-US"/>
+            </a:p>
+          </p:txBody>
+        </p:sp>
+        <p:sp>
+          <p:nvSpPr>
+            <p:cNvPr id="15" name="文本框 14">
+              <a:extLst>
+                <a:ext uri="{FF2B5EF4-FFF2-40B4-BE49-F238E27FC236}">
+                  <a16:creationId xmlns:a16="http://schemas.microsoft.com/office/drawing/2014/main" id="{2DC17080-AB22-44B0-BD13-733CBAFAA0D3}"/>
+                </a:ext>
+              </a:extLst>
+            </p:cNvPr>
+            <p:cNvSpPr txBox="1"/>
+            <p:nvPr/>
+          </p:nvSpPr>
+          <p:spPr>
+            <a:xfrm>
+              <a:off x="0" y="1061681"/>
+              <a:ext cx="2226733" cy="523220"/>
+            </a:xfrm>
+            <a:prstGeom prst="rect">
+              <a:avLst/>
+            </a:prstGeom>
+            <a:noFill/>
+            <a:ln>
+              <a:noFill/>
+            </a:ln>
+          </p:spPr>
+          <p:txBody>
+            <a:bodyPr wrap="square" rtlCol="0">
+              <a:spAutoFit/>
+            </a:bodyPr>
+            <a:lstStyle/>
+            <a:p>
+              <a:r>
+                <a:rPr lang="zh-CN" altLang="en-US" sz="2800" kern="100" dirty="0">
+                  <a:solidFill>
+                    <a:schemeClr val="bg1"/>
+                  </a:solidFill>
+                  <a:latin typeface="微软雅黑 Light" panose="020B0502040204020203" pitchFamily="34" charset="-122"/>
+                  <a:ea typeface="微软雅黑 Light" panose="020B0502040204020203" pitchFamily="34" charset="-122"/>
+                </a:rPr>
+                <a:t>附录</a:t>
+              </a:r>
+              <a:endParaRPr lang="en-US" altLang="zh-CN" sz="2800" kern="100" dirty="0">
+                <a:solidFill>
+                  <a:schemeClr val="bg1"/>
+                </a:solidFill>
+                <a:latin typeface="微软雅黑 Light" panose="020B0502040204020203" pitchFamily="34" charset="-122"/>
+                <a:ea typeface="微软雅黑 Light" panose="020B0502040204020203" pitchFamily="34" charset="-122"/>
+              </a:endParaRPr>
+            </a:p>
+          </p:txBody>
+        </p:sp>
+        <p:sp>
+          <p:nvSpPr>
+            <p:cNvPr id="16" name="文本框 15">
+              <a:extLst>
+                <a:ext uri="{FF2B5EF4-FFF2-40B4-BE49-F238E27FC236}">
+                  <a16:creationId xmlns:a16="http://schemas.microsoft.com/office/drawing/2014/main" id="{85D5BD3F-DEB9-4813-B82A-7E32195A7A6E}"/>
+                </a:ext>
+              </a:extLst>
+            </p:cNvPr>
+            <p:cNvSpPr txBox="1"/>
+            <p:nvPr/>
+          </p:nvSpPr>
+          <p:spPr>
+            <a:xfrm>
+              <a:off x="37375" y="2020955"/>
+              <a:ext cx="1992567" cy="461665"/>
+            </a:xfrm>
+            <a:prstGeom prst="rect">
+              <a:avLst/>
+            </a:prstGeom>
+            <a:noFill/>
+            <a:ln>
+              <a:noFill/>
+            </a:ln>
+          </p:spPr>
+          <p:txBody>
+            <a:bodyPr wrap="square" rtlCol="0">
+              <a:spAutoFit/>
+            </a:bodyPr>
+            <a:lstStyle/>
+            <a:p>
+              <a:r>
+                <a:rPr lang="en-US" altLang="zh-CN" sz="2400" dirty="0">
+                  <a:solidFill>
+                    <a:schemeClr val="bg1"/>
+                  </a:solidFill>
+                  <a:latin typeface="微软雅黑 Light" panose="020B0502040204020203" pitchFamily="34" charset="-122"/>
+                  <a:ea typeface="微软雅黑 Light" panose="020B0502040204020203" pitchFamily="34" charset="-122"/>
+                </a:rPr>
+                <a:t>appendix</a:t>
+              </a:r>
+              <a:endParaRPr lang="zh-CN" altLang="en-US" sz="2400" dirty="0">
+                <a:solidFill>
+                  <a:schemeClr val="bg1"/>
+                </a:solidFill>
+                <a:latin typeface="微软雅黑 Light" panose="020B0502040204020203" pitchFamily="34" charset="-122"/>
+                <a:ea typeface="微软雅黑 Light" panose="020B0502040204020203" pitchFamily="34" charset="-122"/>
+              </a:endParaRPr>
+            </a:p>
+          </p:txBody>
+        </p:sp>
+      </p:grpSp>
+      <p:sp>
+        <p:nvSpPr>
+          <p:cNvPr id="5" name="矩形 4"/>
+          <p:cNvSpPr/>
+          <p:nvPr/>
+        </p:nvSpPr>
+        <p:spPr>
+          <a:xfrm>
+            <a:off x="2887855" y="1901563"/>
+            <a:ext cx="4572000" cy="2585323"/>
+          </a:xfrm>
+          <a:prstGeom prst="rect">
+            <a:avLst/>
+          </a:prstGeom>
+        </p:spPr>
+        <p:txBody>
+          <a:bodyPr>
+            <a:spAutoFit/>
+          </a:bodyPr>
+          <a:lstStyle/>
+          <a:p>
+            <a:pPr indent="127000" algn="just">
+              <a:spcAft>
+                <a:spcPts val="0"/>
+              </a:spcAft>
+            </a:pPr>
+            <a:r>
+              <a:rPr lang="zh-CN" altLang="zh-CN" kern="100" dirty="0">
+                <a:latin typeface="Times New Roman" panose="02020603050405020304" pitchFamily="18" charset="0"/>
+                <a:ea typeface="宋体" panose="02010600030101010101" pitchFamily="2" charset="-122"/>
+              </a:rPr>
+              <a:t>参考资料：</a:t>
+            </a:r>
+          </a:p>
+          <a:p>
+            <a:pPr indent="266700" algn="just">
+              <a:spcAft>
+                <a:spcPts val="0"/>
+              </a:spcAft>
+            </a:pPr>
+            <a:r>
+              <a:rPr lang="en-US" altLang="zh-CN" b="1" kern="100" dirty="0">
+                <a:latin typeface="Times New Roman" panose="02020603050405020304" pitchFamily="18" charset="0"/>
+                <a:ea typeface="宋体" panose="02010600030101010101" pitchFamily="2" charset="-122"/>
+              </a:rPr>
+              <a:t>CSDN</a:t>
+            </a:r>
+            <a:r>
+              <a:rPr lang="zh-CN" altLang="zh-CN" b="1" kern="100" dirty="0">
+                <a:latin typeface="Times New Roman" panose="02020603050405020304" pitchFamily="18" charset="0"/>
+                <a:ea typeface="宋体" panose="02010600030101010101" pitchFamily="2" charset="-122"/>
+              </a:rPr>
+              <a:t>：一步一步开发微信小程序</a:t>
+            </a:r>
+            <a:endParaRPr lang="zh-CN" altLang="zh-CN" kern="100" dirty="0">
+              <a:latin typeface="Times New Roman" panose="02020603050405020304" pitchFamily="18" charset="0"/>
+              <a:ea typeface="宋体" panose="02010600030101010101" pitchFamily="2" charset="-122"/>
+            </a:endParaRPr>
+          </a:p>
+          <a:p>
+            <a:pPr indent="266700" algn="just">
+              <a:spcAft>
+                <a:spcPts val="0"/>
+              </a:spcAft>
+            </a:pPr>
+            <a:r>
+              <a:rPr lang="en-US" altLang="zh-CN" kern="100" dirty="0">
+                <a:latin typeface="Times New Roman" panose="02020603050405020304" pitchFamily="18" charset="0"/>
+                <a:ea typeface="宋体" panose="02010600030101010101" pitchFamily="2" charset="-122"/>
+              </a:rPr>
+              <a:t>https://blog.csdn.net/zhangjing1019/article/details/79442828</a:t>
+            </a:r>
+            <a:endParaRPr lang="zh-CN" altLang="zh-CN" kern="100" dirty="0">
+              <a:latin typeface="Times New Roman" panose="02020603050405020304" pitchFamily="18" charset="0"/>
+              <a:ea typeface="宋体" panose="02010600030101010101" pitchFamily="2" charset="-122"/>
+            </a:endParaRPr>
+          </a:p>
+          <a:p>
+            <a:pPr indent="266700" algn="just">
+              <a:spcAft>
+                <a:spcPts val="0"/>
+              </a:spcAft>
+            </a:pPr>
+            <a:r>
+              <a:rPr lang="en-US" altLang="zh-CN" b="1" kern="100" dirty="0">
+                <a:latin typeface="Times New Roman" panose="02020603050405020304" pitchFamily="18" charset="0"/>
+                <a:ea typeface="宋体" panose="02010600030101010101" pitchFamily="2" charset="-122"/>
+              </a:rPr>
+              <a:t>CSDN:</a:t>
+            </a:r>
+            <a:r>
+              <a:rPr lang="zh-CN" altLang="zh-CN" b="1" kern="100" dirty="0">
+                <a:latin typeface="Times New Roman" panose="02020603050405020304" pitchFamily="18" charset="0"/>
+                <a:ea typeface="宋体" panose="02010600030101010101" pitchFamily="2" charset="-122"/>
+              </a:rPr>
+              <a:t>微信小程序上线发布流程</a:t>
+            </a:r>
+            <a:endParaRPr lang="zh-CN" altLang="zh-CN" kern="100" dirty="0">
+              <a:latin typeface="Times New Roman" panose="02020603050405020304" pitchFamily="18" charset="0"/>
+              <a:ea typeface="宋体" panose="02010600030101010101" pitchFamily="2" charset="-122"/>
+            </a:endParaRPr>
+          </a:p>
+          <a:p>
+            <a:pPr indent="266700" algn="just">
+              <a:spcAft>
+                <a:spcPts val="0"/>
+              </a:spcAft>
+            </a:pPr>
+            <a:r>
+              <a:rPr lang="en-US" altLang="zh-CN" b="1" kern="100" dirty="0">
+                <a:latin typeface="Times New Roman" panose="02020603050405020304" pitchFamily="18" charset="0"/>
+                <a:ea typeface="宋体" panose="02010600030101010101" pitchFamily="2" charset="-122"/>
+              </a:rPr>
+              <a:t>https://blog.csdn.net/huangbaokang/article/details/80268727</a:t>
+            </a:r>
+            <a:endParaRPr lang="zh-CN" altLang="zh-CN" kern="100" dirty="0">
+              <a:latin typeface="Times New Roman" panose="02020603050405020304" pitchFamily="18" charset="0"/>
+              <a:ea typeface="宋体" panose="02010600030101010101" pitchFamily="2" charset="-122"/>
+            </a:endParaRPr>
+          </a:p>
+          <a:p>
+            <a:pPr indent="266700" algn="just">
+              <a:spcAft>
+                <a:spcPts val="0"/>
+              </a:spcAft>
+            </a:pPr>
+            <a:r>
+              <a:rPr lang="zh-CN" altLang="zh-CN" b="1" kern="100" dirty="0">
+                <a:latin typeface="Times New Roman" panose="02020603050405020304" pitchFamily="18" charset="0"/>
+                <a:ea typeface="宋体" panose="02010600030101010101" pitchFamily="2" charset="-122"/>
+              </a:rPr>
+              <a:t>简书：微信小程序和</a:t>
+            </a:r>
+            <a:r>
+              <a:rPr lang="en-US" altLang="zh-CN" b="1" kern="100" dirty="0">
+                <a:latin typeface="Times New Roman" panose="02020603050405020304" pitchFamily="18" charset="0"/>
+                <a:ea typeface="宋体" panose="02010600030101010101" pitchFamily="2" charset="-122"/>
+              </a:rPr>
+              <a:t>APP</a:t>
+            </a:r>
+            <a:r>
+              <a:rPr lang="zh-CN" altLang="zh-CN" b="1" kern="100" dirty="0">
+                <a:latin typeface="Times New Roman" panose="02020603050405020304" pitchFamily="18" charset="0"/>
+                <a:ea typeface="宋体" panose="02010600030101010101" pitchFamily="2" charset="-122"/>
+              </a:rPr>
+              <a:t>优劣势大对比</a:t>
+            </a:r>
+            <a:endParaRPr lang="zh-CN" altLang="zh-CN" kern="100" dirty="0">
+              <a:latin typeface="Times New Roman" panose="02020603050405020304" pitchFamily="18" charset="0"/>
+              <a:ea typeface="宋体" panose="02010600030101010101" pitchFamily="2" charset="-122"/>
+            </a:endParaRPr>
+          </a:p>
+          <a:p>
+            <a:pPr indent="266700" algn="just">
+              <a:spcAft>
+                <a:spcPts val="0"/>
+              </a:spcAft>
+            </a:pPr>
+            <a:r>
+              <a:rPr lang="en-US" altLang="zh-CN" kern="100" dirty="0">
+                <a:latin typeface="Times New Roman" panose="02020603050405020304" pitchFamily="18" charset="0"/>
+                <a:ea typeface="宋体" panose="02010600030101010101" pitchFamily="2" charset="-122"/>
+              </a:rPr>
+              <a:t>https://www.jianshu.com/p/c72802b5e74e</a:t>
+            </a:r>
+            <a:endParaRPr lang="zh-CN" altLang="zh-CN" kern="100" dirty="0">
+              <a:latin typeface="Times New Roman" panose="02020603050405020304" pitchFamily="18" charset="0"/>
+              <a:ea typeface="宋体" panose="02010600030101010101" pitchFamily="2" charset="-122"/>
+            </a:endParaRPr>
+          </a:p>
+        </p:txBody>
+      </p:sp>
+    </p:spTree>
+    <p:extLst>
+      <p:ext uri="{BB962C8B-B14F-4D97-AF65-F5344CB8AC3E}">
+        <p14:creationId xmlns:p14="http://schemas.microsoft.com/office/powerpoint/2010/main" val="530745100"/>
+      </p:ext>
+    </p:extLst>
+  </p:cSld>
+  <p:clrMapOvr>
+    <a:masterClrMapping/>
+  </p:clrMapOvr>
+  <mc:AlternateContent xmlns:mc="http://schemas.openxmlformats.org/markup-compatibility/2006" xmlns:p14="http://schemas.microsoft.com/office/powerpoint/2010/main">
+    <mc:Choice Requires="p14">
+      <p:transition spd="med" p14:dur="700">
+        <p:fade/>
+      </p:transition>
+    </mc:Choice>
+    <mc:Fallback xmlns="">
+      <p:transition spd="med">
+        <p:fade/>
+      </p:transition>
+    </mc:Fallback>
+  </mc:AlternateContent>
+</p:sld>
+</file>
+
+<file path=ppt/slides/slide31.xml><?xml version="1.0" encoding="utf-8"?>
 <p:sld xmlns:a="http://schemas.openxmlformats.org/drawingml/2006/main" xmlns:r="http://schemas.openxmlformats.org/officeDocument/2006/relationships" xmlns:p="http://schemas.openxmlformats.org/presentationml/2006/main">
   <p:cSld>
     <p:spTree>
@@ -24029,7 +24491,7 @@
                 <a:spcPts val="0"/>
               </a:spcAft>
             </a:pPr>
-            <a:endParaRPr lang="zh-CN" altLang="zh-CN" kern="100" dirty="0" smtClean="0">
+            <a:endParaRPr lang="zh-CN" altLang="zh-CN" kern="100" dirty="0">
               <a:latin typeface="Times New Roman" panose="02020603050405020304" pitchFamily="18" charset="0"/>
               <a:ea typeface="宋体" panose="02010600030101010101" pitchFamily="2" charset="-122"/>
             </a:endParaRPr>
@@ -24044,7 +24506,7 @@
               </a:tabLst>
             </a:pPr>
             <a:r>
-              <a:rPr lang="en-US" altLang="zh-CN" b="1" u="sng" kern="100" dirty="0" smtClean="0">
+              <a:rPr lang="en-US" altLang="zh-CN" b="1" u="sng" kern="100" dirty="0">
                 <a:solidFill>
                   <a:srgbClr val="0000FF"/>
                 </a:solidFill>
@@ -24053,17 +24515,6 @@
                 <a:hlinkClick r:id="rId3" action="ppaction://hlinkfile"/>
               </a:rPr>
               <a:t>5</a:t>
-            </a:r>
-            <a:r>
-              <a:rPr lang="zh-CN" altLang="zh-CN" b="1" u="sng" kern="100" dirty="0" smtClean="0">
-                <a:solidFill>
-                  <a:srgbClr val="0000FF"/>
-                </a:solidFill>
-                <a:latin typeface="Times New Roman" panose="02020603050405020304" pitchFamily="18" charset="0"/>
-                <a:ea typeface="宋体" panose="02010600030101010101" pitchFamily="2" charset="-122"/>
-                <a:hlinkClick r:id="rId3" action="ppaction://hlinkfile"/>
-              </a:rPr>
-              <a:t>经济可行性</a:t>
             </a:r>
             <a:r>
               <a:rPr lang="zh-CN" altLang="zh-CN" b="1" u="sng" kern="100" dirty="0">
@@ -24074,7 +24525,7 @@
                 <a:ea typeface="宋体" panose="02010600030101010101" pitchFamily="2" charset="-122"/>
                 <a:hlinkClick r:id="rId3" action="ppaction://hlinkfile"/>
               </a:rPr>
-              <a:t>(成本----效益分析)</a:t>
+              <a:t>经济可行性(成本----效益分析)</a:t>
             </a:r>
             <a:r>
               <a:rPr lang="zh-CN" altLang="zh-CN" b="1" kern="100" dirty="0">
@@ -24102,7 +24553,7 @@
               </a:tabLst>
             </a:pPr>
             <a:r>
-              <a:rPr lang="en-US" altLang="zh-CN" u="sng" kern="100" dirty="0" smtClean="0">
+              <a:rPr lang="en-US" altLang="zh-CN" u="sng" kern="100" dirty="0">
                 <a:solidFill>
                   <a:srgbClr val="0000FF"/>
                 </a:solidFill>
@@ -24111,17 +24562,6 @@
                 <a:hlinkClick r:id="rId4" action="ppaction://hlinkfile"/>
               </a:rPr>
               <a:t>5</a:t>
-            </a:r>
-            <a:r>
-              <a:rPr lang="zh-CN" altLang="zh-CN" u="sng" kern="100" dirty="0" smtClean="0">
-                <a:solidFill>
-                  <a:srgbClr val="0000FF"/>
-                </a:solidFill>
-                <a:latin typeface="Times New Roman" panose="02020603050405020304" pitchFamily="18" charset="0"/>
-                <a:ea typeface="宋体" panose="02010600030101010101" pitchFamily="2" charset="-122"/>
-                <a:hlinkClick r:id="rId4" action="ppaction://hlinkfile"/>
-              </a:rPr>
-              <a:t>.</a:t>
             </a:r>
             <a:r>
               <a:rPr lang="zh-CN" altLang="zh-CN" u="sng" kern="100" dirty="0">
@@ -24132,7 +24572,7 @@
                 <a:ea typeface="宋体" panose="02010600030101010101" pitchFamily="2" charset="-122"/>
                 <a:hlinkClick r:id="rId4" action="ppaction://hlinkfile"/>
               </a:rPr>
-              <a:t>1投资</a:t>
+              <a:t>.1投资</a:t>
             </a:r>
             <a:r>
               <a:rPr lang="zh-CN" altLang="zh-CN" kern="100" dirty="0">
@@ -24160,7 +24600,7 @@
               </a:tabLst>
             </a:pPr>
             <a:r>
-              <a:rPr lang="en-US" altLang="zh-CN" u="sng" kern="100" dirty="0" smtClean="0">
+              <a:rPr lang="en-US" altLang="zh-CN" u="sng" kern="100" dirty="0">
                 <a:solidFill>
                   <a:srgbClr val="0000FF"/>
                 </a:solidFill>
@@ -24169,17 +24609,6 @@
                 <a:hlinkClick r:id="rId5" action="ppaction://hlinkfile"/>
               </a:rPr>
               <a:t>5</a:t>
-            </a:r>
-            <a:r>
-              <a:rPr lang="zh-CN" altLang="zh-CN" u="sng" kern="100" dirty="0" smtClean="0">
-                <a:solidFill>
-                  <a:srgbClr val="0000FF"/>
-                </a:solidFill>
-                <a:latin typeface="Times New Roman" panose="02020603050405020304" pitchFamily="18" charset="0"/>
-                <a:ea typeface="宋体" panose="02010600030101010101" pitchFamily="2" charset="-122"/>
-                <a:hlinkClick r:id="rId5" action="ppaction://hlinkfile"/>
-              </a:rPr>
-              <a:t>.</a:t>
             </a:r>
             <a:r>
               <a:rPr lang="zh-CN" altLang="zh-CN" u="sng" kern="100" dirty="0">
@@ -24190,7 +24619,7 @@
                 <a:ea typeface="宋体" panose="02010600030101010101" pitchFamily="2" charset="-122"/>
                 <a:hlinkClick r:id="rId5" action="ppaction://hlinkfile"/>
               </a:rPr>
-              <a:t>2预期的经济效益</a:t>
+              <a:t>.2预期的经济效益</a:t>
             </a:r>
             <a:r>
               <a:rPr lang="zh-CN" altLang="zh-CN" kern="100" dirty="0">
@@ -24218,7 +24647,7 @@
               </a:tabLst>
             </a:pPr>
             <a:r>
-              <a:rPr lang="en-US" altLang="zh-CN" u="sng" kern="100" dirty="0" smtClean="0">
+              <a:rPr lang="en-US" altLang="zh-CN" u="sng" kern="100" dirty="0">
                 <a:solidFill>
                   <a:srgbClr val="0000FF"/>
                 </a:solidFill>
@@ -24227,17 +24656,6 @@
                 <a:hlinkClick r:id="rId6" action="ppaction://hlinkfile"/>
               </a:rPr>
               <a:t>5</a:t>
-            </a:r>
-            <a:r>
-              <a:rPr lang="zh-CN" altLang="zh-CN" u="sng" kern="100" dirty="0" smtClean="0">
-                <a:solidFill>
-                  <a:srgbClr val="0000FF"/>
-                </a:solidFill>
-                <a:latin typeface="Times New Roman" panose="02020603050405020304" pitchFamily="18" charset="0"/>
-                <a:ea typeface="宋体" panose="02010600030101010101" pitchFamily="2" charset="-122"/>
-                <a:hlinkClick r:id="rId6" action="ppaction://hlinkfile"/>
-              </a:rPr>
-              <a:t>.</a:t>
             </a:r>
             <a:r>
               <a:rPr lang="zh-CN" altLang="zh-CN" u="sng" kern="100" dirty="0">
@@ -24248,7 +24666,7 @@
                 <a:ea typeface="宋体" panose="02010600030101010101" pitchFamily="2" charset="-122"/>
                 <a:hlinkClick r:id="rId6" action="ppaction://hlinkfile"/>
               </a:rPr>
-              <a:t>2.1一次性收益</a:t>
+              <a:t>.2.1一次性收益</a:t>
             </a:r>
             <a:r>
               <a:rPr lang="zh-CN" altLang="zh-CN" kern="100" dirty="0">
@@ -24276,7 +24694,7 @@
               </a:tabLst>
             </a:pPr>
             <a:r>
-              <a:rPr lang="en-US" altLang="zh-CN" u="sng" kern="100" dirty="0" smtClean="0">
+              <a:rPr lang="en-US" altLang="zh-CN" u="sng" kern="100" dirty="0">
                 <a:solidFill>
                   <a:srgbClr val="0000FF"/>
                 </a:solidFill>
@@ -24285,17 +24703,6 @@
                 <a:hlinkClick r:id="rId7" action="ppaction://hlinkfile"/>
               </a:rPr>
               <a:t>5</a:t>
-            </a:r>
-            <a:r>
-              <a:rPr lang="zh-CN" altLang="zh-CN" u="sng" kern="100" dirty="0" smtClean="0">
-                <a:solidFill>
-                  <a:srgbClr val="0000FF"/>
-                </a:solidFill>
-                <a:latin typeface="Times New Roman" panose="02020603050405020304" pitchFamily="18" charset="0"/>
-                <a:ea typeface="宋体" panose="02010600030101010101" pitchFamily="2" charset="-122"/>
-                <a:hlinkClick r:id="rId7" action="ppaction://hlinkfile"/>
-              </a:rPr>
-              <a:t>.</a:t>
             </a:r>
             <a:r>
               <a:rPr lang="zh-CN" altLang="zh-CN" u="sng" kern="100" dirty="0">
@@ -24306,7 +24713,7 @@
                 <a:ea typeface="宋体" panose="02010600030101010101" pitchFamily="2" charset="-122"/>
                 <a:hlinkClick r:id="rId7" action="ppaction://hlinkfile"/>
               </a:rPr>
-              <a:t>2.2非一次性收益</a:t>
+              <a:t>.2.2非一次性收益</a:t>
             </a:r>
             <a:r>
               <a:rPr lang="zh-CN" altLang="zh-CN" kern="100" dirty="0">
@@ -24334,7 +24741,7 @@
               </a:tabLst>
             </a:pPr>
             <a:r>
-              <a:rPr lang="en-US" altLang="zh-CN" u="sng" kern="100" dirty="0" smtClean="0">
+              <a:rPr lang="en-US" altLang="zh-CN" u="sng" kern="100" dirty="0">
                 <a:solidFill>
                   <a:srgbClr val="0000FF"/>
                 </a:solidFill>
@@ -24343,17 +24750,6 @@
                 <a:hlinkClick r:id="rId8" action="ppaction://hlinkfile"/>
               </a:rPr>
               <a:t>5</a:t>
-            </a:r>
-            <a:r>
-              <a:rPr lang="zh-CN" altLang="zh-CN" u="sng" kern="100" dirty="0" smtClean="0">
-                <a:solidFill>
-                  <a:srgbClr val="0000FF"/>
-                </a:solidFill>
-                <a:latin typeface="Times New Roman" panose="02020603050405020304" pitchFamily="18" charset="0"/>
-                <a:ea typeface="宋体" panose="02010600030101010101" pitchFamily="2" charset="-122"/>
-                <a:hlinkClick r:id="rId8" action="ppaction://hlinkfile"/>
-              </a:rPr>
-              <a:t>.</a:t>
             </a:r>
             <a:r>
               <a:rPr lang="zh-CN" altLang="zh-CN" u="sng" kern="100" dirty="0">
@@ -24364,7 +24760,7 @@
                 <a:ea typeface="宋体" panose="02010600030101010101" pitchFamily="2" charset="-122"/>
                 <a:hlinkClick r:id="rId8" action="ppaction://hlinkfile"/>
               </a:rPr>
-              <a:t>2.3不可定量的收益</a:t>
+              <a:t>.2.3不可定量的收益</a:t>
             </a:r>
             <a:r>
               <a:rPr lang="zh-CN" altLang="zh-CN" kern="100" dirty="0">
@@ -24392,7 +24788,7 @@
               </a:tabLst>
             </a:pPr>
             <a:r>
-              <a:rPr lang="en-US" altLang="zh-CN" u="sng" kern="100" dirty="0" smtClean="0">
+              <a:rPr lang="en-US" altLang="zh-CN" u="sng" kern="100" dirty="0">
                 <a:solidFill>
                   <a:srgbClr val="0000FF"/>
                 </a:solidFill>
@@ -24401,17 +24797,6 @@
                 <a:hlinkClick r:id="rId9" action="ppaction://hlinkfile"/>
               </a:rPr>
               <a:t>5</a:t>
-            </a:r>
-            <a:r>
-              <a:rPr lang="zh-CN" altLang="zh-CN" u="sng" kern="100" dirty="0" smtClean="0">
-                <a:solidFill>
-                  <a:srgbClr val="0000FF"/>
-                </a:solidFill>
-                <a:latin typeface="Times New Roman" panose="02020603050405020304" pitchFamily="18" charset="0"/>
-                <a:ea typeface="宋体" panose="02010600030101010101" pitchFamily="2" charset="-122"/>
-                <a:hlinkClick r:id="rId9" action="ppaction://hlinkfile"/>
-              </a:rPr>
-              <a:t>.</a:t>
             </a:r>
             <a:r>
               <a:rPr lang="zh-CN" altLang="zh-CN" u="sng" kern="100" dirty="0">
@@ -24422,7 +24807,7 @@
                 <a:ea typeface="宋体" panose="02010600030101010101" pitchFamily="2" charset="-122"/>
                 <a:hlinkClick r:id="rId9" action="ppaction://hlinkfile"/>
               </a:rPr>
-              <a:t>2.4收益/投资比</a:t>
+              <a:t>.2.4收益/投资比</a:t>
             </a:r>
             <a:r>
               <a:rPr lang="zh-CN" altLang="zh-CN" kern="100" dirty="0">
@@ -24450,7 +24835,7 @@
               </a:tabLst>
             </a:pPr>
             <a:r>
-              <a:rPr lang="en-US" altLang="zh-CN" u="sng" kern="100" dirty="0" smtClean="0">
+              <a:rPr lang="en-US" altLang="zh-CN" u="sng" kern="100" dirty="0">
                 <a:solidFill>
                   <a:srgbClr val="0000FF"/>
                 </a:solidFill>
@@ -24459,17 +24844,6 @@
                 <a:hlinkClick r:id="rId10" action="ppaction://hlinkfile"/>
               </a:rPr>
               <a:t>5</a:t>
-            </a:r>
-            <a:r>
-              <a:rPr lang="zh-CN" altLang="zh-CN" u="sng" kern="100" dirty="0" smtClean="0">
-                <a:solidFill>
-                  <a:srgbClr val="0000FF"/>
-                </a:solidFill>
-                <a:latin typeface="Times New Roman" panose="02020603050405020304" pitchFamily="18" charset="0"/>
-                <a:ea typeface="宋体" panose="02010600030101010101" pitchFamily="2" charset="-122"/>
-                <a:hlinkClick r:id="rId10" action="ppaction://hlinkfile"/>
-              </a:rPr>
-              <a:t>.</a:t>
             </a:r>
             <a:r>
               <a:rPr lang="zh-CN" altLang="zh-CN" u="sng" kern="100" dirty="0">
@@ -24480,7 +24854,7 @@
                 <a:ea typeface="宋体" panose="02010600030101010101" pitchFamily="2" charset="-122"/>
                 <a:hlinkClick r:id="rId10" action="ppaction://hlinkfile"/>
               </a:rPr>
-              <a:t>2.5投资回收周期</a:t>
+              <a:t>.2.5投资回收周期</a:t>
             </a:r>
             <a:r>
               <a:rPr lang="zh-CN" altLang="zh-CN" kern="100" dirty="0">
@@ -24508,7 +24882,7 @@
               </a:tabLst>
             </a:pPr>
             <a:r>
-              <a:rPr lang="en-US" altLang="zh-CN" u="sng" kern="100" dirty="0" smtClean="0">
+              <a:rPr lang="en-US" altLang="zh-CN" u="sng" kern="100" dirty="0">
                 <a:solidFill>
                   <a:srgbClr val="0000FF"/>
                 </a:solidFill>
@@ -24517,17 +24891,6 @@
                 <a:hlinkClick r:id="rId11" action="ppaction://hlinkfile"/>
               </a:rPr>
               <a:t>5</a:t>
-            </a:r>
-            <a:r>
-              <a:rPr lang="zh-CN" altLang="zh-CN" u="sng" kern="100" dirty="0" smtClean="0">
-                <a:solidFill>
-                  <a:srgbClr val="0000FF"/>
-                </a:solidFill>
-                <a:latin typeface="Times New Roman" panose="02020603050405020304" pitchFamily="18" charset="0"/>
-                <a:ea typeface="宋体" panose="02010600030101010101" pitchFamily="2" charset="-122"/>
-                <a:hlinkClick r:id="rId11" action="ppaction://hlinkfile"/>
-              </a:rPr>
-              <a:t>.</a:t>
             </a:r>
             <a:r>
               <a:rPr lang="zh-CN" altLang="zh-CN" u="sng" kern="100" dirty="0">
@@ -24538,7 +24901,7 @@
                 <a:ea typeface="宋体" panose="02010600030101010101" pitchFamily="2" charset="-122"/>
                 <a:hlinkClick r:id="rId11" action="ppaction://hlinkfile"/>
               </a:rPr>
-              <a:t>3市场预测</a:t>
+              <a:t>.3市场预测</a:t>
             </a:r>
             <a:r>
               <a:rPr lang="zh-CN" altLang="zh-CN" kern="100" dirty="0">
@@ -24566,7 +24929,7 @@
               </a:tabLst>
             </a:pPr>
             <a:r>
-              <a:rPr lang="en-US" altLang="zh-CN" b="1" u="sng" kern="100" dirty="0" smtClean="0">
+              <a:rPr lang="en-US" altLang="zh-CN" b="1" u="sng" kern="100" dirty="0">
                 <a:solidFill>
                   <a:srgbClr val="0000FF"/>
                 </a:solidFill>
@@ -24575,17 +24938,6 @@
                 <a:hlinkClick r:id="rId12" action="ppaction://hlinkfile"/>
               </a:rPr>
               <a:t>6</a:t>
-            </a:r>
-            <a:r>
-              <a:rPr lang="zh-CN" altLang="zh-CN" b="1" u="sng" kern="100" dirty="0" smtClean="0">
-                <a:solidFill>
-                  <a:srgbClr val="0000FF"/>
-                </a:solidFill>
-                <a:latin typeface="Times New Roman" panose="02020603050405020304" pitchFamily="18" charset="0"/>
-                <a:ea typeface="宋体" panose="02010600030101010101" pitchFamily="2" charset="-122"/>
-                <a:hlinkClick r:id="rId12" action="ppaction://hlinkfile"/>
-              </a:rPr>
-              <a:t>技术可行性</a:t>
             </a:r>
             <a:r>
               <a:rPr lang="zh-CN" altLang="zh-CN" b="1" u="sng" kern="100" dirty="0">
@@ -24596,7 +24948,7 @@
                 <a:ea typeface="宋体" panose="02010600030101010101" pitchFamily="2" charset="-122"/>
                 <a:hlinkClick r:id="rId12" action="ppaction://hlinkfile"/>
               </a:rPr>
-              <a:t>(技术风险评价)</a:t>
+              <a:t>技术可行性(技术风险评价)</a:t>
             </a:r>
             <a:r>
               <a:rPr lang="zh-CN" altLang="zh-CN" b="1" kern="100" dirty="0">
@@ -24624,7 +24976,7 @@
               </a:tabLst>
             </a:pPr>
             <a:r>
-              <a:rPr lang="en-US" altLang="zh-CN" b="1" u="sng" kern="100" dirty="0" smtClean="0">
+              <a:rPr lang="en-US" altLang="zh-CN" b="1" u="sng" kern="100" dirty="0">
                 <a:solidFill>
                   <a:srgbClr val="0000FF"/>
                 </a:solidFill>
@@ -24633,17 +24985,6 @@
                 <a:hlinkClick r:id="rId13" action="ppaction://hlinkfile"/>
               </a:rPr>
               <a:t>7</a:t>
-            </a:r>
-            <a:r>
-              <a:rPr lang="zh-CN" altLang="zh-CN" b="1" u="sng" kern="100" dirty="0" smtClean="0">
-                <a:solidFill>
-                  <a:srgbClr val="0000FF"/>
-                </a:solidFill>
-                <a:latin typeface="Times New Roman" panose="02020603050405020304" pitchFamily="18" charset="0"/>
-                <a:ea typeface="宋体" panose="02010600030101010101" pitchFamily="2" charset="-122"/>
-                <a:hlinkClick r:id="rId13" action="ppaction://hlinkfile"/>
-              </a:rPr>
-              <a:t>法律</a:t>
             </a:r>
             <a:r>
               <a:rPr lang="zh-CN" altLang="zh-CN" b="1" u="sng" kern="100" dirty="0">
@@ -24654,7 +24995,7 @@
                 <a:ea typeface="宋体" panose="02010600030101010101" pitchFamily="2" charset="-122"/>
                 <a:hlinkClick r:id="rId13" action="ppaction://hlinkfile"/>
               </a:rPr>
-              <a:t>可行性</a:t>
+              <a:t>法律可行性</a:t>
             </a:r>
             <a:r>
               <a:rPr lang="zh-CN" altLang="zh-CN" b="1" kern="100" dirty="0">
@@ -24682,7 +25023,7 @@
               </a:tabLst>
             </a:pPr>
             <a:r>
-              <a:rPr lang="en-US" altLang="zh-CN" b="1" u="sng" kern="100" dirty="0" smtClean="0">
+              <a:rPr lang="en-US" altLang="zh-CN" b="1" u="sng" kern="100" dirty="0">
                 <a:solidFill>
                   <a:srgbClr val="0000FF"/>
                 </a:solidFill>
@@ -24691,17 +25032,6 @@
                 <a:hlinkClick r:id="rId14" action="ppaction://hlinkfile"/>
               </a:rPr>
               <a:t>8</a:t>
-            </a:r>
-            <a:r>
-              <a:rPr lang="zh-CN" altLang="zh-CN" b="1" u="sng" kern="100" dirty="0" smtClean="0">
-                <a:solidFill>
-                  <a:srgbClr val="0000FF"/>
-                </a:solidFill>
-                <a:latin typeface="Times New Roman" panose="02020603050405020304" pitchFamily="18" charset="0"/>
-                <a:ea typeface="宋体" panose="02010600030101010101" pitchFamily="2" charset="-122"/>
-                <a:hlinkClick r:id="rId14" action="ppaction://hlinkfile"/>
-              </a:rPr>
-              <a:t>用户</a:t>
             </a:r>
             <a:r>
               <a:rPr lang="zh-CN" altLang="zh-CN" b="1" u="sng" kern="100" dirty="0">
@@ -24712,7 +25042,7 @@
                 <a:ea typeface="宋体" panose="02010600030101010101" pitchFamily="2" charset="-122"/>
                 <a:hlinkClick r:id="rId14" action="ppaction://hlinkfile"/>
               </a:rPr>
-              <a:t>使用可行性</a:t>
+              <a:t>用户使用可行性</a:t>
             </a:r>
             <a:r>
               <a:rPr lang="zh-CN" altLang="zh-CN" b="1" kern="100" dirty="0">
@@ -24740,7 +25070,7 @@
               </a:tabLst>
             </a:pPr>
             <a:r>
-              <a:rPr lang="en-US" altLang="zh-CN" b="1" u="sng" kern="100" dirty="0" smtClean="0">
+              <a:rPr lang="en-US" altLang="zh-CN" b="1" u="sng" kern="100" dirty="0">
                 <a:solidFill>
                   <a:srgbClr val="0000FF"/>
                 </a:solidFill>
@@ -24749,17 +25079,6 @@
                 <a:hlinkClick r:id="rId15" action="ppaction://hlinkfile"/>
               </a:rPr>
               <a:t>9</a:t>
-            </a:r>
-            <a:r>
-              <a:rPr lang="zh-CN" altLang="zh-CN" b="1" u="sng" kern="100" dirty="0" smtClean="0">
-                <a:solidFill>
-                  <a:srgbClr val="0000FF"/>
-                </a:solidFill>
-                <a:latin typeface="Times New Roman" panose="02020603050405020304" pitchFamily="18" charset="0"/>
-                <a:ea typeface="宋体" panose="02010600030101010101" pitchFamily="2" charset="-122"/>
-                <a:hlinkClick r:id="rId15" action="ppaction://hlinkfile"/>
-              </a:rPr>
-              <a:t>其他</a:t>
             </a:r>
             <a:r>
               <a:rPr lang="zh-CN" altLang="zh-CN" b="1" u="sng" kern="100" dirty="0">
@@ -24770,7 +25089,7 @@
                 <a:ea typeface="宋体" panose="02010600030101010101" pitchFamily="2" charset="-122"/>
                 <a:hlinkClick r:id="rId15" action="ppaction://hlinkfile"/>
               </a:rPr>
-              <a:t>与项目有关的问题</a:t>
+              <a:t>其他与项目有关的问题</a:t>
             </a:r>
             <a:r>
               <a:rPr lang="zh-CN" altLang="zh-CN" b="1" kern="100" dirty="0">
@@ -24798,7 +25117,7 @@
               </a:tabLst>
             </a:pPr>
             <a:r>
-              <a:rPr lang="zh-CN" altLang="zh-CN" b="1" u="sng" kern="100" dirty="0" smtClean="0">
+              <a:rPr lang="zh-CN" altLang="zh-CN" b="1" u="sng" kern="100" dirty="0">
                 <a:solidFill>
                   <a:srgbClr val="0000FF"/>
                 </a:solidFill>
@@ -25212,20 +25531,20 @@
           <a:lstStyle/>
           <a:p>
             <a:r>
-              <a:rPr lang="en-US" altLang="zh-CN" sz="2000" kern="100" dirty="0" smtClean="0">
+              <a:rPr lang="en-US" altLang="zh-CN" sz="2000" kern="100" dirty="0">
                 <a:latin typeface="微软雅黑" panose="020B0503020204020204" pitchFamily="34" charset="-122"/>
                 <a:ea typeface="微软雅黑" panose="020B0503020204020204" pitchFamily="34" charset="-122"/>
               </a:rPr>
               <a:t>1.1</a:t>
             </a:r>
             <a:r>
-              <a:rPr lang="zh-CN" altLang="en-US" sz="2000" kern="100" dirty="0" smtClean="0">
+              <a:rPr lang="zh-CN" altLang="en-US" sz="2000" kern="100" dirty="0">
                 <a:latin typeface="微软雅黑" panose="020B0503020204020204" pitchFamily="34" charset="-122"/>
                 <a:ea typeface="微软雅黑" panose="020B0503020204020204" pitchFamily="34" charset="-122"/>
               </a:rPr>
               <a:t>标识</a:t>
             </a:r>
-            <a:endParaRPr lang="en-US" altLang="zh-CN" sz="2000" kern="100" dirty="0" smtClean="0">
+            <a:endParaRPr lang="en-US" altLang="zh-CN" sz="2000" kern="100" dirty="0">
               <a:latin typeface="微软雅黑" panose="020B0503020204020204" pitchFamily="34" charset="-122"/>
               <a:ea typeface="微软雅黑" panose="020B0503020204020204" pitchFamily="34" charset="-122"/>
             </a:endParaRPr>
@@ -25333,7 +25652,7 @@
             <a:lstStyle/>
             <a:p>
               <a:r>
-                <a:rPr lang="en-US" altLang="zh-CN" sz="3600" dirty="0" smtClean="0">
+                <a:rPr lang="en-US" altLang="zh-CN" sz="3600" dirty="0">
                   <a:solidFill>
                     <a:schemeClr val="bg1"/>
                   </a:solidFill>
@@ -25343,7 +25662,7 @@
                 <a:t>1.</a:t>
               </a:r>
               <a:r>
-                <a:rPr lang="zh-CN" altLang="en-US" sz="3600" dirty="0" smtClean="0">
+                <a:rPr lang="zh-CN" altLang="en-US" sz="3600" dirty="0">
                   <a:solidFill>
                     <a:schemeClr val="bg1"/>
                   </a:solidFill>
@@ -25352,13 +25671,6 @@
                 </a:rPr>
                 <a:t>引言</a:t>
               </a:r>
-              <a:endParaRPr lang="zh-CN" altLang="en-US" sz="3600" dirty="0">
-                <a:solidFill>
-                  <a:schemeClr val="bg1"/>
-                </a:solidFill>
-                <a:latin typeface="微软雅黑 Light" panose="020B0502040204020203" pitchFamily="34" charset="-122"/>
-                <a:ea typeface="微软雅黑 Light" panose="020B0502040204020203" pitchFamily="34" charset="-122"/>
-              </a:endParaRPr>
             </a:p>
           </p:txBody>
         </p:sp>
@@ -25394,7 +25706,7 @@
             <a:lstStyle/>
             <a:p>
               <a:r>
-                <a:rPr lang="en-US" altLang="zh-CN" sz="2400" dirty="0" smtClean="0">
+                <a:rPr lang="en-US" altLang="zh-CN" sz="2400" dirty="0">
                   <a:solidFill>
                     <a:schemeClr val="bg1"/>
                   </a:solidFill>
@@ -25437,20 +25749,16 @@
           <a:lstStyle/>
           <a:p>
             <a:r>
-              <a:rPr lang="en-US" altLang="zh-CN" sz="2000" dirty="0" smtClean="0"/>
+              <a:rPr lang="en-US" altLang="zh-CN" sz="2000" dirty="0"/>
               <a:t>1.2 </a:t>
             </a:r>
             <a:r>
-              <a:rPr lang="zh-CN" altLang="en-US" sz="2000" dirty="0" smtClean="0">
+              <a:rPr lang="zh-CN" altLang="en-US" sz="2000" dirty="0">
                 <a:latin typeface="微软雅黑" panose="020B0503020204020204" pitchFamily="34" charset="-122"/>
                 <a:ea typeface="微软雅黑" panose="020B0503020204020204" pitchFamily="34" charset="-122"/>
               </a:rPr>
               <a:t>背景</a:t>
             </a:r>
-            <a:endParaRPr lang="zh-CN" altLang="en-US" sz="2000" dirty="0">
-              <a:latin typeface="微软雅黑" panose="020B0503020204020204" pitchFamily="34" charset="-122"/>
-              <a:ea typeface="微软雅黑" panose="020B0503020204020204" pitchFamily="34" charset="-122"/>
-            </a:endParaRPr>
           </a:p>
         </p:txBody>
       </p:sp>
@@ -25477,16 +25785,12 @@
           <a:lstStyle/>
           <a:p>
             <a:r>
-              <a:rPr lang="en-US" altLang="zh-CN" sz="1400" dirty="0" smtClean="0"/>
+              <a:rPr lang="en-US" altLang="zh-CN" sz="1400" dirty="0"/>
               <a:t>         </a:t>
             </a:r>
             <a:r>
-              <a:rPr lang="zh-CN" altLang="zh-CN" sz="1400" dirty="0" smtClean="0"/>
-              <a:t>在</a:t>
-            </a:r>
-            <a:r>
               <a:rPr lang="zh-CN" altLang="zh-CN" sz="1400" dirty="0"/>
-              <a:t>现在的大学中，每一个大学生有自己的课程安排，无论是不同的专业还是相同的专业，所以很多学生把自己的课程表写入一些能写入课表的</a:t>
+              <a:t>在现在的大学中，每一个大学生有自己的课程安排，无论是不同的专业还是相同的专业，所以很多学生把自己的课程表写入一些能写入课表的</a:t>
             </a:r>
             <a:r>
               <a:rPr lang="en-US" altLang="zh-CN" sz="1400" dirty="0"/>
@@ -25509,16 +25813,12 @@
           </a:p>
           <a:p>
             <a:r>
-              <a:rPr lang="en-US" altLang="zh-CN" sz="1400" dirty="0" smtClean="0"/>
+              <a:rPr lang="en-US" altLang="zh-CN" sz="1400" dirty="0"/>
               <a:t>        </a:t>
             </a:r>
             <a:r>
-              <a:rPr lang="zh-CN" altLang="zh-CN" sz="1400" dirty="0" smtClean="0"/>
-              <a:t>在</a:t>
-            </a:r>
-            <a:r>
               <a:rPr lang="zh-CN" altLang="zh-CN" sz="1400" dirty="0"/>
-              <a:t>学生课程繁忙时提供一些学习上的便利。</a:t>
+              <a:t>在学生课程繁忙时提供一些学习上的便利。</a:t>
             </a:r>
           </a:p>
           <a:p>
@@ -25533,12 +25833,8 @@
           </a:p>
           <a:p>
             <a:r>
-              <a:rPr lang="en-US" altLang="zh-CN" sz="1400" dirty="0" smtClean="0"/>
-              <a:t>        (</a:t>
-            </a:r>
-            <a:r>
               <a:rPr lang="en-US" altLang="zh-CN" sz="1400" dirty="0"/>
-              <a:t>1).</a:t>
+              <a:t>        (1).</a:t>
             </a:r>
             <a:r>
               <a:rPr lang="zh-CN" altLang="zh-CN" sz="1400" dirty="0"/>
@@ -25555,12 +25851,8 @@
           </a:p>
           <a:p>
             <a:r>
-              <a:rPr lang="en-US" altLang="zh-CN" sz="1400" dirty="0" smtClean="0"/>
-              <a:t>        (</a:t>
-            </a:r>
-            <a:r>
               <a:rPr lang="en-US" altLang="zh-CN" sz="1400" dirty="0"/>
-              <a:t>2).</a:t>
+              <a:t>        (2).</a:t>
             </a:r>
             <a:r>
               <a:rPr lang="zh-CN" altLang="zh-CN" sz="1400" dirty="0"/>
@@ -25579,7 +25871,7 @@
           </a:p>
           <a:p>
             <a:r>
-              <a:rPr lang="en-US" altLang="zh-CN" sz="1400" dirty="0" smtClean="0"/>
+              <a:rPr lang="en-US" altLang="zh-CN" sz="1400" dirty="0"/>
               <a:t>         SE2019</a:t>
             </a:r>
             <a:r>
@@ -26555,7 +26847,7 @@
             <a:lstStyle/>
             <a:p>
               <a:r>
-                <a:rPr lang="en-US" altLang="zh-CN" sz="3600" dirty="0" smtClean="0">
+                <a:rPr lang="en-US" altLang="zh-CN" sz="3600" dirty="0">
                   <a:solidFill>
                     <a:schemeClr val="bg1"/>
                   </a:solidFill>
@@ -26565,7 +26857,7 @@
                 <a:t>1.</a:t>
               </a:r>
               <a:r>
-                <a:rPr lang="zh-CN" altLang="en-US" sz="3600" dirty="0" smtClean="0">
+                <a:rPr lang="zh-CN" altLang="en-US" sz="3600" dirty="0">
                   <a:solidFill>
                     <a:schemeClr val="bg1"/>
                   </a:solidFill>
@@ -26574,13 +26866,6 @@
                 </a:rPr>
                 <a:t>引言</a:t>
               </a:r>
-              <a:endParaRPr lang="zh-CN" altLang="en-US" sz="3600" dirty="0">
-                <a:solidFill>
-                  <a:schemeClr val="bg1"/>
-                </a:solidFill>
-                <a:latin typeface="微软雅黑 Light" panose="020B0502040204020203" pitchFamily="34" charset="-122"/>
-                <a:ea typeface="微软雅黑 Light" panose="020B0502040204020203" pitchFamily="34" charset="-122"/>
-              </a:endParaRPr>
             </a:p>
           </p:txBody>
         </p:sp>
@@ -26659,14 +26944,14 @@
           <a:lstStyle/>
           <a:p>
             <a:r>
-              <a:rPr lang="yo-NG" altLang="zh-CN" dirty="0" smtClean="0"/>
+              <a:rPr lang="yo-NG" altLang="zh-CN" dirty="0"/>
               <a:t>1.3</a:t>
             </a:r>
             <a:r>
-              <a:rPr lang="zh-CN" altLang="en-US" dirty="0" smtClean="0"/>
+              <a:rPr lang="zh-CN" altLang="en-US" dirty="0"/>
               <a:t>项目概况</a:t>
             </a:r>
-            <a:endParaRPr lang="en-US" altLang="zh-CN" dirty="0" smtClean="0"/>
+            <a:endParaRPr lang="en-US" altLang="zh-CN" dirty="0"/>
           </a:p>
         </p:txBody>
       </p:sp>
@@ -27023,14 +27308,7 @@
                 <a:latin typeface="微软雅黑 Light" panose="020B0502040204020203" pitchFamily="34" charset="-122"/>
                 <a:ea typeface="微软雅黑 Light" panose="020B0502040204020203" pitchFamily="34" charset="-122"/>
               </a:rPr>
-              <a:t>之前完成关于软件的所有</a:t>
-            </a:r>
-            <a:r>
-              <a:rPr lang="zh-CN" altLang="zh-CN" dirty="0" smtClean="0">
-                <a:latin typeface="微软雅黑 Light" panose="020B0502040204020203" pitchFamily="34" charset="-122"/>
-                <a:ea typeface="微软雅黑 Light" panose="020B0502040204020203" pitchFamily="34" charset="-122"/>
-              </a:rPr>
-              <a:t>工作</a:t>
+              <a:t>之前完成关于软件的所有工作</a:t>
             </a:r>
             <a:endParaRPr lang="en-US" altLang="zh-CN" dirty="0"/>
           </a:p>
@@ -27062,14 +27340,7 @@
                 <a:latin typeface="微软雅黑" panose="020B0503020204020204" pitchFamily="34" charset="-122"/>
                 <a:ea typeface="微软雅黑" panose="020B0503020204020204" pitchFamily="34" charset="-122"/>
               </a:rPr>
-              <a:t> </a:t>
-            </a:r>
-            <a:r>
-              <a:rPr lang="zh-CN" altLang="en-US" sz="2000" dirty="0" smtClean="0">
-                <a:latin typeface="微软雅黑" panose="020B0503020204020204" pitchFamily="34" charset="-122"/>
-                <a:ea typeface="微软雅黑" panose="020B0503020204020204" pitchFamily="34" charset="-122"/>
-              </a:rPr>
-              <a:t>项目呈现</a:t>
+              <a:t> 项目呈现</a:t>
             </a:r>
             <a:endParaRPr lang="en-US" altLang="zh-CN" sz="2000" dirty="0">
               <a:latin typeface="微软雅黑" panose="020B0503020204020204" pitchFamily="34" charset="-122"/>
@@ -27096,14 +27367,7 @@
                 <a:latin typeface="微软雅黑 Light" panose="020B0502040204020203" pitchFamily="34" charset="-122"/>
                 <a:ea typeface="微软雅黑 Light" panose="020B0502040204020203" pitchFamily="34" charset="-122"/>
               </a:rPr>
-              <a:t>打开小程序用户的课表起始为空，需要用户依次导入课程信息来创建课程表</a:t>
-            </a:r>
-            <a:r>
-              <a:rPr lang="zh-CN" altLang="en-US" dirty="0" smtClean="0">
-                <a:latin typeface="微软雅黑 Light" panose="020B0502040204020203" pitchFamily="34" charset="-122"/>
-                <a:ea typeface="微软雅黑 Light" panose="020B0502040204020203" pitchFamily="34" charset="-122"/>
-              </a:rPr>
-              <a:t>。</a:t>
+              <a:t>打开小程序用户的课表起始为空，需要用户依次导入课程信息来创建课程表。</a:t>
             </a:r>
             <a:endParaRPr lang="zh-CN" altLang="zh-CN" dirty="0">
               <a:latin typeface="微软雅黑 Light" panose="020B0502040204020203" pitchFamily="34" charset="-122"/>
@@ -27144,14 +27408,7 @@
                 <a:latin typeface="微软雅黑 Light" panose="020B0502040204020203" pitchFamily="34" charset="-122"/>
                 <a:ea typeface="微软雅黑 Light" panose="020B0502040204020203" pitchFamily="34" charset="-122"/>
               </a:rPr>
-              <a:t>进行添加或删除信息</a:t>
-            </a:r>
-            <a:r>
-              <a:rPr lang="zh-CN" altLang="en-US" dirty="0" smtClean="0">
-                <a:latin typeface="微软雅黑 Light" panose="020B0502040204020203" pitchFamily="34" charset="-122"/>
-                <a:ea typeface="微软雅黑 Light" panose="020B0502040204020203" pitchFamily="34" charset="-122"/>
-              </a:rPr>
-              <a:t>。</a:t>
+              <a:t>进行添加或删除信息。</a:t>
             </a:r>
             <a:endParaRPr lang="zh-CN" altLang="zh-CN" dirty="0">
               <a:latin typeface="微软雅黑 Light" panose="020B0502040204020203" pitchFamily="34" charset="-122"/>
@@ -27205,13 +27462,6 @@
       </p:transition>
     </mc:Fallback>
   </mc:AlternateContent>
-  <p:timing>
-    <p:tnLst>
-      <p:par>
-        <p:cTn id="1" dur="indefinite" restart="never" nodeType="tmRoot"/>
-      </p:par>
-    </p:tnLst>
-  </p:timing>
 </p:sld>
 </file>
 
@@ -27333,7 +27583,7 @@
             <a:lstStyle/>
             <a:p>
               <a:r>
-                <a:rPr lang="en-US" altLang="zh-CN" sz="3600" dirty="0" smtClean="0">
+                <a:rPr lang="en-US" altLang="zh-CN" sz="3600" dirty="0">
                   <a:solidFill>
                     <a:schemeClr val="bg1"/>
                   </a:solidFill>
@@ -27343,7 +27593,7 @@
                 <a:t>1.</a:t>
               </a:r>
               <a:r>
-                <a:rPr lang="zh-CN" altLang="en-US" sz="3600" dirty="0" smtClean="0">
+                <a:rPr lang="zh-CN" altLang="en-US" sz="3600" dirty="0">
                   <a:solidFill>
                     <a:schemeClr val="bg1"/>
                   </a:solidFill>
@@ -27352,13 +27602,6 @@
                 </a:rPr>
                 <a:t>引言</a:t>
               </a:r>
-              <a:endParaRPr lang="zh-CN" altLang="en-US" sz="3600" dirty="0">
-                <a:solidFill>
-                  <a:schemeClr val="bg1"/>
-                </a:solidFill>
-                <a:latin typeface="微软雅黑 Light" panose="020B0502040204020203" pitchFamily="34" charset="-122"/>
-                <a:ea typeface="微软雅黑 Light" panose="020B0502040204020203" pitchFamily="34" charset="-122"/>
-              </a:endParaRPr>
             </a:p>
           </p:txBody>
         </p:sp>
@@ -28002,7 +28245,7 @@
             <a:lstStyle/>
             <a:p>
               <a:r>
-                <a:rPr lang="en-US" altLang="zh-CN" sz="3600" dirty="0" smtClean="0">
+                <a:rPr lang="en-US" altLang="zh-CN" sz="3600" dirty="0">
                   <a:solidFill>
                     <a:schemeClr val="bg1"/>
                   </a:solidFill>
@@ -28012,7 +28255,7 @@
                 <a:t>1.</a:t>
               </a:r>
               <a:r>
-                <a:rPr lang="zh-CN" altLang="en-US" sz="3600" dirty="0" smtClean="0">
+                <a:rPr lang="zh-CN" altLang="en-US" sz="3600" dirty="0">
                   <a:solidFill>
                     <a:schemeClr val="bg1"/>
                   </a:solidFill>
@@ -28021,7 +28264,7 @@
                 </a:rPr>
                 <a:t>引言</a:t>
               </a:r>
-              <a:endParaRPr lang="en-US" altLang="zh-CN" sz="3600" dirty="0" smtClean="0">
+              <a:endParaRPr lang="en-US" altLang="zh-CN" sz="3600" dirty="0">
                 <a:solidFill>
                   <a:schemeClr val="bg1"/>
                 </a:solidFill>
@@ -28716,13 +28959,6 @@
       </p:transition>
     </mc:Fallback>
   </mc:AlternateContent>
-  <p:timing>
-    <p:tnLst>
-      <p:par>
-        <p:cTn id="1" dur="indefinite" restart="never" nodeType="tmRoot"/>
-      </p:par>
-    </p:tnLst>
-  </p:timing>
 </p:sld>
 </file>
 
@@ -28844,7 +29080,7 @@
             <a:lstStyle/>
             <a:p>
               <a:r>
-                <a:rPr lang="en-US" altLang="zh-CN" sz="3600" dirty="0" smtClean="0">
+                <a:rPr lang="en-US" altLang="zh-CN" sz="3600" dirty="0">
                   <a:solidFill>
                     <a:schemeClr val="bg1"/>
                   </a:solidFill>
@@ -28854,7 +29090,7 @@
                 <a:t>1.</a:t>
               </a:r>
               <a:r>
-                <a:rPr lang="zh-CN" altLang="en-US" sz="3600" dirty="0" smtClean="0">
+                <a:rPr lang="zh-CN" altLang="en-US" sz="3600" dirty="0">
                   <a:solidFill>
                     <a:schemeClr val="bg1"/>
                   </a:solidFill>
@@ -28863,13 +29099,6 @@
                 </a:rPr>
                 <a:t>引言</a:t>
               </a:r>
-              <a:endParaRPr lang="zh-CN" altLang="en-US" sz="3600" dirty="0">
-                <a:solidFill>
-                  <a:schemeClr val="bg1"/>
-                </a:solidFill>
-                <a:latin typeface="微软雅黑 Light" panose="020B0502040204020203" pitchFamily="34" charset="-122"/>
-                <a:ea typeface="微软雅黑 Light" panose="020B0502040204020203" pitchFamily="34" charset="-122"/>
-              </a:endParaRPr>
             </a:p>
           </p:txBody>
         </p:sp>
@@ -28949,15 +29178,7 @@
           <a:p>
             <a:r>
               <a:rPr lang="zh-CN" altLang="zh-CN" sz="1400" dirty="0"/>
-              <a:t>本文档主要针对开发人员和项目经理编写的。可行性分析报告的目的，就是能用最小</a:t>
-            </a:r>
-            <a:r>
-              <a:rPr lang="zh-CN" altLang="zh-CN" sz="1400" dirty="0" smtClean="0"/>
-              <a:t>的</a:t>
-            </a:r>
-            <a:r>
-              <a:rPr lang="zh-CN" altLang="zh-CN" sz="1400" dirty="0"/>
-              <a:t>代价在尽可能短的时间内确定问题是否能够解决，为开始这个项目提供有效的目标和方向。该文档分别从经济可行性，技术可行性和操作可行性上分析。仅供参考，不许转发抄袭。</a:t>
+              <a:t>本文档主要针对开发人员和项目经理编写的。可行性分析报告的目的，就是能用最小的代价在尽可能短的时间内确定问题是否能够解决，为开始这个项目提供有效的目标和方向。该文档分别从经济可行性，技术可行性和操作可行性上分析。仅供参考，不许转发抄袭。</a:t>
             </a:r>
             <a:endParaRPr lang="zh-CN" altLang="en-US" sz="1400" dirty="0"/>
           </a:p>
@@ -28986,14 +29207,13 @@
           <a:lstStyle/>
           <a:p>
             <a:r>
-              <a:rPr lang="en-US" altLang="zh-CN" dirty="0" smtClean="0"/>
+              <a:rPr lang="en-US" altLang="zh-CN" dirty="0"/>
               <a:t>1.4 </a:t>
             </a:r>
             <a:r>
-              <a:rPr lang="zh-CN" altLang="en-US" dirty="0" smtClean="0"/>
+              <a:rPr lang="zh-CN" altLang="en-US" dirty="0"/>
               <a:t>文档概述</a:t>
             </a:r>
-            <a:endParaRPr lang="zh-CN" altLang="en-US" dirty="0"/>
           </a:p>
         </p:txBody>
       </p:sp>
@@ -29116,7 +29336,7 @@
               <a:t>国际书号：</a:t>
             </a:r>
             <a:r>
-              <a:rPr lang="en-US" altLang="zh-CN" sz="1400" dirty="0" smtClean="0">
+              <a:rPr lang="en-US" altLang="zh-CN" sz="1400" dirty="0">
                 <a:latin typeface="微软雅黑 Light" panose="020B0502040204020203" pitchFamily="34" charset="-122"/>
                 <a:ea typeface="微软雅黑 Light" panose="020B0502040204020203" pitchFamily="34" charset="-122"/>
               </a:rPr>
@@ -29194,7 +29414,7 @@
               <a:t>国际书号：</a:t>
             </a:r>
             <a:r>
-              <a:rPr lang="en-US" altLang="zh-CN" sz="1400" dirty="0" smtClean="0">
+              <a:rPr lang="en-US" altLang="zh-CN" sz="1400" dirty="0">
                 <a:latin typeface="微软雅黑 Light" panose="020B0502040204020203" pitchFamily="34" charset="-122"/>
                 <a:ea typeface="微软雅黑 Light" panose="020B0502040204020203" pitchFamily="34" charset="-122"/>
               </a:rPr>
@@ -29246,21 +29466,8 @@
                 <a:ea typeface="微软雅黑 Light" panose="020B0502040204020203" pitchFamily="34" charset="-122"/>
                 <a:cs typeface="Microsoft YaHei Light" charset="-122"/>
               </a:rPr>
-              <a:t>https://</a:t>
-            </a:r>
-            <a:r>
-              <a:rPr lang="en-US" altLang="zh-CN" sz="1400" dirty="0" smtClean="0">
-                <a:latin typeface="微软雅黑 Light" panose="020B0502040204020203" pitchFamily="34" charset="-122"/>
-                <a:ea typeface="微软雅黑 Light" panose="020B0502040204020203" pitchFamily="34" charset="-122"/>
-                <a:cs typeface="Microsoft YaHei Light" charset="-122"/>
-              </a:rPr>
-              <a:t>blog.csdn.net/zhangjing1019/article/details/79442828</a:t>
-            </a:r>
-            <a:endParaRPr lang="en-US" altLang="zh-CN" sz="1400" dirty="0">
-              <a:latin typeface="微软雅黑 Light" panose="020B0502040204020203" pitchFamily="34" charset="-122"/>
-              <a:ea typeface="微软雅黑 Light" panose="020B0502040204020203" pitchFamily="34" charset="-122"/>
-              <a:cs typeface="Microsoft YaHei Light" charset="-122"/>
-            </a:endParaRPr>
+              <a:t>https://blog.csdn.net/zhangjing1019/article/details/79442828</a:t>
+            </a:r>
           </a:p>
           <a:p>
             <a:pPr>
@@ -29302,15 +29509,38 @@
                 <a:ea typeface="微软雅黑 Light" panose="020B0502040204020203" pitchFamily="34" charset="-122"/>
                 <a:cs typeface="Microsoft YaHei Light" charset="-122"/>
               </a:rPr>
-              <a:t>https://</a:t>
-            </a:r>
-            <a:r>
-              <a:rPr lang="en-US" altLang="zh-CN" sz="1400" b="1" dirty="0" smtClean="0">
+              <a:t>https://blog.csdn.net/huangbaokang/article/details/80268727</a:t>
+            </a:r>
+          </a:p>
+          <a:p>
+            <a:pPr>
+              <a:lnSpc>
+                <a:spcPct val="150000"/>
+              </a:lnSpc>
+            </a:pPr>
+            <a:r>
+              <a:rPr lang="zh-CN" altLang="en-US" sz="1400" b="1" dirty="0">
                 <a:latin typeface="微软雅黑 Light" panose="020B0502040204020203" pitchFamily="34" charset="-122"/>
                 <a:ea typeface="微软雅黑 Light" panose="020B0502040204020203" pitchFamily="34" charset="-122"/>
                 <a:cs typeface="Microsoft YaHei Light" charset="-122"/>
               </a:rPr>
-              <a:t>blog.csdn.net/huangbaokang/article/details/80268727</a:t>
+              <a:t>简书：微信小程序和</a:t>
+            </a:r>
+            <a:r>
+              <a:rPr lang="en-US" altLang="zh-CN" sz="1400" b="1" dirty="0">
+                <a:latin typeface="微软雅黑 Light" panose="020B0502040204020203" pitchFamily="34" charset="-122"/>
+                <a:ea typeface="微软雅黑 Light" panose="020B0502040204020203" pitchFamily="34" charset="-122"/>
+                <a:cs typeface="Microsoft YaHei Light" charset="-122"/>
+              </a:rPr>
+              <a:t>APP</a:t>
+            </a:r>
+            <a:r>
+              <a:rPr lang="zh-CN" altLang="en-US" sz="1400" b="1" dirty="0">
+                <a:latin typeface="微软雅黑 Light" panose="020B0502040204020203" pitchFamily="34" charset="-122"/>
+                <a:ea typeface="微软雅黑 Light" panose="020B0502040204020203" pitchFamily="34" charset="-122"/>
+                <a:cs typeface="Microsoft YaHei Light" charset="-122"/>
+              </a:rPr>
+              <a:t>优劣势大对比</a:t>
             </a:r>
             <a:endParaRPr lang="en-US" altLang="zh-CN" sz="1400" b="1" dirty="0">
               <a:latin typeface="微软雅黑 Light" panose="020B0502040204020203" pitchFamily="34" charset="-122"/>
@@ -29325,62 +29555,13 @@
               </a:lnSpc>
             </a:pPr>
             <a:r>
-              <a:rPr lang="zh-CN" altLang="en-US" sz="1400" b="1" dirty="0">
-                <a:latin typeface="微软雅黑 Light" panose="020B0502040204020203" pitchFamily="34" charset="-122"/>
-                <a:ea typeface="微软雅黑 Light" panose="020B0502040204020203" pitchFamily="34" charset="-122"/>
-                <a:cs typeface="Microsoft YaHei Light" charset="-122"/>
-              </a:rPr>
-              <a:t>简书：微信小程序和</a:t>
-            </a:r>
-            <a:r>
-              <a:rPr lang="en-US" altLang="zh-CN" sz="1400" b="1" dirty="0">
-                <a:latin typeface="微软雅黑 Light" panose="020B0502040204020203" pitchFamily="34" charset="-122"/>
-                <a:ea typeface="微软雅黑 Light" panose="020B0502040204020203" pitchFamily="34" charset="-122"/>
-                <a:cs typeface="Microsoft YaHei Light" charset="-122"/>
-              </a:rPr>
-              <a:t>APP</a:t>
-            </a:r>
-            <a:r>
-              <a:rPr lang="zh-CN" altLang="en-US" sz="1400" b="1" dirty="0">
-                <a:latin typeface="微软雅黑 Light" panose="020B0502040204020203" pitchFamily="34" charset="-122"/>
-                <a:ea typeface="微软雅黑 Light" panose="020B0502040204020203" pitchFamily="34" charset="-122"/>
-                <a:cs typeface="Microsoft YaHei Light" charset="-122"/>
-              </a:rPr>
-              <a:t>优劣势大对比</a:t>
-            </a:r>
-            <a:endParaRPr lang="en-US" altLang="zh-CN" sz="1400" b="1" dirty="0">
-              <a:latin typeface="微软雅黑 Light" panose="020B0502040204020203" pitchFamily="34" charset="-122"/>
-              <a:ea typeface="微软雅黑 Light" panose="020B0502040204020203" pitchFamily="34" charset="-122"/>
-              <a:cs typeface="Microsoft YaHei Light" charset="-122"/>
-            </a:endParaRPr>
-          </a:p>
-          <a:p>
-            <a:pPr>
-              <a:lnSpc>
-                <a:spcPct val="150000"/>
-              </a:lnSpc>
-            </a:pPr>
-            <a:r>
               <a:rPr lang="en-US" altLang="zh-CN" sz="1400" dirty="0">
                 <a:latin typeface="微软雅黑 Light" panose="020B0502040204020203" pitchFamily="34" charset="-122"/>
                 <a:ea typeface="微软雅黑 Light" panose="020B0502040204020203" pitchFamily="34" charset="-122"/>
                 <a:cs typeface="Microsoft YaHei Light" charset="-122"/>
               </a:rPr>
-              <a:t>https://</a:t>
-            </a:r>
-            <a:r>
-              <a:rPr lang="en-US" altLang="zh-CN" sz="1400" dirty="0" smtClean="0">
-                <a:latin typeface="微软雅黑 Light" panose="020B0502040204020203" pitchFamily="34" charset="-122"/>
-                <a:ea typeface="微软雅黑 Light" panose="020B0502040204020203" pitchFamily="34" charset="-122"/>
-                <a:cs typeface="Microsoft YaHei Light" charset="-122"/>
-              </a:rPr>
-              <a:t>www.jianshu.com/p/c72802b5e74e</a:t>
-            </a:r>
-            <a:endParaRPr lang="en-US" altLang="zh-CN" sz="1400" dirty="0">
-              <a:latin typeface="微软雅黑 Light" panose="020B0502040204020203" pitchFamily="34" charset="-122"/>
-              <a:ea typeface="微软雅黑 Light" panose="020B0502040204020203" pitchFamily="34" charset="-122"/>
-              <a:cs typeface="Microsoft YaHei Light" charset="-122"/>
-            </a:endParaRPr>
+              <a:t>https://www.jianshu.com/p/c72802b5e74e</a:t>
+            </a:r>
           </a:p>
           <a:p>
             <a:pPr>
@@ -29465,13 +29646,6 @@
       </p:transition>
     </mc:Fallback>
   </mc:AlternateContent>
-  <p:timing>
-    <p:tnLst>
-      <p:par>
-        <p:cTn id="1" dur="indefinite" restart="never" nodeType="tmRoot"/>
-      </p:par>
-    </p:tnLst>
-  </p:timing>
 </p:sld>
 </file>
 
